--- a/Project7_Presentation.pptx
+++ b/Project7_Presentation.pptx
@@ -4,16 +4,19 @@
   <p:sldMasterIdLst>
     <p:sldMasterId id="2147483819" r:id="rId1"/>
   </p:sldMasterIdLst>
+  <p:notesMasterIdLst>
+    <p:notesMasterId r:id="rId17"/>
+  </p:notesMasterIdLst>
   <p:sldIdLst>
     <p:sldId id="256" r:id="rId2"/>
     <p:sldId id="257" r:id="rId3"/>
-    <p:sldId id="258" r:id="rId4"/>
-    <p:sldId id="259" r:id="rId5"/>
-    <p:sldId id="269" r:id="rId6"/>
-    <p:sldId id="270" r:id="rId7"/>
-    <p:sldId id="271" r:id="rId8"/>
-    <p:sldId id="260" r:id="rId9"/>
-    <p:sldId id="264" r:id="rId10"/>
+    <p:sldId id="275" r:id="rId4"/>
+    <p:sldId id="258" r:id="rId5"/>
+    <p:sldId id="260" r:id="rId6"/>
+    <p:sldId id="259" r:id="rId7"/>
+    <p:sldId id="264" r:id="rId8"/>
+    <p:sldId id="273" r:id="rId9"/>
+    <p:sldId id="274" r:id="rId10"/>
     <p:sldId id="261" r:id="rId11"/>
     <p:sldId id="268" r:id="rId12"/>
     <p:sldId id="265" r:id="rId13"/>
@@ -126,6 +129,941 @@
 </p:presentation>
 </file>
 
+<file path=ppt/notesMasters/notesMaster1.xml><?xml version="1.0" encoding="utf-8"?>
+<p:notesMaster xmlns:a="http://schemas.openxmlformats.org/drawingml/2006/main" xmlns:r="http://schemas.openxmlformats.org/officeDocument/2006/relationships" xmlns:p="http://schemas.openxmlformats.org/presentationml/2006/main">
+  <p:cSld>
+    <p:bg>
+      <p:bgRef idx="1001">
+        <a:schemeClr val="bg1"/>
+      </p:bgRef>
+    </p:bg>
+    <p:spTree>
+      <p:nvGrpSpPr>
+        <p:cNvPr id="1" name=""/>
+        <p:cNvGrpSpPr/>
+        <p:nvPr/>
+      </p:nvGrpSpPr>
+      <p:grpSpPr>
+        <a:xfrm>
+          <a:off x="0" y="0"/>
+          <a:ext cx="0" cy="0"/>
+          <a:chOff x="0" y="0"/>
+          <a:chExt cx="0" cy="0"/>
+        </a:xfrm>
+      </p:grpSpPr>
+      <p:sp>
+        <p:nvSpPr>
+          <p:cNvPr id="2" name="Header Placeholder 1"/>
+          <p:cNvSpPr>
+            <a:spLocks noGrp="1"/>
+          </p:cNvSpPr>
+          <p:nvPr>
+            <p:ph type="hdr" sz="quarter"/>
+          </p:nvPr>
+        </p:nvSpPr>
+        <p:spPr>
+          <a:xfrm>
+            <a:off x="0" y="0"/>
+            <a:ext cx="2971800" cy="458788"/>
+          </a:xfrm>
+          <a:prstGeom prst="rect">
+            <a:avLst/>
+          </a:prstGeom>
+        </p:spPr>
+        <p:txBody>
+          <a:bodyPr vert="horz" lIns="91440" tIns="45720" rIns="91440" bIns="45720" rtlCol="0"/>
+          <a:lstStyle>
+            <a:lvl1pPr algn="l">
+              <a:defRPr sz="1200"/>
+            </a:lvl1pPr>
+          </a:lstStyle>
+          <a:p>
+            <a:endParaRPr lang="en-US"/>
+          </a:p>
+        </p:txBody>
+      </p:sp>
+      <p:sp>
+        <p:nvSpPr>
+          <p:cNvPr id="3" name="Date Placeholder 2"/>
+          <p:cNvSpPr>
+            <a:spLocks noGrp="1"/>
+          </p:cNvSpPr>
+          <p:nvPr>
+            <p:ph type="dt" idx="1"/>
+          </p:nvPr>
+        </p:nvSpPr>
+        <p:spPr>
+          <a:xfrm>
+            <a:off x="3884613" y="0"/>
+            <a:ext cx="2971800" cy="458788"/>
+          </a:xfrm>
+          <a:prstGeom prst="rect">
+            <a:avLst/>
+          </a:prstGeom>
+        </p:spPr>
+        <p:txBody>
+          <a:bodyPr vert="horz" lIns="91440" tIns="45720" rIns="91440" bIns="45720" rtlCol="0"/>
+          <a:lstStyle>
+            <a:lvl1pPr algn="r">
+              <a:defRPr sz="1200"/>
+            </a:lvl1pPr>
+          </a:lstStyle>
+          <a:p>
+            <a:fld id="{AE610EB6-40E6-3E47-A3CB-07FE9D02C8E9}" type="datetimeFigureOut">
+              <a:rPr lang="en-US" smtClean="0"/>
+              <a:t>3/15/23</a:t>
+            </a:fld>
+            <a:endParaRPr lang="en-US"/>
+          </a:p>
+        </p:txBody>
+      </p:sp>
+      <p:sp>
+        <p:nvSpPr>
+          <p:cNvPr id="4" name="Slide Image Placeholder 3"/>
+          <p:cNvSpPr>
+            <a:spLocks noGrp="1" noRot="1" noChangeAspect="1"/>
+          </p:cNvSpPr>
+          <p:nvPr>
+            <p:ph type="sldImg" idx="2"/>
+          </p:nvPr>
+        </p:nvSpPr>
+        <p:spPr>
+          <a:xfrm>
+            <a:off x="685800" y="1143000"/>
+            <a:ext cx="5486400" cy="3086100"/>
+          </a:xfrm>
+          <a:prstGeom prst="rect">
+            <a:avLst/>
+          </a:prstGeom>
+          <a:noFill/>
+          <a:ln w="12700">
+            <a:solidFill>
+              <a:prstClr val="black"/>
+            </a:solidFill>
+          </a:ln>
+        </p:spPr>
+        <p:txBody>
+          <a:bodyPr vert="horz" lIns="91440" tIns="45720" rIns="91440" bIns="45720" rtlCol="0" anchor="ctr"/>
+          <a:lstStyle/>
+          <a:p>
+            <a:endParaRPr lang="en-US"/>
+          </a:p>
+        </p:txBody>
+      </p:sp>
+      <p:sp>
+        <p:nvSpPr>
+          <p:cNvPr id="5" name="Notes Placeholder 4"/>
+          <p:cNvSpPr>
+            <a:spLocks noGrp="1"/>
+          </p:cNvSpPr>
+          <p:nvPr>
+            <p:ph type="body" sz="quarter" idx="3"/>
+          </p:nvPr>
+        </p:nvSpPr>
+        <p:spPr>
+          <a:xfrm>
+            <a:off x="685800" y="4400550"/>
+            <a:ext cx="5486400" cy="3600450"/>
+          </a:xfrm>
+          <a:prstGeom prst="rect">
+            <a:avLst/>
+          </a:prstGeom>
+        </p:spPr>
+        <p:txBody>
+          <a:bodyPr vert="horz" lIns="91440" tIns="45720" rIns="91440" bIns="45720" rtlCol="0"/>
+          <a:lstStyle/>
+          <a:p>
+            <a:pPr lvl="0"/>
+            <a:r>
+              <a:rPr lang="en-US"/>
+              <a:t>Click to edit Master text styles</a:t>
+            </a:r>
+          </a:p>
+          <a:p>
+            <a:pPr lvl="1"/>
+            <a:r>
+              <a:rPr lang="en-US"/>
+              <a:t>Second level</a:t>
+            </a:r>
+          </a:p>
+          <a:p>
+            <a:pPr lvl="2"/>
+            <a:r>
+              <a:rPr lang="en-US"/>
+              <a:t>Third level</a:t>
+            </a:r>
+          </a:p>
+          <a:p>
+            <a:pPr lvl="3"/>
+            <a:r>
+              <a:rPr lang="en-US"/>
+              <a:t>Fourth level</a:t>
+            </a:r>
+          </a:p>
+          <a:p>
+            <a:pPr lvl="4"/>
+            <a:r>
+              <a:rPr lang="en-US"/>
+              <a:t>Fifth level</a:t>
+            </a:r>
+          </a:p>
+        </p:txBody>
+      </p:sp>
+      <p:sp>
+        <p:nvSpPr>
+          <p:cNvPr id="6" name="Footer Placeholder 5"/>
+          <p:cNvSpPr>
+            <a:spLocks noGrp="1"/>
+          </p:cNvSpPr>
+          <p:nvPr>
+            <p:ph type="ftr" sz="quarter" idx="4"/>
+          </p:nvPr>
+        </p:nvSpPr>
+        <p:spPr>
+          <a:xfrm>
+            <a:off x="0" y="8685213"/>
+            <a:ext cx="2971800" cy="458787"/>
+          </a:xfrm>
+          <a:prstGeom prst="rect">
+            <a:avLst/>
+          </a:prstGeom>
+        </p:spPr>
+        <p:txBody>
+          <a:bodyPr vert="horz" lIns="91440" tIns="45720" rIns="91440" bIns="45720" rtlCol="0" anchor="b"/>
+          <a:lstStyle>
+            <a:lvl1pPr algn="l">
+              <a:defRPr sz="1200"/>
+            </a:lvl1pPr>
+          </a:lstStyle>
+          <a:p>
+            <a:endParaRPr lang="en-US"/>
+          </a:p>
+        </p:txBody>
+      </p:sp>
+      <p:sp>
+        <p:nvSpPr>
+          <p:cNvPr id="7" name="Slide Number Placeholder 6"/>
+          <p:cNvSpPr>
+            <a:spLocks noGrp="1"/>
+          </p:cNvSpPr>
+          <p:nvPr>
+            <p:ph type="sldNum" sz="quarter" idx="5"/>
+          </p:nvPr>
+        </p:nvSpPr>
+        <p:spPr>
+          <a:xfrm>
+            <a:off x="3884613" y="8685213"/>
+            <a:ext cx="2971800" cy="458787"/>
+          </a:xfrm>
+          <a:prstGeom prst="rect">
+            <a:avLst/>
+          </a:prstGeom>
+        </p:spPr>
+        <p:txBody>
+          <a:bodyPr vert="horz" lIns="91440" tIns="45720" rIns="91440" bIns="45720" rtlCol="0" anchor="b"/>
+          <a:lstStyle>
+            <a:lvl1pPr algn="r">
+              <a:defRPr sz="1200"/>
+            </a:lvl1pPr>
+          </a:lstStyle>
+          <a:p>
+            <a:fld id="{AC95566E-94BD-FA4D-9D37-8087B871A8EE}" type="slidenum">
+              <a:rPr lang="en-US" smtClean="0"/>
+              <a:t>‹#›</a:t>
+            </a:fld>
+            <a:endParaRPr lang="en-US"/>
+          </a:p>
+        </p:txBody>
+      </p:sp>
+    </p:spTree>
+    <p:extLst>
+      <p:ext uri="{BB962C8B-B14F-4D97-AF65-F5344CB8AC3E}">
+        <p14:creationId xmlns:p14="http://schemas.microsoft.com/office/powerpoint/2010/main" val="3870735583"/>
+      </p:ext>
+    </p:extLst>
+  </p:cSld>
+  <p:clrMap bg1="lt1" tx1="dk1" bg2="lt2" tx2="dk2" accent1="accent1" accent2="accent2" accent3="accent3" accent4="accent4" accent5="accent5" accent6="accent6" hlink="hlink" folHlink="folHlink"/>
+  <p:notesStyle>
+    <a:lvl1pPr marL="0" algn="l" defTabSz="914400" rtl="0" eaLnBrk="1" latinLnBrk="0" hangingPunct="1">
+      <a:defRPr sz="1200" kern="1200">
+        <a:solidFill>
+          <a:schemeClr val="tx1"/>
+        </a:solidFill>
+        <a:latin typeface="+mn-lt"/>
+        <a:ea typeface="+mn-ea"/>
+        <a:cs typeface="+mn-cs"/>
+      </a:defRPr>
+    </a:lvl1pPr>
+    <a:lvl2pPr marL="457200" algn="l" defTabSz="914400" rtl="0" eaLnBrk="1" latinLnBrk="0" hangingPunct="1">
+      <a:defRPr sz="1200" kern="1200">
+        <a:solidFill>
+          <a:schemeClr val="tx1"/>
+        </a:solidFill>
+        <a:latin typeface="+mn-lt"/>
+        <a:ea typeface="+mn-ea"/>
+        <a:cs typeface="+mn-cs"/>
+      </a:defRPr>
+    </a:lvl2pPr>
+    <a:lvl3pPr marL="914400" algn="l" defTabSz="914400" rtl="0" eaLnBrk="1" latinLnBrk="0" hangingPunct="1">
+      <a:defRPr sz="1200" kern="1200">
+        <a:solidFill>
+          <a:schemeClr val="tx1"/>
+        </a:solidFill>
+        <a:latin typeface="+mn-lt"/>
+        <a:ea typeface="+mn-ea"/>
+        <a:cs typeface="+mn-cs"/>
+      </a:defRPr>
+    </a:lvl3pPr>
+    <a:lvl4pPr marL="1371600" algn="l" defTabSz="914400" rtl="0" eaLnBrk="1" latinLnBrk="0" hangingPunct="1">
+      <a:defRPr sz="1200" kern="1200">
+        <a:solidFill>
+          <a:schemeClr val="tx1"/>
+        </a:solidFill>
+        <a:latin typeface="+mn-lt"/>
+        <a:ea typeface="+mn-ea"/>
+        <a:cs typeface="+mn-cs"/>
+      </a:defRPr>
+    </a:lvl4pPr>
+    <a:lvl5pPr marL="1828800" algn="l" defTabSz="914400" rtl="0" eaLnBrk="1" latinLnBrk="0" hangingPunct="1">
+      <a:defRPr sz="1200" kern="1200">
+        <a:solidFill>
+          <a:schemeClr val="tx1"/>
+        </a:solidFill>
+        <a:latin typeface="+mn-lt"/>
+        <a:ea typeface="+mn-ea"/>
+        <a:cs typeface="+mn-cs"/>
+      </a:defRPr>
+    </a:lvl5pPr>
+    <a:lvl6pPr marL="2286000" algn="l" defTabSz="914400" rtl="0" eaLnBrk="1" latinLnBrk="0" hangingPunct="1">
+      <a:defRPr sz="1200" kern="1200">
+        <a:solidFill>
+          <a:schemeClr val="tx1"/>
+        </a:solidFill>
+        <a:latin typeface="+mn-lt"/>
+        <a:ea typeface="+mn-ea"/>
+        <a:cs typeface="+mn-cs"/>
+      </a:defRPr>
+    </a:lvl6pPr>
+    <a:lvl7pPr marL="2743200" algn="l" defTabSz="914400" rtl="0" eaLnBrk="1" latinLnBrk="0" hangingPunct="1">
+      <a:defRPr sz="1200" kern="1200">
+        <a:solidFill>
+          <a:schemeClr val="tx1"/>
+        </a:solidFill>
+        <a:latin typeface="+mn-lt"/>
+        <a:ea typeface="+mn-ea"/>
+        <a:cs typeface="+mn-cs"/>
+      </a:defRPr>
+    </a:lvl7pPr>
+    <a:lvl8pPr marL="3200400" algn="l" defTabSz="914400" rtl="0" eaLnBrk="1" latinLnBrk="0" hangingPunct="1">
+      <a:defRPr sz="1200" kern="1200">
+        <a:solidFill>
+          <a:schemeClr val="tx1"/>
+        </a:solidFill>
+        <a:latin typeface="+mn-lt"/>
+        <a:ea typeface="+mn-ea"/>
+        <a:cs typeface="+mn-cs"/>
+      </a:defRPr>
+    </a:lvl8pPr>
+    <a:lvl9pPr marL="3657600" algn="l" defTabSz="914400" rtl="0" eaLnBrk="1" latinLnBrk="0" hangingPunct="1">
+      <a:defRPr sz="1200" kern="1200">
+        <a:solidFill>
+          <a:schemeClr val="tx1"/>
+        </a:solidFill>
+        <a:latin typeface="+mn-lt"/>
+        <a:ea typeface="+mn-ea"/>
+        <a:cs typeface="+mn-cs"/>
+      </a:defRPr>
+    </a:lvl9pPr>
+  </p:notesStyle>
+</p:notesMaster>
+</file>
+
+<file path=ppt/notesSlides/notesSlide1.xml><?xml version="1.0" encoding="utf-8"?>
+<p:notes xmlns:a="http://schemas.openxmlformats.org/drawingml/2006/main" xmlns:r="http://schemas.openxmlformats.org/officeDocument/2006/relationships" xmlns:p="http://schemas.openxmlformats.org/presentationml/2006/main">
+  <p:cSld>
+    <p:spTree>
+      <p:nvGrpSpPr>
+        <p:cNvPr id="1" name=""/>
+        <p:cNvGrpSpPr/>
+        <p:nvPr/>
+      </p:nvGrpSpPr>
+      <p:grpSpPr>
+        <a:xfrm>
+          <a:off x="0" y="0"/>
+          <a:ext cx="0" cy="0"/>
+          <a:chOff x="0" y="0"/>
+          <a:chExt cx="0" cy="0"/>
+        </a:xfrm>
+      </p:grpSpPr>
+      <p:sp>
+        <p:nvSpPr>
+          <p:cNvPr id="2" name="Slide Image Placeholder 1"/>
+          <p:cNvSpPr>
+            <a:spLocks noGrp="1" noRot="1" noChangeAspect="1"/>
+          </p:cNvSpPr>
+          <p:nvPr>
+            <p:ph type="sldImg"/>
+          </p:nvPr>
+        </p:nvSpPr>
+        <p:spPr/>
+      </p:sp>
+      <p:sp>
+        <p:nvSpPr>
+          <p:cNvPr id="3" name="Notes Placeholder 2"/>
+          <p:cNvSpPr>
+            <a:spLocks noGrp="1"/>
+          </p:cNvSpPr>
+          <p:nvPr>
+            <p:ph type="body" idx="1"/>
+          </p:nvPr>
+        </p:nvSpPr>
+        <p:spPr/>
+        <p:txBody>
+          <a:bodyPr/>
+          <a:lstStyle/>
+          <a:p>
+            <a:pPr marL="0" marR="0" lvl="0" indent="0" algn="l" defTabSz="914400" rtl="0" eaLnBrk="1" fontAlgn="auto" latinLnBrk="0" hangingPunct="1">
+              <a:lnSpc>
+                <a:spcPct val="100000"/>
+              </a:lnSpc>
+              <a:spcBef>
+                <a:spcPts val="0"/>
+              </a:spcBef>
+              <a:spcAft>
+                <a:spcPts val="0"/>
+              </a:spcAft>
+              <a:buClrTx/>
+              <a:buSzTx/>
+              <a:buFontTx/>
+              <a:buNone/>
+              <a:tabLst/>
+              <a:defRPr/>
+            </a:pPr>
+            <a:r>
+              <a:rPr lang="en-US" dirty="0"/>
+              <a:t>All combinations of shares are considered: </a:t>
+            </a:r>
+          </a:p>
+          <a:p>
+            <a:pPr marL="0" marR="0" lvl="0" indent="0" algn="l" defTabSz="914400" rtl="0" eaLnBrk="1" fontAlgn="auto" latinLnBrk="0" hangingPunct="1">
+              <a:lnSpc>
+                <a:spcPct val="100000"/>
+              </a:lnSpc>
+              <a:spcBef>
+                <a:spcPts val="0"/>
+              </a:spcBef>
+              <a:spcAft>
+                <a:spcPts val="0"/>
+              </a:spcAft>
+              <a:buClrTx/>
+              <a:buSzTx/>
+              <a:buFontTx/>
+              <a:buNone/>
+              <a:tabLst/>
+              <a:defRPr/>
+            </a:pPr>
+            <a:r>
+              <a:rPr lang="en-US" dirty="0"/>
+              <a:t>	- with combinations of all the possible sizes </a:t>
+            </a:r>
+          </a:p>
+          <a:p>
+            <a:pPr marL="0" marR="0" lvl="0" indent="0" algn="l" defTabSz="914400" rtl="0" eaLnBrk="1" fontAlgn="auto" latinLnBrk="0" hangingPunct="1">
+              <a:lnSpc>
+                <a:spcPct val="100000"/>
+              </a:lnSpc>
+              <a:spcBef>
+                <a:spcPts val="0"/>
+              </a:spcBef>
+              <a:spcAft>
+                <a:spcPts val="0"/>
+              </a:spcAft>
+              <a:buClrTx/>
+              <a:buSzTx/>
+              <a:buFontTx/>
+              <a:buNone/>
+              <a:tabLst/>
+              <a:defRPr/>
+            </a:pPr>
+            <a:r>
+              <a:rPr lang="en-US" dirty="0"/>
+              <a:t>	- from 1 share per combination to a combination with the total number of shares</a:t>
+            </a:r>
+          </a:p>
+          <a:p>
+            <a:endParaRPr lang="en-US" dirty="0"/>
+          </a:p>
+          <a:p>
+            <a:pPr marL="0" marR="0" lvl="0" indent="0" algn="l" defTabSz="914400" rtl="0" eaLnBrk="1" fontAlgn="auto" latinLnBrk="0" hangingPunct="1">
+              <a:lnSpc>
+                <a:spcPct val="100000"/>
+              </a:lnSpc>
+              <a:spcBef>
+                <a:spcPts val="0"/>
+              </a:spcBef>
+              <a:spcAft>
+                <a:spcPts val="0"/>
+              </a:spcAft>
+              <a:buClrTx/>
+              <a:buSzTx/>
+              <a:buFontTx/>
+              <a:buNone/>
+              <a:tabLst/>
+              <a:defRPr/>
+            </a:pPr>
+            <a:r>
+              <a:rPr lang="en-US" dirty="0"/>
+              <a:t>Only combinations whose total price is 500€ or less are kept in memory,</a:t>
+            </a:r>
+          </a:p>
+          <a:p>
+            <a:pPr marL="0" marR="0" lvl="0" indent="0" algn="l" defTabSz="914400" rtl="0" eaLnBrk="1" fontAlgn="auto" latinLnBrk="0" hangingPunct="1">
+              <a:lnSpc>
+                <a:spcPct val="100000"/>
+              </a:lnSpc>
+              <a:spcBef>
+                <a:spcPts val="0"/>
+              </a:spcBef>
+              <a:spcAft>
+                <a:spcPts val="0"/>
+              </a:spcAft>
+              <a:buClrTx/>
+              <a:buSzTx/>
+              <a:buFontTx/>
+              <a:buNone/>
+              <a:tabLst/>
+              <a:defRPr/>
+            </a:pPr>
+            <a:r>
+              <a:rPr lang="en-US" dirty="0"/>
+              <a:t>	 still a big amount</a:t>
+            </a:r>
+          </a:p>
+          <a:p>
+            <a:endParaRPr lang="en-US" dirty="0"/>
+          </a:p>
+        </p:txBody>
+      </p:sp>
+      <p:sp>
+        <p:nvSpPr>
+          <p:cNvPr id="4" name="Slide Number Placeholder 3"/>
+          <p:cNvSpPr>
+            <a:spLocks noGrp="1"/>
+          </p:cNvSpPr>
+          <p:nvPr>
+            <p:ph type="sldNum" sz="quarter" idx="5"/>
+          </p:nvPr>
+        </p:nvSpPr>
+        <p:spPr/>
+        <p:txBody>
+          <a:bodyPr/>
+          <a:lstStyle/>
+          <a:p>
+            <a:fld id="{AC95566E-94BD-FA4D-9D37-8087B871A8EE}" type="slidenum">
+              <a:rPr lang="en-US" smtClean="0"/>
+              <a:t>4</a:t>
+            </a:fld>
+            <a:endParaRPr lang="en-US"/>
+          </a:p>
+        </p:txBody>
+      </p:sp>
+    </p:spTree>
+    <p:extLst>
+      <p:ext uri="{BB962C8B-B14F-4D97-AF65-F5344CB8AC3E}">
+        <p14:creationId xmlns:p14="http://schemas.microsoft.com/office/powerpoint/2010/main" val="2500115104"/>
+      </p:ext>
+    </p:extLst>
+  </p:cSld>
+  <p:clrMapOvr>
+    <a:masterClrMapping/>
+  </p:clrMapOvr>
+</p:notes>
+</file>
+
+<file path=ppt/notesSlides/notesSlide2.xml><?xml version="1.0" encoding="utf-8"?>
+<p:notes xmlns:a="http://schemas.openxmlformats.org/drawingml/2006/main" xmlns:r="http://schemas.openxmlformats.org/officeDocument/2006/relationships" xmlns:p="http://schemas.openxmlformats.org/presentationml/2006/main">
+  <p:cSld>
+    <p:spTree>
+      <p:nvGrpSpPr>
+        <p:cNvPr id="1" name=""/>
+        <p:cNvGrpSpPr/>
+        <p:nvPr/>
+      </p:nvGrpSpPr>
+      <p:grpSpPr>
+        <a:xfrm>
+          <a:off x="0" y="0"/>
+          <a:ext cx="0" cy="0"/>
+          <a:chOff x="0" y="0"/>
+          <a:chExt cx="0" cy="0"/>
+        </a:xfrm>
+      </p:grpSpPr>
+      <p:sp>
+        <p:nvSpPr>
+          <p:cNvPr id="2" name="Slide Image Placeholder 1"/>
+          <p:cNvSpPr>
+            <a:spLocks noGrp="1" noRot="1" noChangeAspect="1"/>
+          </p:cNvSpPr>
+          <p:nvPr>
+            <p:ph type="sldImg"/>
+          </p:nvPr>
+        </p:nvSpPr>
+        <p:spPr/>
+      </p:sp>
+      <p:sp>
+        <p:nvSpPr>
+          <p:cNvPr id="3" name="Notes Placeholder 2"/>
+          <p:cNvSpPr>
+            <a:spLocks noGrp="1"/>
+          </p:cNvSpPr>
+          <p:nvPr>
+            <p:ph type="body" idx="1"/>
+          </p:nvPr>
+        </p:nvSpPr>
+        <p:spPr/>
+        <p:txBody>
+          <a:bodyPr/>
+          <a:lstStyle/>
+          <a:p>
+            <a:r>
+              <a:rPr lang="en-US" dirty="0"/>
+              <a:t>Optimized will buy Share A et won’t be able to buy the other shares.</a:t>
+            </a:r>
+          </a:p>
+          <a:p>
+            <a:r>
+              <a:rPr lang="en-US" dirty="0"/>
+              <a:t>The actual profit of shares B, C, D, and E is better than actual profit of share A.</a:t>
+            </a:r>
+          </a:p>
+          <a:p>
+            <a:r>
+              <a:rPr lang="en-US" dirty="0"/>
+              <a:t>Optimized algorithm did not find the best combination.</a:t>
+            </a:r>
+          </a:p>
+          <a:p>
+            <a:r>
+              <a:rPr lang="en-US" dirty="0"/>
+              <a:t>Difference is low, however.</a:t>
+            </a:r>
+          </a:p>
+        </p:txBody>
+      </p:sp>
+      <p:sp>
+        <p:nvSpPr>
+          <p:cNvPr id="4" name="Slide Number Placeholder 3"/>
+          <p:cNvSpPr>
+            <a:spLocks noGrp="1"/>
+          </p:cNvSpPr>
+          <p:nvPr>
+            <p:ph type="sldNum" sz="quarter" idx="5"/>
+          </p:nvPr>
+        </p:nvSpPr>
+        <p:spPr/>
+        <p:txBody>
+          <a:bodyPr/>
+          <a:lstStyle/>
+          <a:p>
+            <a:fld id="{AC95566E-94BD-FA4D-9D37-8087B871A8EE}" type="slidenum">
+              <a:rPr lang="en-US" smtClean="0"/>
+              <a:t>8</a:t>
+            </a:fld>
+            <a:endParaRPr lang="en-US"/>
+          </a:p>
+        </p:txBody>
+      </p:sp>
+    </p:spTree>
+    <p:extLst>
+      <p:ext uri="{BB962C8B-B14F-4D97-AF65-F5344CB8AC3E}">
+        <p14:creationId xmlns:p14="http://schemas.microsoft.com/office/powerpoint/2010/main" val="1615732439"/>
+      </p:ext>
+    </p:extLst>
+  </p:cSld>
+  <p:clrMapOvr>
+    <a:masterClrMapping/>
+  </p:clrMapOvr>
+</p:notes>
+</file>
+
+<file path=ppt/notesSlides/notesSlide3.xml><?xml version="1.0" encoding="utf-8"?>
+<p:notes xmlns:a="http://schemas.openxmlformats.org/drawingml/2006/main" xmlns:r="http://schemas.openxmlformats.org/officeDocument/2006/relationships" xmlns:p="http://schemas.openxmlformats.org/presentationml/2006/main">
+  <p:cSld>
+    <p:spTree>
+      <p:nvGrpSpPr>
+        <p:cNvPr id="1" name=""/>
+        <p:cNvGrpSpPr/>
+        <p:nvPr/>
+      </p:nvGrpSpPr>
+      <p:grpSpPr>
+        <a:xfrm>
+          <a:off x="0" y="0"/>
+          <a:ext cx="0" cy="0"/>
+          <a:chOff x="0" y="0"/>
+          <a:chExt cx="0" cy="0"/>
+        </a:xfrm>
+      </p:grpSpPr>
+      <p:sp>
+        <p:nvSpPr>
+          <p:cNvPr id="2" name="Slide Image Placeholder 1"/>
+          <p:cNvSpPr>
+            <a:spLocks noGrp="1" noRot="1" noChangeAspect="1"/>
+          </p:cNvSpPr>
+          <p:nvPr>
+            <p:ph type="sldImg"/>
+          </p:nvPr>
+        </p:nvSpPr>
+        <p:spPr/>
+      </p:sp>
+      <p:sp>
+        <p:nvSpPr>
+          <p:cNvPr id="3" name="Notes Placeholder 2"/>
+          <p:cNvSpPr>
+            <a:spLocks noGrp="1"/>
+          </p:cNvSpPr>
+          <p:nvPr>
+            <p:ph type="body" idx="1"/>
+          </p:nvPr>
+        </p:nvSpPr>
+        <p:spPr/>
+        <p:txBody>
+          <a:bodyPr/>
+          <a:lstStyle/>
+          <a:p>
+            <a:r>
+              <a:rPr lang="en-US" dirty="0"/>
+              <a:t>Optimized will buy Share A et won’t be able to buy the share B.</a:t>
+            </a:r>
+          </a:p>
+          <a:p>
+            <a:r>
+              <a:rPr lang="en-US" dirty="0"/>
+              <a:t>The actual profit of share B is better than actual profit of share A because the price of B is much higher for an almost same profit percentage.</a:t>
+            </a:r>
+          </a:p>
+          <a:p>
+            <a:r>
+              <a:rPr lang="en-US" dirty="0"/>
+              <a:t>Optimized algorithm did not find the best share to buy in this case either.</a:t>
+            </a:r>
+          </a:p>
+          <a:p>
+            <a:r>
+              <a:rPr lang="en-US" dirty="0"/>
+              <a:t>Difference is high.</a:t>
+            </a:r>
+          </a:p>
+          <a:p>
+            <a:endParaRPr lang="en-US" dirty="0"/>
+          </a:p>
+        </p:txBody>
+      </p:sp>
+      <p:sp>
+        <p:nvSpPr>
+          <p:cNvPr id="4" name="Slide Number Placeholder 3"/>
+          <p:cNvSpPr>
+            <a:spLocks noGrp="1"/>
+          </p:cNvSpPr>
+          <p:nvPr>
+            <p:ph type="sldNum" sz="quarter" idx="5"/>
+          </p:nvPr>
+        </p:nvSpPr>
+        <p:spPr/>
+        <p:txBody>
+          <a:bodyPr/>
+          <a:lstStyle/>
+          <a:p>
+            <a:fld id="{AC95566E-94BD-FA4D-9D37-8087B871A8EE}" type="slidenum">
+              <a:rPr lang="en-US" smtClean="0"/>
+              <a:t>9</a:t>
+            </a:fld>
+            <a:endParaRPr lang="en-US"/>
+          </a:p>
+        </p:txBody>
+      </p:sp>
+    </p:spTree>
+    <p:extLst>
+      <p:ext uri="{BB962C8B-B14F-4D97-AF65-F5344CB8AC3E}">
+        <p14:creationId xmlns:p14="http://schemas.microsoft.com/office/powerpoint/2010/main" val="3613092362"/>
+      </p:ext>
+    </p:extLst>
+  </p:cSld>
+  <p:clrMapOvr>
+    <a:masterClrMapping/>
+  </p:clrMapOvr>
+</p:notes>
+</file>
+
+<file path=ppt/notesSlides/notesSlide4.xml><?xml version="1.0" encoding="utf-8"?>
+<p:notes xmlns:a="http://schemas.openxmlformats.org/drawingml/2006/main" xmlns:r="http://schemas.openxmlformats.org/officeDocument/2006/relationships" xmlns:p="http://schemas.openxmlformats.org/presentationml/2006/main">
+  <p:cSld>
+    <p:spTree>
+      <p:nvGrpSpPr>
+        <p:cNvPr id="1" name=""/>
+        <p:cNvGrpSpPr/>
+        <p:nvPr/>
+      </p:nvGrpSpPr>
+      <p:grpSpPr>
+        <a:xfrm>
+          <a:off x="0" y="0"/>
+          <a:ext cx="0" cy="0"/>
+          <a:chOff x="0" y="0"/>
+          <a:chExt cx="0" cy="0"/>
+        </a:xfrm>
+      </p:grpSpPr>
+      <p:sp>
+        <p:nvSpPr>
+          <p:cNvPr id="2" name="Slide Image Placeholder 1"/>
+          <p:cNvSpPr>
+            <a:spLocks noGrp="1" noRot="1" noChangeAspect="1"/>
+          </p:cNvSpPr>
+          <p:nvPr>
+            <p:ph type="sldImg"/>
+          </p:nvPr>
+        </p:nvSpPr>
+        <p:spPr/>
+      </p:sp>
+      <p:sp>
+        <p:nvSpPr>
+          <p:cNvPr id="3" name="Notes Placeholder 2"/>
+          <p:cNvSpPr>
+            <a:spLocks noGrp="1"/>
+          </p:cNvSpPr>
+          <p:nvPr>
+            <p:ph type="body" idx="1"/>
+          </p:nvPr>
+        </p:nvSpPr>
+        <p:spPr/>
+        <p:txBody>
+          <a:bodyPr/>
+          <a:lstStyle/>
+          <a:p>
+            <a:r>
+              <a:rPr lang="en-US" dirty="0"/>
+              <a:t>Let’s compare Optimized and Brute-force algorithms.</a:t>
+            </a:r>
+          </a:p>
+        </p:txBody>
+      </p:sp>
+      <p:sp>
+        <p:nvSpPr>
+          <p:cNvPr id="4" name="Slide Number Placeholder 3"/>
+          <p:cNvSpPr>
+            <a:spLocks noGrp="1"/>
+          </p:cNvSpPr>
+          <p:nvPr>
+            <p:ph type="sldNum" sz="quarter" idx="5"/>
+          </p:nvPr>
+        </p:nvSpPr>
+        <p:spPr/>
+        <p:txBody>
+          <a:bodyPr/>
+          <a:lstStyle/>
+          <a:p>
+            <a:fld id="{AC95566E-94BD-FA4D-9D37-8087B871A8EE}" type="slidenum">
+              <a:rPr lang="en-US" smtClean="0"/>
+              <a:t>10</a:t>
+            </a:fld>
+            <a:endParaRPr lang="en-US"/>
+          </a:p>
+        </p:txBody>
+      </p:sp>
+    </p:spTree>
+    <p:extLst>
+      <p:ext uri="{BB962C8B-B14F-4D97-AF65-F5344CB8AC3E}">
+        <p14:creationId xmlns:p14="http://schemas.microsoft.com/office/powerpoint/2010/main" val="2606735106"/>
+      </p:ext>
+    </p:extLst>
+  </p:cSld>
+  <p:clrMapOvr>
+    <a:masterClrMapping/>
+  </p:clrMapOvr>
+</p:notes>
+</file>
+
+<file path=ppt/notesSlides/notesSlide5.xml><?xml version="1.0" encoding="utf-8"?>
+<p:notes xmlns:a="http://schemas.openxmlformats.org/drawingml/2006/main" xmlns:r="http://schemas.openxmlformats.org/officeDocument/2006/relationships" xmlns:p="http://schemas.openxmlformats.org/presentationml/2006/main">
+  <p:cSld>
+    <p:spTree>
+      <p:nvGrpSpPr>
+        <p:cNvPr id="1" name=""/>
+        <p:cNvGrpSpPr/>
+        <p:nvPr/>
+      </p:nvGrpSpPr>
+      <p:grpSpPr>
+        <a:xfrm>
+          <a:off x="0" y="0"/>
+          <a:ext cx="0" cy="0"/>
+          <a:chOff x="0" y="0"/>
+          <a:chExt cx="0" cy="0"/>
+        </a:xfrm>
+      </p:grpSpPr>
+      <p:sp>
+        <p:nvSpPr>
+          <p:cNvPr id="2" name="Slide Image Placeholder 1"/>
+          <p:cNvSpPr>
+            <a:spLocks noGrp="1" noRot="1" noChangeAspect="1"/>
+          </p:cNvSpPr>
+          <p:nvPr>
+            <p:ph type="sldImg"/>
+          </p:nvPr>
+        </p:nvSpPr>
+        <p:spPr/>
+      </p:sp>
+      <p:sp>
+        <p:nvSpPr>
+          <p:cNvPr id="3" name="Notes Placeholder 2"/>
+          <p:cNvSpPr>
+            <a:spLocks noGrp="1"/>
+          </p:cNvSpPr>
+          <p:nvPr>
+            <p:ph type="body" idx="1"/>
+          </p:nvPr>
+        </p:nvSpPr>
+        <p:spPr/>
+        <p:txBody>
+          <a:bodyPr/>
+          <a:lstStyle/>
+          <a:p>
+            <a:endParaRPr lang="en-US" dirty="0"/>
+          </a:p>
+        </p:txBody>
+      </p:sp>
+      <p:sp>
+        <p:nvSpPr>
+          <p:cNvPr id="4" name="Slide Number Placeholder 3"/>
+          <p:cNvSpPr>
+            <a:spLocks noGrp="1"/>
+          </p:cNvSpPr>
+          <p:nvPr>
+            <p:ph type="sldNum" sz="quarter" idx="5"/>
+          </p:nvPr>
+        </p:nvSpPr>
+        <p:spPr/>
+        <p:txBody>
+          <a:bodyPr/>
+          <a:lstStyle/>
+          <a:p>
+            <a:fld id="{AC95566E-94BD-FA4D-9D37-8087B871A8EE}" type="slidenum">
+              <a:rPr lang="en-US" smtClean="0"/>
+              <a:t>14</a:t>
+            </a:fld>
+            <a:endParaRPr lang="en-US"/>
+          </a:p>
+        </p:txBody>
+      </p:sp>
+    </p:spTree>
+    <p:extLst>
+      <p:ext uri="{BB962C8B-B14F-4D97-AF65-F5344CB8AC3E}">
+        <p14:creationId xmlns:p14="http://schemas.microsoft.com/office/powerpoint/2010/main" val="3624601091"/>
+      </p:ext>
+    </p:extLst>
+  </p:cSld>
+  <p:clrMapOvr>
+    <a:masterClrMapping/>
+  </p:clrMapOvr>
+</p:notes>
+</file>
+
 <file path=ppt/slideLayouts/slideLayout1.xml><?xml version="1.0" encoding="utf-8"?>
 <p:sldLayout xmlns:a="http://schemas.openxmlformats.org/drawingml/2006/main" xmlns:r="http://schemas.openxmlformats.org/officeDocument/2006/relationships" xmlns:p="http://schemas.openxmlformats.org/presentationml/2006/main" showMasterSp="0" type="title" preserve="1">
   <p:cSld name="Title Slide">
@@ -461,7 +1399,7 @@
           <a:p>
             <a:fld id="{81B8F32D-D8B6-4B9E-9CBF-DCAC30B7B93D}" type="datetimeFigureOut">
               <a:rPr lang="en-US" smtClean="0"/>
-              <a:t>2/25/23</a:t>
+              <a:t>3/14/23</a:t>
             </a:fld>
             <a:endParaRPr lang="en-US"/>
           </a:p>
@@ -1550,7 +2488,7 @@
             <a:fld id="{81B8F32D-D8B6-4B9E-9CBF-DCAC30B7B93D}" type="datetimeFigureOut">
               <a:rPr lang="en-US" smtClean="0"/>
               <a:pPr/>
-              <a:t>2/25/23</a:t>
+              <a:t>3/14/23</a:t>
             </a:fld>
             <a:endParaRPr lang="en-US" dirty="0"/>
           </a:p>
@@ -2532,7 +3470,7 @@
             <a:fld id="{81B8F32D-D8B6-4B9E-9CBF-DCAC30B7B93D}" type="datetimeFigureOut">
               <a:rPr lang="en-US" smtClean="0"/>
               <a:pPr/>
-              <a:t>2/25/23</a:t>
+              <a:t>3/14/23</a:t>
             </a:fld>
             <a:endParaRPr lang="en-US" dirty="0"/>
           </a:p>
@@ -3668,7 +4606,7 @@
             <a:fld id="{81B8F32D-D8B6-4B9E-9CBF-DCAC30B7B93D}" type="datetimeFigureOut">
               <a:rPr lang="en-US" smtClean="0"/>
               <a:pPr/>
-              <a:t>2/25/23</a:t>
+              <a:t>3/14/23</a:t>
             </a:fld>
             <a:endParaRPr lang="en-US" dirty="0"/>
           </a:p>
@@ -4703,7 +5641,7 @@
             <a:fld id="{81B8F32D-D8B6-4B9E-9CBF-DCAC30B7B93D}" type="datetimeFigureOut">
               <a:rPr lang="en-US" smtClean="0"/>
               <a:pPr/>
-              <a:t>2/25/23</a:t>
+              <a:t>3/14/23</a:t>
             </a:fld>
             <a:endParaRPr lang="en-US" dirty="0"/>
           </a:p>
@@ -5365,7 +6303,7 @@
             <a:fld id="{81B8F32D-D8B6-4B9E-9CBF-DCAC30B7B93D}" type="datetimeFigureOut">
               <a:rPr lang="en-US" smtClean="0"/>
               <a:pPr/>
-              <a:t>2/25/23</a:t>
+              <a:t>3/14/23</a:t>
             </a:fld>
             <a:endParaRPr lang="en-US" dirty="0"/>
           </a:p>
@@ -6228,7 +7166,7 @@
             <a:fld id="{81B8F32D-D8B6-4B9E-9CBF-DCAC30B7B93D}" type="datetimeFigureOut">
               <a:rPr lang="en-US" smtClean="0"/>
               <a:pPr/>
-              <a:t>2/25/23</a:t>
+              <a:t>3/14/23</a:t>
             </a:fld>
             <a:endParaRPr lang="en-US" dirty="0"/>
           </a:p>
@@ -6419,7 +7357,7 @@
           <a:p>
             <a:fld id="{81B8F32D-D8B6-4B9E-9CBF-DCAC30B7B93D}" type="datetimeFigureOut">
               <a:rPr lang="en-US" smtClean="0"/>
-              <a:t>2/25/23</a:t>
+              <a:t>3/14/23</a:t>
             </a:fld>
             <a:endParaRPr lang="en-US"/>
           </a:p>
@@ -7391,7 +8329,7 @@
           <a:p>
             <a:fld id="{81B8F32D-D8B6-4B9E-9CBF-DCAC30B7B93D}" type="datetimeFigureOut">
               <a:rPr lang="en-US" smtClean="0"/>
-              <a:t>2/25/23</a:t>
+              <a:t>3/14/23</a:t>
             </a:fld>
             <a:endParaRPr lang="en-US"/>
           </a:p>
@@ -7602,7 +8540,7 @@
           <a:p>
             <a:fld id="{81B8F32D-D8B6-4B9E-9CBF-DCAC30B7B93D}" type="datetimeFigureOut">
               <a:rPr lang="en-US" smtClean="0"/>
-              <a:t>2/25/23</a:t>
+              <a:t>3/14/23</a:t>
             </a:fld>
             <a:endParaRPr lang="en-US"/>
           </a:p>
@@ -8636,7 +9574,7 @@
           <a:p>
             <a:fld id="{81B8F32D-D8B6-4B9E-9CBF-DCAC30B7B93D}" type="datetimeFigureOut">
               <a:rPr lang="en-US" smtClean="0"/>
-              <a:t>2/25/23</a:t>
+              <a:t>3/14/23</a:t>
             </a:fld>
             <a:endParaRPr lang="en-US"/>
           </a:p>
@@ -8908,7 +9846,7 @@
           <a:p>
             <a:fld id="{81B8F32D-D8B6-4B9E-9CBF-DCAC30B7B93D}" type="datetimeFigureOut">
               <a:rPr lang="en-US" smtClean="0"/>
-              <a:t>2/25/23</a:t>
+              <a:t>3/14/23</a:t>
             </a:fld>
             <a:endParaRPr lang="en-US"/>
           </a:p>
@@ -9319,7 +10257,7 @@
             <a:fld id="{81B8F32D-D8B6-4B9E-9CBF-DCAC30B7B93D}" type="datetimeFigureOut">
               <a:rPr lang="en-US" smtClean="0"/>
               <a:pPr/>
-              <a:t>2/25/23</a:t>
+              <a:t>3/14/23</a:t>
             </a:fld>
             <a:endParaRPr lang="en-US" dirty="0"/>
           </a:p>
@@ -9447,7 +10385,7 @@
           <a:p>
             <a:fld id="{81B8F32D-D8B6-4B9E-9CBF-DCAC30B7B93D}" type="datetimeFigureOut">
               <a:rPr lang="en-US" smtClean="0"/>
-              <a:t>2/25/23</a:t>
+              <a:t>3/14/23</a:t>
             </a:fld>
             <a:endParaRPr lang="en-US"/>
           </a:p>
@@ -9542,7 +10480,7 @@
           <a:p>
             <a:fld id="{81B8F32D-D8B6-4B9E-9CBF-DCAC30B7B93D}" type="datetimeFigureOut">
               <a:rPr lang="en-US" smtClean="0"/>
-              <a:t>2/25/23</a:t>
+              <a:t>3/14/23</a:t>
             </a:fld>
             <a:endParaRPr lang="en-US"/>
           </a:p>
@@ -10623,7 +11561,7 @@
           <a:p>
             <a:fld id="{81B8F32D-D8B6-4B9E-9CBF-DCAC30B7B93D}" type="datetimeFigureOut">
               <a:rPr lang="en-US" smtClean="0"/>
-              <a:t>2/25/23</a:t>
+              <a:t>3/14/23</a:t>
             </a:fld>
             <a:endParaRPr lang="en-US"/>
           </a:p>
@@ -11731,7 +12669,7 @@
           <a:p>
             <a:fld id="{81B8F32D-D8B6-4B9E-9CBF-DCAC30B7B93D}" type="datetimeFigureOut">
               <a:rPr lang="en-US" smtClean="0"/>
-              <a:t>2/25/23</a:t>
+              <a:t>3/14/23</a:t>
             </a:fld>
             <a:endParaRPr lang="en-US"/>
           </a:p>
@@ -12729,7 +13667,7 @@
             <a:fld id="{81B8F32D-D8B6-4B9E-9CBF-DCAC30B7B93D}" type="datetimeFigureOut">
               <a:rPr lang="en-US" smtClean="0"/>
               <a:pPr/>
-              <a:t>2/25/23</a:t>
+              <a:t>3/14/23</a:t>
             </a:fld>
             <a:endParaRPr lang="en-US" dirty="0"/>
           </a:p>
@@ -15442,24 +16380,8 @@
           <a:p>
             <a:r>
               <a:rPr lang="en-US" dirty="0"/>
-              <a:t>Time complexity </a:t>
+              <a:t>Time complexity</a:t>
             </a:r>
-            <a:r>
-              <a:rPr lang="en-US" sz="1800" b="1" kern="1100" dirty="0">
-                <a:solidFill>
-                  <a:schemeClr val="dk1"/>
-                </a:solidFill>
-                <a:effectLst/>
-                <a:latin typeface="+mn-lt"/>
-                <a:ea typeface="+mn-ea"/>
-                <a:cs typeface="+mn-cs"/>
-              </a:rPr>
-              <a:t>O(n log n)</a:t>
-            </a:r>
-            <a:endParaRPr lang="en-US" b="1" kern="1100" dirty="0"/>
-          </a:p>
-          <a:p>
-            <a:endParaRPr lang="en-US" dirty="0"/>
           </a:p>
         </p:txBody>
       </p:sp>
@@ -15478,7 +16400,7 @@
           <p:nvPr>
             <p:extLst>
               <p:ext uri="{D42A27DB-BD31-4B8C-83A1-F6EECF244321}">
-                <p14:modId xmlns:p14="http://schemas.microsoft.com/office/powerpoint/2010/main" val="2114623480"/>
+                <p14:modId xmlns:p14="http://schemas.microsoft.com/office/powerpoint/2010/main" val="1209011110"/>
               </p:ext>
             </p:extLst>
           </p:nvPr>
@@ -15530,10 +16452,9 @@
                     <a:lstStyle/>
                     <a:p>
                       <a:r>
-                        <a:rPr lang="en-US" dirty="0" err="1"/>
-                        <a:t>Bruteforce</a:t>
+                        <a:rPr lang="en-US" dirty="0"/>
+                        <a:t>Brute-force</a:t>
                       </a:r>
-                      <a:endParaRPr lang="en-US" dirty="0"/>
                     </a:p>
                   </a:txBody>
                   <a:tcPr anchor="ctr"/>
@@ -16332,7 +17253,7 @@
           <p:nvPr>
             <p:extLst>
               <p:ext uri="{D42A27DB-BD31-4B8C-83A1-F6EECF244321}">
-                <p14:modId xmlns:p14="http://schemas.microsoft.com/office/powerpoint/2010/main" val="2902774950"/>
+                <p14:modId xmlns:p14="http://schemas.microsoft.com/office/powerpoint/2010/main" val="2127511927"/>
               </p:ext>
             </p:extLst>
           </p:nvPr>
@@ -16400,10 +17321,9 @@
                         </a:lnSpc>
                       </a:pPr>
                       <a:r>
-                        <a:rPr lang="en-US" kern="1100" dirty="0" err="1"/>
-                        <a:t>Bruteforce</a:t>
+                        <a:rPr lang="en-US" kern="1100" dirty="0"/>
+                        <a:t>Brute-force</a:t>
                       </a:r>
-                      <a:endParaRPr lang="en-US" kern="1100" dirty="0"/>
                     </a:p>
                   </a:txBody>
                   <a:tcPr anchor="ctr"/>
@@ -16910,7 +17830,7 @@
           <p:nvPr>
             <p:extLst>
               <p:ext uri="{D42A27DB-BD31-4B8C-83A1-F6EECF244321}">
-                <p14:modId xmlns:p14="http://schemas.microsoft.com/office/powerpoint/2010/main" val="999743827"/>
+                <p14:modId xmlns:p14="http://schemas.microsoft.com/office/powerpoint/2010/main" val="3873565419"/>
               </p:ext>
             </p:extLst>
           </p:nvPr>
@@ -16962,10 +17882,9 @@
                     <a:lstStyle/>
                     <a:p>
                       <a:r>
-                        <a:rPr lang="en-US" dirty="0" err="1"/>
-                        <a:t>Bruteforce</a:t>
+                        <a:rPr lang="en-US" dirty="0"/>
+                        <a:t>Brute-force</a:t>
                       </a:r>
-                      <a:endParaRPr lang="en-US" dirty="0"/>
                     </a:p>
                   </a:txBody>
                   <a:tcPr anchor="ctr"/>
@@ -17484,7 +18403,7 @@
                       </a:pPr>
                       <a:r>
                         <a:rPr lang="en-US" dirty="0"/>
-                        <a:t>Space complexity is exponential</a:t>
+                        <a:t>Space complexity is linear</a:t>
                       </a:r>
                     </a:p>
                   </a:txBody>
@@ -17529,13 +18448,8 @@
                       </a:pPr>
                       <a:r>
                         <a:rPr lang="en-US" dirty="0"/>
-                        <a:t>Space complexity is </a:t>
+                        <a:t>Space complexity is linear</a:t>
                       </a:r>
-                      <a:r>
-                        <a:rPr lang="en-US" dirty="0" err="1"/>
-                        <a:t>linearithmic</a:t>
-                      </a:r>
-                      <a:endParaRPr lang="en-US" dirty="0"/>
                     </a:p>
                   </a:txBody>
                   <a:tcPr anchor="ctr"/>
@@ -17646,40 +18560,95 @@
             <p:ph idx="1"/>
           </p:nvPr>
         </p:nvSpPr>
-        <p:spPr/>
+        <p:spPr>
+          <a:xfrm>
+            <a:off x="1154954" y="2557670"/>
+            <a:ext cx="10188907" cy="4300330"/>
+          </a:xfrm>
+        </p:spPr>
         <p:txBody>
-          <a:bodyPr/>
+          <a:bodyPr>
+            <a:normAutofit/>
+          </a:bodyPr>
           <a:lstStyle/>
           <a:p>
             <a:pPr marL="0" indent="0">
               <a:buNone/>
             </a:pPr>
             <a:r>
-              <a:rPr lang="en-US" dirty="0"/>
+              <a:rPr lang="en-US" sz="2000" dirty="0"/>
               <a:t>State of the dataset</a:t>
             </a:r>
           </a:p>
           <a:p>
             <a:r>
-              <a:rPr lang="en-US" dirty="0"/>
-              <a:t>Some shares have a price of 0. Profit being a percentage of the price, if the price is 0, the actual profit will be 0. However, if the price were to go up, profit would be 100%.</a:t>
+              <a:rPr lang="en-US" sz="2000" dirty="0"/>
+              <a:t>Some shares have a price of 0 €. </a:t>
             </a:r>
           </a:p>
           <a:p>
             <a:pPr lvl="1"/>
             <a:r>
-              <a:rPr lang="en-US" dirty="0"/>
-              <a:t>If the 0 means a data is missing, it might be better to ignore the shares. Easily modifiable.</a:t>
+              <a:rPr lang="en-US" sz="1800" dirty="0"/>
+              <a:t>Price = 0 €  </a:t>
             </a:r>
-          </a:p>
-          <a:p>
             <a:r>
-              <a:rPr lang="en-US" dirty="0"/>
-              <a:t>Some shares may have a negative price, i.e., one is being paid to buy a share. This is likely a typo and all the prices are converted to positive number upon treatment.</a:t>
+              <a:rPr lang="en-US" sz="1800" dirty="0">
+                <a:sym typeface="Wingdings" pitchFamily="2" charset="2"/>
+              </a:rPr>
+              <a:t></a:t>
             </a:r>
-          </a:p>
-          <a:p>
-            <a:endParaRPr lang="en-US" dirty="0"/>
+            <a:r>
+              <a:rPr lang="en-US" sz="1800" dirty="0"/>
+              <a:t>  Actual profit = 0 €. </a:t>
+            </a:r>
+          </a:p>
+          <a:p>
+            <a:pPr lvl="1"/>
+            <a:r>
+              <a:rPr lang="en-US" sz="1800" dirty="0"/>
+              <a:t>If Price ↗ after buying  </a:t>
+            </a:r>
+            <a:r>
+              <a:rPr lang="en-US" sz="1800" dirty="0">
+                <a:sym typeface="Wingdings" pitchFamily="2" charset="2"/>
+              </a:rPr>
+              <a:t> </a:t>
+            </a:r>
+            <a:r>
+              <a:rPr lang="en-US" sz="1800" dirty="0"/>
+              <a:t> Profit ↗</a:t>
+            </a:r>
+          </a:p>
+          <a:p>
+            <a:pPr lvl="1"/>
+            <a:r>
+              <a:rPr lang="en-US" sz="1800" dirty="0"/>
+              <a:t>In optimized.py, we chose to buy those shares. Easily modifiable.</a:t>
+            </a:r>
+          </a:p>
+          <a:p>
+            <a:r>
+              <a:rPr lang="en-US" sz="2000" dirty="0"/>
+              <a:t>Some shares have a negative price. </a:t>
+            </a:r>
+          </a:p>
+          <a:p>
+            <a:pPr lvl="1"/>
+            <a:r>
+              <a:rPr lang="en-US" sz="1800" dirty="0"/>
+              <a:t>Likely a typo.</a:t>
+            </a:r>
+          </a:p>
+          <a:p>
+            <a:pPr lvl="1"/>
+            <a:r>
+              <a:rPr lang="en-US" sz="1800" dirty="0"/>
+              <a:t>All prices converted to positive number in optimized.py.</a:t>
+            </a:r>
+          </a:p>
+          <a:p>
+            <a:endParaRPr lang="en-US" sz="2000" dirty="0"/>
           </a:p>
         </p:txBody>
       </p:sp>
@@ -17774,7 +18743,7 @@
             </a:pPr>
             <a:r>
               <a:rPr lang="en-US" dirty="0"/>
-              <a:t>Sienna’s choices compared to Optimized choices</a:t>
+              <a:t>Sienna’s choices compared to choices by optimized.py </a:t>
             </a:r>
           </a:p>
           <a:p>
@@ -17816,13 +18785,8 @@
           <a:p>
             <a:r>
               <a:rPr lang="en-US" dirty="0"/>
-              <a:t>Results are very close, slightly better with </a:t>
+              <a:t>Results are very close, slightly better with optimized.py</a:t>
             </a:r>
-            <a:r>
-              <a:rPr lang="en-US" dirty="0" err="1"/>
-              <a:t>optimized.py</a:t>
-            </a:r>
-            <a:endParaRPr lang="en-US" dirty="0"/>
           </a:p>
         </p:txBody>
       </p:sp>
@@ -17841,7 +18805,7 @@
           <p:nvPr>
             <p:extLst>
               <p:ext uri="{D42A27DB-BD31-4B8C-83A1-F6EECF244321}">
-                <p14:modId xmlns:p14="http://schemas.microsoft.com/office/powerpoint/2010/main" val="409482458"/>
+                <p14:modId xmlns:p14="http://schemas.microsoft.com/office/powerpoint/2010/main" val="4176870343"/>
               </p:ext>
             </p:extLst>
           </p:nvPr>
@@ -17950,10 +18914,9 @@
                         <a:defRPr/>
                       </a:pPr>
                       <a:r>
-                        <a:rPr lang="en-US" dirty="0" err="1"/>
+                        <a:rPr lang="en-US" dirty="0"/>
                         <a:t>optimized.py</a:t>
                       </a:r>
-                      <a:endParaRPr lang="en-US" dirty="0"/>
                     </a:p>
                   </a:txBody>
                   <a:tcPr anchor="ctr"/>
@@ -18467,12 +19430,71 @@
             <p:ph idx="1"/>
           </p:nvPr>
         </p:nvSpPr>
-        <p:spPr/>
+        <p:spPr>
+          <a:xfrm>
+            <a:off x="1154954" y="2603500"/>
+            <a:ext cx="11037046" cy="3416300"/>
+          </a:xfrm>
+        </p:spPr>
         <p:txBody>
-          <a:bodyPr/>
+          <a:bodyPr>
+            <a:normAutofit/>
+          </a:bodyPr>
           <a:lstStyle/>
           <a:p>
-            <a:endParaRPr lang="en-US"/>
+            <a:r>
+              <a:rPr lang="en-US" sz="2000" dirty="0"/>
+              <a:t>Brute-force can find the best combination, but is not usable for a large dataset</a:t>
+            </a:r>
+          </a:p>
+          <a:p>
+            <a:r>
+              <a:rPr lang="en-US" sz="2000" dirty="0"/>
+              <a:t>Optimized is much faster but will oversee better combinations</a:t>
+            </a:r>
+          </a:p>
+          <a:p>
+            <a:endParaRPr lang="en-US" sz="2000" dirty="0"/>
+          </a:p>
+          <a:p>
+            <a:pPr marL="0" indent="0">
+              <a:buNone/>
+            </a:pPr>
+            <a:r>
+              <a:rPr lang="en-US" sz="2000" dirty="0"/>
+              <a:t>To go further…</a:t>
+            </a:r>
+          </a:p>
+          <a:p>
+            <a:r>
+              <a:rPr lang="en-US" sz="2000" dirty="0"/>
+              <a:t>Knapsack problem</a:t>
+            </a:r>
+          </a:p>
+          <a:p>
+            <a:pPr lvl="1"/>
+            <a:r>
+              <a:rPr lang="en-US" sz="1800" dirty="0"/>
+              <a:t>Each share has a weight (price) and a value (profit)</a:t>
+            </a:r>
+          </a:p>
+          <a:p>
+            <a:pPr lvl="1"/>
+            <a:r>
+              <a:rPr lang="en-US" sz="1800" dirty="0"/>
+              <a:t>The maximum weight capacity is the money that can be spent (500€)</a:t>
+            </a:r>
+          </a:p>
+          <a:p>
+            <a:pPr lvl="1"/>
+            <a:r>
+              <a:rPr lang="en-US" sz="1800" dirty="0"/>
+              <a:t>Need more exploration</a:t>
+            </a:r>
+          </a:p>
+          <a:p>
+            <a:pPr lvl="1"/>
+            <a:endParaRPr lang="en-US" sz="1800" dirty="0"/>
           </a:p>
         </p:txBody>
       </p:sp>
@@ -18550,12 +19572,78 @@
             <p:ph idx="1"/>
           </p:nvPr>
         </p:nvSpPr>
-        <p:spPr/>
+        <p:spPr>
+          <a:xfrm>
+            <a:off x="1154954" y="2603500"/>
+            <a:ext cx="10647840" cy="3416300"/>
+          </a:xfrm>
+        </p:spPr>
         <p:txBody>
-          <a:bodyPr/>
+          <a:bodyPr>
+            <a:normAutofit/>
+          </a:bodyPr>
           <a:lstStyle/>
           <a:p>
-            <a:endParaRPr lang="en-US"/>
+            <a:r>
+              <a:rPr lang="en-US" sz="2000" dirty="0"/>
+              <a:t>Our goal</a:t>
+            </a:r>
+          </a:p>
+          <a:p>
+            <a:pPr lvl="1"/>
+            <a:r>
+              <a:rPr lang="en-US" sz="1800" dirty="0"/>
+              <a:t>Optimize </a:t>
+            </a:r>
+            <a:r>
+              <a:rPr lang="en-US" sz="1800" b="1" dirty="0" err="1"/>
+              <a:t>AlgoInvest&amp;Trade</a:t>
+            </a:r>
+            <a:r>
+              <a:rPr lang="en-US" sz="1800" dirty="0"/>
+              <a:t> investment strategies with algorithms</a:t>
+            </a:r>
+          </a:p>
+          <a:p>
+            <a:pPr lvl="1"/>
+            <a:r>
+              <a:rPr lang="en-US" sz="1800" dirty="0"/>
+              <a:t>Choose the best combination of shares according to their price and profit percentage</a:t>
+            </a:r>
+            <a:endParaRPr lang="en-US" sz="2000" dirty="0"/>
+          </a:p>
+          <a:p>
+            <a:r>
+              <a:rPr lang="en-US" sz="2000" dirty="0"/>
+              <a:t>Brute-force solution</a:t>
+            </a:r>
+          </a:p>
+          <a:p>
+            <a:pPr lvl="1"/>
+            <a:r>
+              <a:rPr lang="en-US" sz="1800" dirty="0"/>
+              <a:t>Looks at every possible combination to figure out the best combination</a:t>
+            </a:r>
+          </a:p>
+          <a:p>
+            <a:r>
+              <a:rPr lang="en-US" sz="2000" dirty="0"/>
+              <a:t>Optimized solution</a:t>
+            </a:r>
+          </a:p>
+          <a:p>
+            <a:pPr lvl="1"/>
+            <a:r>
+              <a:rPr lang="en-US" sz="1800" dirty="0"/>
+              <a:t>Find a good solution faster than the brute-force solution.</a:t>
+            </a:r>
+          </a:p>
+          <a:p>
+            <a:pPr lvl="1"/>
+            <a:r>
+              <a:rPr lang="en-US" sz="1800" dirty="0"/>
+              <a:t>Does not need to compare all possible combinations.</a:t>
+            </a:r>
           </a:p>
         </p:txBody>
       </p:sp>
@@ -18594,7 +19682,7 @@
           <p:cNvPr id="2" name="Title 1">
             <a:extLst>
               <a:ext uri="{FF2B5EF4-FFF2-40B4-BE49-F238E27FC236}">
-                <a16:creationId xmlns:a16="http://schemas.microsoft.com/office/drawing/2014/main" id="{D2BD25FF-EA65-7D89-1D7D-8A0164DF6C93}"/>
+                <a16:creationId xmlns:a16="http://schemas.microsoft.com/office/drawing/2014/main" id="{47A8AC2A-2AEC-0E6F-F364-DA597379AA53}"/>
               </a:ext>
             </a:extLst>
           </p:cNvPr>
@@ -18612,7 +19700,7 @@
           <a:p>
             <a:r>
               <a:rPr lang="en-US" dirty="0"/>
-              <a:t>Brute Force Analysis</a:t>
+              <a:t>Plan</a:t>
             </a:r>
           </a:p>
         </p:txBody>
@@ -18622,7 +19710,7 @@
           <p:cNvPr id="3" name="Content Placeholder 2">
             <a:extLst>
               <a:ext uri="{FF2B5EF4-FFF2-40B4-BE49-F238E27FC236}">
-                <a16:creationId xmlns:a16="http://schemas.microsoft.com/office/drawing/2014/main" id="{A0911E1D-619C-7C1E-D136-0F3CED6D7357}"/>
+                <a16:creationId xmlns:a16="http://schemas.microsoft.com/office/drawing/2014/main" id="{EEAAE4E4-2BCC-4AAF-B8BE-C53C54085E3B}"/>
               </a:ext>
             </a:extLst>
           </p:cNvPr>
@@ -18635,55 +19723,68 @@
         </p:nvSpPr>
         <p:spPr/>
         <p:txBody>
-          <a:bodyPr/>
+          <a:bodyPr>
+            <a:normAutofit/>
+          </a:bodyPr>
           <a:lstStyle/>
           <a:p>
             <a:r>
-              <a:rPr lang="en-US" dirty="0"/>
-              <a:t>All combinations of shares are being considered, with combinations of all the possible sizes (from 1 to the total number of shares)</a:t>
+              <a:rPr lang="en-US" sz="2000" dirty="0"/>
+              <a:t>Brute-force analysis</a:t>
             </a:r>
           </a:p>
           <a:p>
             <a:r>
-              <a:rPr lang="en-US" dirty="0"/>
-              <a:t>The number of combinations grows exponentially for each share (2</a:t>
+              <a:rPr lang="en-US" sz="2000" dirty="0"/>
+              <a:t>Goal of optimized solution</a:t>
             </a:r>
+          </a:p>
+          <a:p>
             <a:r>
-              <a:rPr lang="en-US" baseline="30000" dirty="0"/>
-              <a:t>n</a:t>
+              <a:rPr lang="en-US" sz="2000" dirty="0"/>
+              <a:t>Thought process behind optimized solution</a:t>
             </a:r>
+          </a:p>
+          <a:p>
             <a:r>
-              <a:rPr lang="en-US" dirty="0"/>
-              <a:t>)</a:t>
+              <a:rPr lang="en-US" sz="2000" dirty="0"/>
+              <a:t>Limitations of optimized solution with edge cases</a:t>
             </a:r>
           </a:p>
           <a:p>
             <a:r>
-              <a:rPr lang="en-US" dirty="0"/>
-              <a:t>Only combinations whose total price is 500€ or less are kept in memory, still a big amount</a:t>
+              <a:rPr lang="en-US" sz="2000" dirty="0"/>
+              <a:t>Time complexity analysis of both solutions</a:t>
             </a:r>
           </a:p>
           <a:p>
             <a:r>
-              <a:rPr lang="en-US" dirty="0"/>
-              <a:t>Actual profit of each combination is calculated and compared to the others</a:t>
+              <a:rPr lang="en-US" sz="2000" dirty="0"/>
+              <a:t>Space complexity analysis of both solutions</a:t>
             </a:r>
           </a:p>
           <a:p>
             <a:r>
-              <a:rPr lang="en-US" dirty="0"/>
-              <a:t>The combination with the best actual profit is selected</a:t>
+              <a:rPr lang="en-US" sz="2000" dirty="0"/>
+              <a:t>Dataset exploration report</a:t>
             </a:r>
           </a:p>
           <a:p>
-            <a:endParaRPr lang="en-US" dirty="0"/>
+            <a:pPr lvl="1"/>
+            <a:r>
+              <a:rPr lang="en-US" sz="1800" dirty="0"/>
+              <a:t>Comparing optimized solution results with sienna’s</a:t>
+            </a:r>
+          </a:p>
+          <a:p>
+            <a:endParaRPr lang="en-US" sz="2000" dirty="0"/>
           </a:p>
         </p:txBody>
       </p:sp>
     </p:spTree>
     <p:extLst>
       <p:ext uri="{BB962C8B-B14F-4D97-AF65-F5344CB8AC3E}">
-        <p14:creationId xmlns:p14="http://schemas.microsoft.com/office/powerpoint/2010/main" val="3698088857"/>
+        <p14:creationId xmlns:p14="http://schemas.microsoft.com/office/powerpoint/2010/main" val="961909885"/>
       </p:ext>
     </p:extLst>
   </p:cSld>
@@ -18733,7 +19834,7 @@
           <a:p>
             <a:r>
               <a:rPr lang="en-US" dirty="0"/>
-              <a:t>Optimized Solution - Pseudocode</a:t>
+              <a:t>Brute Force Analysis</a:t>
             </a:r>
           </a:p>
         </p:txBody>
@@ -18756,291 +19857,59 @@
         </p:nvSpPr>
         <p:spPr>
           <a:xfrm>
-            <a:off x="1154954" y="2701636"/>
-            <a:ext cx="8825659" cy="3975890"/>
+            <a:off x="1154954" y="2603500"/>
+            <a:ext cx="10563434" cy="3416300"/>
           </a:xfrm>
         </p:spPr>
         <p:txBody>
           <a:bodyPr>
-            <a:noAutofit/>
+            <a:normAutofit/>
           </a:bodyPr>
           <a:lstStyle/>
           <a:p>
-            <a:pPr marL="0" indent="0">
-              <a:spcBef>
-                <a:spcPts val="0"/>
-              </a:spcBef>
-              <a:buNone/>
-            </a:pPr>
             <a:r>
-              <a:rPr lang="en-US" sz="1200" dirty="0">
-                <a:latin typeface="Courier New" panose="02070309020205020404" pitchFamily="49" charset="0"/>
-                <a:cs typeface="Courier New" panose="02070309020205020404" pitchFamily="49" charset="0"/>
-              </a:rPr>
-              <a:t>Optimized Algorithm </a:t>
+              <a:rPr lang="en-US" sz="2000" dirty="0"/>
+              <a:t>All combinations of shares are considered, </a:t>
             </a:r>
           </a:p>
           <a:p>
-            <a:pPr marL="0" indent="0">
-              <a:spcBef>
-                <a:spcPts val="0"/>
-              </a:spcBef>
-              <a:buNone/>
-            </a:pPr>
             <a:r>
-              <a:rPr lang="en-US" sz="1200" dirty="0">
-                <a:latin typeface="Courier New" panose="02070309020205020404" pitchFamily="49" charset="0"/>
-                <a:cs typeface="Courier New" panose="02070309020205020404" pitchFamily="49" charset="0"/>
-              </a:rPr>
-              <a:t>Variable</a:t>
+              <a:rPr lang="en-US" sz="2000" dirty="0"/>
+              <a:t>Only combinations whose total price is 500€ or less are kept in memory</a:t>
             </a:r>
           </a:p>
           <a:p>
-            <a:pPr marL="0" indent="0">
-              <a:spcBef>
-                <a:spcPts val="0"/>
-              </a:spcBef>
-              <a:buNone/>
-            </a:pPr>
             <a:r>
-              <a:rPr lang="en-US" sz="1200" dirty="0">
-                <a:latin typeface="Courier New" panose="02070309020205020404" pitchFamily="49" charset="0"/>
-                <a:cs typeface="Courier New" panose="02070309020205020404" pitchFamily="49" charset="0"/>
-              </a:rPr>
-              <a:t>    wallet &lt;- 500</a:t>
+              <a:rPr lang="en-US" sz="2000" dirty="0"/>
+              <a:t>Actual profit of each combination is calculated and compared to the others</a:t>
             </a:r>
           </a:p>
           <a:p>
-            <a:pPr marL="0" indent="0">
-              <a:spcBef>
-                <a:spcPts val="0"/>
-              </a:spcBef>
-              <a:buNone/>
-            </a:pPr>
             <a:r>
-              <a:rPr lang="en-US" sz="1200" dirty="0">
-                <a:latin typeface="Courier New" panose="02070309020205020404" pitchFamily="49" charset="0"/>
-                <a:cs typeface="Courier New" panose="02070309020205020404" pitchFamily="49" charset="0"/>
-              </a:rPr>
-              <a:t>Start</a:t>
+              <a:rPr lang="en-US" sz="2000" dirty="0"/>
+              <a:t>The combination with the best actual profit is selected</a:t>
             </a:r>
           </a:p>
           <a:p>
-            <a:pPr marL="0" indent="0">
-              <a:spcBef>
-                <a:spcPts val="0"/>
-              </a:spcBef>
-              <a:buNone/>
-            </a:pPr>
             <a:r>
-              <a:rPr lang="en-US" sz="1200" dirty="0">
-                <a:latin typeface="Courier New" panose="02070309020205020404" pitchFamily="49" charset="0"/>
-                <a:cs typeface="Courier New" panose="02070309020205020404" pitchFamily="49" charset="0"/>
-              </a:rPr>
-              <a:t>    </a:t>
+              <a:rPr lang="en-US" sz="2000" dirty="0"/>
+              <a:t>The number of combinations grows exponentially for each share (2</a:t>
             </a:r>
             <a:r>
-              <a:rPr lang="en-US" sz="1200" dirty="0" err="1">
-                <a:latin typeface="Courier New" panose="02070309020205020404" pitchFamily="49" charset="0"/>
-                <a:cs typeface="Courier New" panose="02070309020205020404" pitchFamily="49" charset="0"/>
-              </a:rPr>
-              <a:t>list_of_shares</a:t>
+              <a:rPr lang="en-US" sz="2000" baseline="30000" dirty="0"/>
+              <a:t>n</a:t>
             </a:r>
             <a:r>
-              <a:rPr lang="en-US" sz="1200" dirty="0">
-                <a:latin typeface="Courier New" panose="02070309020205020404" pitchFamily="49" charset="0"/>
-                <a:cs typeface="Courier New" panose="02070309020205020404" pitchFamily="49" charset="0"/>
-              </a:rPr>
-              <a:t> &lt;- </a:t>
-            </a:r>
-            <a:r>
-              <a:rPr lang="en-US" sz="1200" dirty="0" err="1">
-                <a:latin typeface="Courier New" panose="02070309020205020404" pitchFamily="49" charset="0"/>
-                <a:cs typeface="Courier New" panose="02070309020205020404" pitchFamily="49" charset="0"/>
-              </a:rPr>
-              <a:t>get_shares</a:t>
-            </a:r>
-            <a:r>
-              <a:rPr lang="en-US" sz="1200" dirty="0">
-                <a:latin typeface="Courier New" panose="02070309020205020404" pitchFamily="49" charset="0"/>
-                <a:cs typeface="Courier New" panose="02070309020205020404" pitchFamily="49" charset="0"/>
-              </a:rPr>
-              <a:t>()</a:t>
-            </a:r>
-          </a:p>
-          <a:p>
-            <a:pPr marL="0" indent="0">
-              <a:spcBef>
-                <a:spcPts val="0"/>
-              </a:spcBef>
-              <a:buNone/>
-            </a:pPr>
-            <a:r>
-              <a:rPr lang="en-US" sz="1200" dirty="0">
-                <a:latin typeface="Courier New" panose="02070309020205020404" pitchFamily="49" charset="0"/>
-                <a:cs typeface="Courier New" panose="02070309020205020404" pitchFamily="49" charset="0"/>
-              </a:rPr>
-              <a:t>    </a:t>
-            </a:r>
-            <a:r>
-              <a:rPr lang="en-US" sz="1200" dirty="0" err="1">
-                <a:latin typeface="Courier New" panose="02070309020205020404" pitchFamily="49" charset="0"/>
-                <a:cs typeface="Courier New" panose="02070309020205020404" pitchFamily="49" charset="0"/>
-              </a:rPr>
-              <a:t>sorted_shares</a:t>
-            </a:r>
-            <a:r>
-              <a:rPr lang="en-US" sz="1200" dirty="0">
-                <a:latin typeface="Courier New" panose="02070309020205020404" pitchFamily="49" charset="0"/>
-                <a:cs typeface="Courier New" panose="02070309020205020404" pitchFamily="49" charset="0"/>
-              </a:rPr>
-              <a:t> &lt;- </a:t>
-            </a:r>
-            <a:r>
-              <a:rPr lang="en-US" sz="1200" dirty="0" err="1">
-                <a:latin typeface="Courier New" panose="02070309020205020404" pitchFamily="49" charset="0"/>
-                <a:cs typeface="Courier New" panose="02070309020205020404" pitchFamily="49" charset="0"/>
-              </a:rPr>
-              <a:t>sort_by_profit_percentage</a:t>
-            </a:r>
-            <a:r>
-              <a:rPr lang="en-US" sz="1200" dirty="0">
-                <a:latin typeface="Courier New" panose="02070309020205020404" pitchFamily="49" charset="0"/>
-                <a:cs typeface="Courier New" panose="02070309020205020404" pitchFamily="49" charset="0"/>
-              </a:rPr>
-              <a:t>(</a:t>
-            </a:r>
-            <a:r>
-              <a:rPr lang="en-US" sz="1200" dirty="0" err="1">
-                <a:latin typeface="Courier New" panose="02070309020205020404" pitchFamily="49" charset="0"/>
-                <a:cs typeface="Courier New" panose="02070309020205020404" pitchFamily="49" charset="0"/>
-              </a:rPr>
-              <a:t>list_of_shares</a:t>
-            </a:r>
-            <a:r>
-              <a:rPr lang="en-US" sz="1200" dirty="0">
-                <a:latin typeface="Courier New" panose="02070309020205020404" pitchFamily="49" charset="0"/>
-                <a:cs typeface="Courier New" panose="02070309020205020404" pitchFamily="49" charset="0"/>
-              </a:rPr>
+              <a:rPr lang="en-US" sz="2000" dirty="0"/>
               <a:t>)</a:t>
             </a:r>
-          </a:p>
-          <a:p>
-            <a:pPr marL="0" indent="0">
-              <a:spcBef>
-                <a:spcPts val="0"/>
-              </a:spcBef>
-              <a:buNone/>
-            </a:pPr>
-            <a:r>
-              <a:rPr lang="en-US" sz="1200" dirty="0">
-                <a:latin typeface="Courier New" panose="02070309020205020404" pitchFamily="49" charset="0"/>
-                <a:cs typeface="Courier New" panose="02070309020205020404" pitchFamily="49" charset="0"/>
-              </a:rPr>
-              <a:t>    </a:t>
-            </a:r>
-            <a:r>
-              <a:rPr lang="en-US" sz="1200" dirty="0" err="1">
-                <a:latin typeface="Courier New" panose="02070309020205020404" pitchFamily="49" charset="0"/>
-                <a:cs typeface="Courier New" panose="02070309020205020404" pitchFamily="49" charset="0"/>
-              </a:rPr>
-              <a:t>best_shares</a:t>
-            </a:r>
-            <a:r>
-              <a:rPr lang="en-US" sz="1200" dirty="0">
-                <a:latin typeface="Courier New" panose="02070309020205020404" pitchFamily="49" charset="0"/>
-                <a:cs typeface="Courier New" panose="02070309020205020404" pitchFamily="49" charset="0"/>
-              </a:rPr>
-              <a:t> &lt;- </a:t>
-            </a:r>
-            <a:r>
-              <a:rPr lang="en-US" sz="1200" dirty="0" err="1">
-                <a:latin typeface="Courier New" panose="02070309020205020404" pitchFamily="49" charset="0"/>
-                <a:cs typeface="Courier New" panose="02070309020205020404" pitchFamily="49" charset="0"/>
-              </a:rPr>
-              <a:t>buy_share</a:t>
-            </a:r>
-            <a:r>
-              <a:rPr lang="en-US" sz="1200" dirty="0">
-                <a:latin typeface="Courier New" panose="02070309020205020404" pitchFamily="49" charset="0"/>
-                <a:cs typeface="Courier New" panose="02070309020205020404" pitchFamily="49" charset="0"/>
-              </a:rPr>
-              <a:t>(</a:t>
-            </a:r>
-            <a:r>
-              <a:rPr lang="en-US" sz="1200" dirty="0" err="1">
-                <a:latin typeface="Courier New" panose="02070309020205020404" pitchFamily="49" charset="0"/>
-                <a:cs typeface="Courier New" panose="02070309020205020404" pitchFamily="49" charset="0"/>
-              </a:rPr>
-              <a:t>sorted_shares</a:t>
-            </a:r>
-            <a:r>
-              <a:rPr lang="en-US" sz="1200" dirty="0">
-                <a:latin typeface="Courier New" panose="02070309020205020404" pitchFamily="49" charset="0"/>
-                <a:cs typeface="Courier New" panose="02070309020205020404" pitchFamily="49" charset="0"/>
-              </a:rPr>
-              <a:t>, wallet) </a:t>
-            </a:r>
-          </a:p>
-          <a:p>
-            <a:pPr marL="0" indent="0">
-              <a:spcBef>
-                <a:spcPts val="0"/>
-              </a:spcBef>
-              <a:buNone/>
-            </a:pPr>
-            <a:r>
-              <a:rPr lang="en-US" sz="1200" dirty="0">
-                <a:latin typeface="Courier New" panose="02070309020205020404" pitchFamily="49" charset="0"/>
-                <a:cs typeface="Courier New" panose="02070309020205020404" pitchFamily="49" charset="0"/>
-              </a:rPr>
-              <a:t>    Display </a:t>
-            </a:r>
-            <a:r>
-              <a:rPr lang="en-US" sz="1200" dirty="0" err="1">
-                <a:latin typeface="Courier New" panose="02070309020205020404" pitchFamily="49" charset="0"/>
-                <a:cs typeface="Courier New" panose="02070309020205020404" pitchFamily="49" charset="0"/>
-              </a:rPr>
-              <a:t>best_shares</a:t>
-            </a:r>
-            <a:endParaRPr lang="en-US" sz="1200" dirty="0">
-              <a:latin typeface="Courier New" panose="02070309020205020404" pitchFamily="49" charset="0"/>
-              <a:cs typeface="Courier New" panose="02070309020205020404" pitchFamily="49" charset="0"/>
-            </a:endParaRPr>
-          </a:p>
-          <a:p>
-            <a:pPr marL="0" indent="0">
-              <a:spcBef>
-                <a:spcPts val="0"/>
-              </a:spcBef>
-              <a:buNone/>
-            </a:pPr>
-            <a:r>
-              <a:rPr lang="en-US" sz="1200" dirty="0">
-                <a:latin typeface="Courier New" panose="02070309020205020404" pitchFamily="49" charset="0"/>
-                <a:cs typeface="Courier New" panose="02070309020205020404" pitchFamily="49" charset="0"/>
-              </a:rPr>
-              <a:t>End</a:t>
-            </a:r>
-          </a:p>
-          <a:p>
-            <a:pPr marL="0" indent="0">
-              <a:spcBef>
-                <a:spcPts val="0"/>
-              </a:spcBef>
-              <a:buNone/>
-            </a:pPr>
-            <a:endParaRPr lang="en-US" sz="1200" dirty="0">
-              <a:latin typeface="Courier New" panose="02070309020205020404" pitchFamily="49" charset="0"/>
-              <a:cs typeface="Courier New" panose="02070309020205020404" pitchFamily="49" charset="0"/>
-            </a:endParaRPr>
           </a:p>
         </p:txBody>
       </p:sp>
     </p:spTree>
     <p:extLst>
       <p:ext uri="{BB962C8B-B14F-4D97-AF65-F5344CB8AC3E}">
-        <p14:creationId xmlns:p14="http://schemas.microsoft.com/office/powerpoint/2010/main" val="757790699"/>
+        <p14:creationId xmlns:p14="http://schemas.microsoft.com/office/powerpoint/2010/main" val="3698088857"/>
       </p:ext>
     </p:extLst>
   </p:cSld>
@@ -19051,2237 +19920,6 @@
 </file>
 
 <file path=ppt/slides/slide5.xml><?xml version="1.0" encoding="utf-8"?>
-<p:sld xmlns:a="http://schemas.openxmlformats.org/drawingml/2006/main" xmlns:r="http://schemas.openxmlformats.org/officeDocument/2006/relationships" xmlns:p="http://schemas.openxmlformats.org/presentationml/2006/main">
-  <p:cSld>
-    <p:spTree>
-      <p:nvGrpSpPr>
-        <p:cNvPr id="1" name=""/>
-        <p:cNvGrpSpPr/>
-        <p:nvPr/>
-      </p:nvGrpSpPr>
-      <p:grpSpPr>
-        <a:xfrm>
-          <a:off x="0" y="0"/>
-          <a:ext cx="0" cy="0"/>
-          <a:chOff x="0" y="0"/>
-          <a:chExt cx="0" cy="0"/>
-        </a:xfrm>
-      </p:grpSpPr>
-      <p:sp>
-        <p:nvSpPr>
-          <p:cNvPr id="4" name="Content Placeholder 2">
-            <a:extLst>
-              <a:ext uri="{FF2B5EF4-FFF2-40B4-BE49-F238E27FC236}">
-                <a16:creationId xmlns:a16="http://schemas.microsoft.com/office/drawing/2014/main" id="{C23BB090-C01B-1031-4CB6-E41E36D271F8}"/>
-              </a:ext>
-            </a:extLst>
-          </p:cNvPr>
-          <p:cNvSpPr txBox="1">
-            <a:spLocks/>
-          </p:cNvSpPr>
-          <p:nvPr/>
-        </p:nvSpPr>
-        <p:spPr>
-          <a:xfrm>
-            <a:off x="1154954" y="192505"/>
-            <a:ext cx="8825659" cy="6485021"/>
-          </a:xfrm>
-          <a:prstGeom prst="rect">
-            <a:avLst/>
-          </a:prstGeom>
-        </p:spPr>
-        <p:txBody>
-          <a:bodyPr>
-            <a:noAutofit/>
-          </a:bodyPr>
-          <a:lstStyle>
-            <a:lvl1pPr marL="342900" indent="-342900" algn="l" defTabSz="457200" rtl="0" eaLnBrk="1" latinLnBrk="0" hangingPunct="1">
-              <a:spcBef>
-                <a:spcPts val="1000"/>
-              </a:spcBef>
-              <a:spcAft>
-                <a:spcPts val="0"/>
-              </a:spcAft>
-              <a:buClr>
-                <a:schemeClr val="accent1"/>
-              </a:buClr>
-              <a:buSzPct val="80000"/>
-              <a:buFont typeface="Wingdings 3" charset="2"/>
-              <a:buChar char=""/>
-              <a:defRPr sz="1800" b="0" i="0" kern="1200">
-                <a:solidFill>
-                  <a:schemeClr val="tx1">
-                    <a:lumMod val="75000"/>
-                    <a:lumOff val="25000"/>
-                  </a:schemeClr>
-                </a:solidFill>
-                <a:latin typeface="+mn-lt"/>
-                <a:ea typeface="+mn-ea"/>
-                <a:cs typeface="+mn-cs"/>
-              </a:defRPr>
-            </a:lvl1pPr>
-            <a:lvl2pPr marL="742950" indent="-285750" algn="l" defTabSz="457200" rtl="0" eaLnBrk="1" latinLnBrk="0" hangingPunct="1">
-              <a:spcBef>
-                <a:spcPts val="1000"/>
-              </a:spcBef>
-              <a:spcAft>
-                <a:spcPts val="0"/>
-              </a:spcAft>
-              <a:buClr>
-                <a:schemeClr val="accent1"/>
-              </a:buClr>
-              <a:buSzPct val="80000"/>
-              <a:buFont typeface="Wingdings 3" charset="2"/>
-              <a:buChar char=""/>
-              <a:defRPr sz="1600" b="0" i="0" kern="1200">
-                <a:solidFill>
-                  <a:schemeClr val="tx1">
-                    <a:lumMod val="75000"/>
-                    <a:lumOff val="25000"/>
-                  </a:schemeClr>
-                </a:solidFill>
-                <a:latin typeface="+mn-lt"/>
-                <a:ea typeface="+mn-ea"/>
-                <a:cs typeface="+mn-cs"/>
-              </a:defRPr>
-            </a:lvl2pPr>
-            <a:lvl3pPr marL="1143000" indent="-228600" algn="l" defTabSz="457200" rtl="0" eaLnBrk="1" latinLnBrk="0" hangingPunct="1">
-              <a:spcBef>
-                <a:spcPts val="1000"/>
-              </a:spcBef>
-              <a:spcAft>
-                <a:spcPts val="0"/>
-              </a:spcAft>
-              <a:buClr>
-                <a:schemeClr val="accent1"/>
-              </a:buClr>
-              <a:buSzPct val="80000"/>
-              <a:buFont typeface="Wingdings 3" charset="2"/>
-              <a:buChar char=""/>
-              <a:defRPr sz="1400" b="0" i="0" kern="1200">
-                <a:solidFill>
-                  <a:schemeClr val="tx1">
-                    <a:lumMod val="75000"/>
-                    <a:lumOff val="25000"/>
-                  </a:schemeClr>
-                </a:solidFill>
-                <a:latin typeface="+mn-lt"/>
-                <a:ea typeface="+mn-ea"/>
-                <a:cs typeface="+mn-cs"/>
-              </a:defRPr>
-            </a:lvl3pPr>
-            <a:lvl4pPr marL="1600200" indent="-228600" algn="l" defTabSz="457200" rtl="0" eaLnBrk="1" latinLnBrk="0" hangingPunct="1">
-              <a:spcBef>
-                <a:spcPts val="1000"/>
-              </a:spcBef>
-              <a:spcAft>
-                <a:spcPts val="0"/>
-              </a:spcAft>
-              <a:buClr>
-                <a:schemeClr val="accent1"/>
-              </a:buClr>
-              <a:buSzPct val="80000"/>
-              <a:buFont typeface="Wingdings 3" charset="2"/>
-              <a:buChar char=""/>
-              <a:defRPr sz="1200" b="0" i="0" kern="1200">
-                <a:solidFill>
-                  <a:schemeClr val="tx1">
-                    <a:lumMod val="75000"/>
-                    <a:lumOff val="25000"/>
-                  </a:schemeClr>
-                </a:solidFill>
-                <a:latin typeface="+mn-lt"/>
-                <a:ea typeface="+mn-ea"/>
-                <a:cs typeface="+mn-cs"/>
-              </a:defRPr>
-            </a:lvl4pPr>
-            <a:lvl5pPr marL="2057400" indent="-228600" algn="l" defTabSz="457200" rtl="0" eaLnBrk="1" latinLnBrk="0" hangingPunct="1">
-              <a:spcBef>
-                <a:spcPts val="1000"/>
-              </a:spcBef>
-              <a:spcAft>
-                <a:spcPts val="0"/>
-              </a:spcAft>
-              <a:buClr>
-                <a:schemeClr val="accent1"/>
-              </a:buClr>
-              <a:buSzPct val="80000"/>
-              <a:buFont typeface="Wingdings 3" charset="2"/>
-              <a:buChar char=""/>
-              <a:defRPr sz="1200" b="0" i="0" kern="1200">
-                <a:solidFill>
-                  <a:schemeClr val="tx1">
-                    <a:lumMod val="75000"/>
-                    <a:lumOff val="25000"/>
-                  </a:schemeClr>
-                </a:solidFill>
-                <a:latin typeface="+mn-lt"/>
-                <a:ea typeface="+mn-ea"/>
-                <a:cs typeface="+mn-cs"/>
-              </a:defRPr>
-            </a:lvl5pPr>
-            <a:lvl6pPr marL="2514600" indent="-228600" algn="l" defTabSz="457200" rtl="0" eaLnBrk="1" latinLnBrk="0" hangingPunct="1">
-              <a:spcBef>
-                <a:spcPts val="1000"/>
-              </a:spcBef>
-              <a:spcAft>
-                <a:spcPts val="0"/>
-              </a:spcAft>
-              <a:buClr>
-                <a:schemeClr val="accent1"/>
-              </a:buClr>
-              <a:buSzPct val="80000"/>
-              <a:buFont typeface="Wingdings 3" charset="2"/>
-              <a:buChar char=""/>
-              <a:defRPr sz="1200" b="0" i="0" kern="1200">
-                <a:solidFill>
-                  <a:schemeClr val="tx1">
-                    <a:lumMod val="75000"/>
-                    <a:lumOff val="25000"/>
-                  </a:schemeClr>
-                </a:solidFill>
-                <a:latin typeface="+mn-lt"/>
-                <a:ea typeface="+mn-ea"/>
-                <a:cs typeface="+mn-cs"/>
-              </a:defRPr>
-            </a:lvl6pPr>
-            <a:lvl7pPr marL="2971800" indent="-228600" algn="l" defTabSz="457200" rtl="0" eaLnBrk="1" latinLnBrk="0" hangingPunct="1">
-              <a:spcBef>
-                <a:spcPts val="1000"/>
-              </a:spcBef>
-              <a:spcAft>
-                <a:spcPts val="0"/>
-              </a:spcAft>
-              <a:buClr>
-                <a:schemeClr val="accent1"/>
-              </a:buClr>
-              <a:buSzPct val="80000"/>
-              <a:buFont typeface="Wingdings 3" charset="2"/>
-              <a:buChar char=""/>
-              <a:defRPr sz="1200" b="0" i="0" kern="1200">
-                <a:solidFill>
-                  <a:schemeClr val="tx1">
-                    <a:lumMod val="75000"/>
-                    <a:lumOff val="25000"/>
-                  </a:schemeClr>
-                </a:solidFill>
-                <a:latin typeface="+mn-lt"/>
-                <a:ea typeface="+mn-ea"/>
-                <a:cs typeface="+mn-cs"/>
-              </a:defRPr>
-            </a:lvl7pPr>
-            <a:lvl8pPr marL="3429000" indent="-228600" algn="l" defTabSz="457200" rtl="0" eaLnBrk="1" latinLnBrk="0" hangingPunct="1">
-              <a:spcBef>
-                <a:spcPts val="1000"/>
-              </a:spcBef>
-              <a:spcAft>
-                <a:spcPts val="0"/>
-              </a:spcAft>
-              <a:buClr>
-                <a:schemeClr val="accent1"/>
-              </a:buClr>
-              <a:buSzPct val="80000"/>
-              <a:buFont typeface="Wingdings 3" charset="2"/>
-              <a:buChar char=""/>
-              <a:defRPr sz="1200" b="0" i="0" kern="1200">
-                <a:solidFill>
-                  <a:schemeClr val="tx1">
-                    <a:lumMod val="75000"/>
-                    <a:lumOff val="25000"/>
-                  </a:schemeClr>
-                </a:solidFill>
-                <a:latin typeface="+mn-lt"/>
-                <a:ea typeface="+mn-ea"/>
-                <a:cs typeface="+mn-cs"/>
-              </a:defRPr>
-            </a:lvl8pPr>
-            <a:lvl9pPr marL="3886200" indent="-228600" algn="l" defTabSz="457200" rtl="0" eaLnBrk="1" latinLnBrk="0" hangingPunct="1">
-              <a:spcBef>
-                <a:spcPts val="1000"/>
-              </a:spcBef>
-              <a:spcAft>
-                <a:spcPts val="0"/>
-              </a:spcAft>
-              <a:buClr>
-                <a:schemeClr val="accent1"/>
-              </a:buClr>
-              <a:buSzPct val="80000"/>
-              <a:buFont typeface="Wingdings 3" charset="2"/>
-              <a:buChar char=""/>
-              <a:defRPr sz="1200" b="0" i="0" kern="1200">
-                <a:solidFill>
-                  <a:schemeClr val="tx1">
-                    <a:lumMod val="75000"/>
-                    <a:lumOff val="25000"/>
-                  </a:schemeClr>
-                </a:solidFill>
-                <a:latin typeface="+mn-lt"/>
-                <a:ea typeface="+mn-ea"/>
-                <a:cs typeface="+mn-cs"/>
-              </a:defRPr>
-            </a:lvl9pPr>
-          </a:lstStyle>
-          <a:p>
-            <a:pPr marL="0" indent="0">
-              <a:spcBef>
-                <a:spcPts val="0"/>
-              </a:spcBef>
-              <a:buFont typeface="Wingdings 3" charset="2"/>
-              <a:buNone/>
-            </a:pPr>
-            <a:r>
-              <a:rPr lang="en-US" sz="1200" dirty="0">
-                <a:latin typeface="Courier New" panose="02070309020205020404" pitchFamily="49" charset="0"/>
-                <a:cs typeface="Courier New" panose="02070309020205020404" pitchFamily="49" charset="0"/>
-              </a:rPr>
-              <a:t>Function </a:t>
-            </a:r>
-            <a:r>
-              <a:rPr lang="en-US" sz="1200" dirty="0" err="1">
-                <a:latin typeface="Courier New" panose="02070309020205020404" pitchFamily="49" charset="0"/>
-                <a:cs typeface="Courier New" panose="02070309020205020404" pitchFamily="49" charset="0"/>
-              </a:rPr>
-              <a:t>get_shares</a:t>
-            </a:r>
-            <a:r>
-              <a:rPr lang="en-US" sz="1200" dirty="0">
-                <a:latin typeface="Courier New" panose="02070309020205020404" pitchFamily="49" charset="0"/>
-                <a:cs typeface="Courier New" panose="02070309020205020404" pitchFamily="49" charset="0"/>
-              </a:rPr>
-              <a:t>()</a:t>
-            </a:r>
-          </a:p>
-          <a:p>
-            <a:pPr marL="0" indent="0">
-              <a:spcBef>
-                <a:spcPts val="0"/>
-              </a:spcBef>
-              <a:buFont typeface="Wingdings 3" charset="2"/>
-              <a:buNone/>
-            </a:pPr>
-            <a:r>
-              <a:rPr lang="en-US" sz="1200" dirty="0">
-                <a:latin typeface="Courier New" panose="02070309020205020404" pitchFamily="49" charset="0"/>
-                <a:cs typeface="Courier New" panose="02070309020205020404" pitchFamily="49" charset="0"/>
-              </a:rPr>
-              <a:t>Variable</a:t>
-            </a:r>
-          </a:p>
-          <a:p>
-            <a:pPr marL="0" indent="0">
-              <a:spcBef>
-                <a:spcPts val="0"/>
-              </a:spcBef>
-              <a:buFont typeface="Wingdings 3" charset="2"/>
-              <a:buNone/>
-            </a:pPr>
-            <a:r>
-              <a:rPr lang="en-US" sz="1200" dirty="0">
-                <a:latin typeface="Courier New" panose="02070309020205020404" pitchFamily="49" charset="0"/>
-                <a:cs typeface="Courier New" panose="02070309020205020404" pitchFamily="49" charset="0"/>
-              </a:rPr>
-              <a:t>    shares &lt;- empty list</a:t>
-            </a:r>
-          </a:p>
-          <a:p>
-            <a:pPr marL="0" indent="0">
-              <a:spcBef>
-                <a:spcPts val="0"/>
-              </a:spcBef>
-              <a:buFont typeface="Wingdings 3" charset="2"/>
-              <a:buNone/>
-            </a:pPr>
-            <a:r>
-              <a:rPr lang="en-US" sz="1200" dirty="0">
-                <a:latin typeface="Courier New" panose="02070309020205020404" pitchFamily="49" charset="0"/>
-                <a:cs typeface="Courier New" panose="02070309020205020404" pitchFamily="49" charset="0"/>
-              </a:rPr>
-              <a:t>    rows &lt;- empty iterator</a:t>
-            </a:r>
-          </a:p>
-          <a:p>
-            <a:pPr marL="0" indent="0">
-              <a:spcBef>
-                <a:spcPts val="0"/>
-              </a:spcBef>
-              <a:buFont typeface="Wingdings 3" charset="2"/>
-              <a:buNone/>
-            </a:pPr>
-            <a:r>
-              <a:rPr lang="en-US" sz="1200" dirty="0">
-                <a:latin typeface="Courier New" panose="02070309020205020404" pitchFamily="49" charset="0"/>
-                <a:cs typeface="Courier New" panose="02070309020205020404" pitchFamily="49" charset="0"/>
-              </a:rPr>
-              <a:t>    </a:t>
-            </a:r>
-            <a:r>
-              <a:rPr lang="en-US" sz="1200" dirty="0" err="1">
-                <a:latin typeface="Courier New" panose="02070309020205020404" pitchFamily="49" charset="0"/>
-                <a:cs typeface="Courier New" panose="02070309020205020404" pitchFamily="49" charset="0"/>
-              </a:rPr>
-              <a:t>first_row</a:t>
-            </a:r>
-            <a:r>
-              <a:rPr lang="en-US" sz="1200" dirty="0">
-                <a:latin typeface="Courier New" panose="02070309020205020404" pitchFamily="49" charset="0"/>
-                <a:cs typeface="Courier New" panose="02070309020205020404" pitchFamily="49" charset="0"/>
-              </a:rPr>
-              <a:t> &lt;- True</a:t>
-            </a:r>
-          </a:p>
-          <a:p>
-            <a:pPr marL="0" indent="0">
-              <a:spcBef>
-                <a:spcPts val="0"/>
-              </a:spcBef>
-              <a:buFont typeface="Wingdings 3" charset="2"/>
-              <a:buNone/>
-            </a:pPr>
-            <a:r>
-              <a:rPr lang="en-US" sz="1200" dirty="0">
-                <a:latin typeface="Courier New" panose="02070309020205020404" pitchFamily="49" charset="0"/>
-                <a:cs typeface="Courier New" panose="02070309020205020404" pitchFamily="49" charset="0"/>
-              </a:rPr>
-              <a:t>Start</a:t>
-            </a:r>
-          </a:p>
-          <a:p>
-            <a:pPr marL="0" indent="0">
-              <a:spcBef>
-                <a:spcPts val="0"/>
-              </a:spcBef>
-              <a:buFont typeface="Wingdings 3" charset="2"/>
-              <a:buNone/>
-            </a:pPr>
-            <a:r>
-              <a:rPr lang="en-US" sz="1200" dirty="0">
-                <a:latin typeface="Courier New" panose="02070309020205020404" pitchFamily="49" charset="0"/>
-                <a:cs typeface="Courier New" panose="02070309020205020404" pitchFamily="49" charset="0"/>
-              </a:rPr>
-              <a:t>    While True:</a:t>
-            </a:r>
-          </a:p>
-          <a:p>
-            <a:pPr marL="0" indent="0">
-              <a:spcBef>
-                <a:spcPts val="0"/>
-              </a:spcBef>
-              <a:buFont typeface="Wingdings 3" charset="2"/>
-              <a:buNone/>
-            </a:pPr>
-            <a:r>
-              <a:rPr lang="en-US" sz="1200" dirty="0">
-                <a:latin typeface="Courier New" panose="02070309020205020404" pitchFamily="49" charset="0"/>
-                <a:cs typeface="Courier New" panose="02070309020205020404" pitchFamily="49" charset="0"/>
-              </a:rPr>
-              <a:t>        </a:t>
-            </a:r>
-            <a:r>
-              <a:rPr lang="en-US" sz="1200" dirty="0" err="1">
-                <a:latin typeface="Courier New" panose="02070309020205020404" pitchFamily="49" charset="0"/>
-                <a:cs typeface="Courier New" panose="02070309020205020404" pitchFamily="49" charset="0"/>
-              </a:rPr>
-              <a:t>csvfile</a:t>
-            </a:r>
-            <a:r>
-              <a:rPr lang="en-US" sz="1200" dirty="0">
-                <a:latin typeface="Courier New" panose="02070309020205020404" pitchFamily="49" charset="0"/>
-                <a:cs typeface="Courier New" panose="02070309020205020404" pitchFamily="49" charset="0"/>
-              </a:rPr>
-              <a:t> &lt;- </a:t>
-            </a:r>
-            <a:r>
-              <a:rPr lang="en-US" sz="1200" dirty="0" err="1">
-                <a:latin typeface="Courier New" panose="02070309020205020404" pitchFamily="49" charset="0"/>
-                <a:cs typeface="Courier New" panose="02070309020205020404" pitchFamily="49" charset="0"/>
-              </a:rPr>
-              <a:t>get_file</a:t>
-            </a:r>
-            <a:r>
-              <a:rPr lang="en-US" sz="1200" dirty="0">
-                <a:latin typeface="Courier New" panose="02070309020205020404" pitchFamily="49" charset="0"/>
-                <a:cs typeface="Courier New" panose="02070309020205020404" pitchFamily="49" charset="0"/>
-              </a:rPr>
-              <a:t>()</a:t>
-            </a:r>
-          </a:p>
-          <a:p>
-            <a:pPr marL="0" indent="0">
-              <a:spcBef>
-                <a:spcPts val="0"/>
-              </a:spcBef>
-              <a:buFont typeface="Wingdings 3" charset="2"/>
-              <a:buNone/>
-            </a:pPr>
-            <a:r>
-              <a:rPr lang="en-US" sz="1200" dirty="0">
-                <a:latin typeface="Courier New" panose="02070309020205020404" pitchFamily="49" charset="0"/>
-                <a:cs typeface="Courier New" panose="02070309020205020404" pitchFamily="49" charset="0"/>
-              </a:rPr>
-              <a:t>        Try:</a:t>
-            </a:r>
-          </a:p>
-          <a:p>
-            <a:pPr marL="0" indent="0">
-              <a:spcBef>
-                <a:spcPts val="0"/>
-              </a:spcBef>
-              <a:buFont typeface="Wingdings 3" charset="2"/>
-              <a:buNone/>
-            </a:pPr>
-            <a:r>
-              <a:rPr lang="en-US" sz="1200" dirty="0">
-                <a:latin typeface="Courier New" panose="02070309020205020404" pitchFamily="49" charset="0"/>
-                <a:cs typeface="Courier New" panose="02070309020205020404" pitchFamily="49" charset="0"/>
-              </a:rPr>
-              <a:t>            Open </a:t>
-            </a:r>
-            <a:r>
-              <a:rPr lang="en-US" sz="1200" dirty="0" err="1">
-                <a:latin typeface="Courier New" panose="02070309020205020404" pitchFamily="49" charset="0"/>
-                <a:cs typeface="Courier New" panose="02070309020205020404" pitchFamily="49" charset="0"/>
-              </a:rPr>
-              <a:t>csvfile</a:t>
-            </a:r>
-            <a:endParaRPr lang="en-US" sz="1200" dirty="0">
-              <a:latin typeface="Courier New" panose="02070309020205020404" pitchFamily="49" charset="0"/>
-              <a:cs typeface="Courier New" panose="02070309020205020404" pitchFamily="49" charset="0"/>
-            </a:endParaRPr>
-          </a:p>
-          <a:p>
-            <a:pPr marL="0" indent="0">
-              <a:spcBef>
-                <a:spcPts val="0"/>
-              </a:spcBef>
-              <a:buFont typeface="Wingdings 3" charset="2"/>
-              <a:buNone/>
-            </a:pPr>
-            <a:r>
-              <a:rPr lang="en-US" sz="1200" dirty="0">
-                <a:latin typeface="Courier New" panose="02070309020205020404" pitchFamily="49" charset="0"/>
-                <a:cs typeface="Courier New" panose="02070309020205020404" pitchFamily="49" charset="0"/>
-              </a:rPr>
-              <a:t>                rows &lt;- populated rows from </a:t>
-            </a:r>
-            <a:r>
-              <a:rPr lang="en-US" sz="1200" dirty="0" err="1">
-                <a:latin typeface="Courier New" panose="02070309020205020404" pitchFamily="49" charset="0"/>
-                <a:cs typeface="Courier New" panose="02070309020205020404" pitchFamily="49" charset="0"/>
-              </a:rPr>
-              <a:t>csvfile</a:t>
-            </a:r>
-            <a:endParaRPr lang="en-US" sz="1200" dirty="0">
-              <a:latin typeface="Courier New" panose="02070309020205020404" pitchFamily="49" charset="0"/>
-              <a:cs typeface="Courier New" panose="02070309020205020404" pitchFamily="49" charset="0"/>
-            </a:endParaRPr>
-          </a:p>
-          <a:p>
-            <a:pPr marL="0" indent="0">
-              <a:spcBef>
-                <a:spcPts val="0"/>
-              </a:spcBef>
-              <a:buFont typeface="Wingdings 3" charset="2"/>
-              <a:buNone/>
-            </a:pPr>
-            <a:r>
-              <a:rPr lang="en-US" sz="1200" dirty="0">
-                <a:latin typeface="Courier New" panose="02070309020205020404" pitchFamily="49" charset="0"/>
-                <a:cs typeface="Courier New" panose="02070309020205020404" pitchFamily="49" charset="0"/>
-              </a:rPr>
-              <a:t>                For each row in rows:</a:t>
-            </a:r>
-          </a:p>
-          <a:p>
-            <a:pPr marL="0" indent="0">
-              <a:spcBef>
-                <a:spcPts val="0"/>
-              </a:spcBef>
-              <a:buFont typeface="Wingdings 3" charset="2"/>
-              <a:buNone/>
-            </a:pPr>
-            <a:r>
-              <a:rPr lang="en-US" sz="1200" dirty="0">
-                <a:latin typeface="Courier New" panose="02070309020205020404" pitchFamily="49" charset="0"/>
-                <a:cs typeface="Courier New" panose="02070309020205020404" pitchFamily="49" charset="0"/>
-              </a:rPr>
-              <a:t>                    If row is </a:t>
-            </a:r>
-            <a:r>
-              <a:rPr lang="en-US" sz="1200" dirty="0" err="1">
-                <a:latin typeface="Courier New" panose="02070309020205020404" pitchFamily="49" charset="0"/>
-                <a:cs typeface="Courier New" panose="02070309020205020404" pitchFamily="49" charset="0"/>
-              </a:rPr>
-              <a:t>first_row</a:t>
-            </a:r>
-            <a:r>
-              <a:rPr lang="en-US" sz="1200" dirty="0">
-                <a:latin typeface="Courier New" panose="02070309020205020404" pitchFamily="49" charset="0"/>
-                <a:cs typeface="Courier New" panose="02070309020205020404" pitchFamily="49" charset="0"/>
-              </a:rPr>
-              <a:t>:</a:t>
-            </a:r>
-          </a:p>
-          <a:p>
-            <a:pPr marL="0" indent="0">
-              <a:spcBef>
-                <a:spcPts val="0"/>
-              </a:spcBef>
-              <a:buFont typeface="Wingdings 3" charset="2"/>
-              <a:buNone/>
-            </a:pPr>
-            <a:r>
-              <a:rPr lang="en-US" sz="1200" dirty="0">
-                <a:latin typeface="Courier New" panose="02070309020205020404" pitchFamily="49" charset="0"/>
-                <a:cs typeface="Courier New" panose="02070309020205020404" pitchFamily="49" charset="0"/>
-              </a:rPr>
-              <a:t>                        If row[0] != "name" AND row[1] != "price" AND row[2] != "profit":</a:t>
-            </a:r>
-          </a:p>
-          <a:p>
-            <a:pPr marL="0" indent="0">
-              <a:spcBef>
-                <a:spcPts val="0"/>
-              </a:spcBef>
-              <a:buFont typeface="Wingdings 3" charset="2"/>
-              <a:buNone/>
-            </a:pPr>
-            <a:r>
-              <a:rPr lang="en-US" sz="1200" dirty="0">
-                <a:latin typeface="Courier New" panose="02070309020205020404" pitchFamily="49" charset="0"/>
-                <a:cs typeface="Courier New" panose="02070309020205020404" pitchFamily="49" charset="0"/>
-              </a:rPr>
-              <a:t>                            Close </a:t>
-            </a:r>
-            <a:r>
-              <a:rPr lang="en-US" sz="1200" dirty="0" err="1">
-                <a:latin typeface="Courier New" panose="02070309020205020404" pitchFamily="49" charset="0"/>
-                <a:cs typeface="Courier New" panose="02070309020205020404" pitchFamily="49" charset="0"/>
-              </a:rPr>
-              <a:t>csvfile</a:t>
-            </a:r>
-            <a:endParaRPr lang="en-US" sz="1200" dirty="0">
-              <a:latin typeface="Courier New" panose="02070309020205020404" pitchFamily="49" charset="0"/>
-              <a:cs typeface="Courier New" panose="02070309020205020404" pitchFamily="49" charset="0"/>
-            </a:endParaRPr>
-          </a:p>
-          <a:p>
-            <a:pPr marL="0" indent="0">
-              <a:spcBef>
-                <a:spcPts val="0"/>
-              </a:spcBef>
-              <a:buFont typeface="Wingdings 3" charset="2"/>
-              <a:buNone/>
-            </a:pPr>
-            <a:r>
-              <a:rPr lang="en-US" sz="1200" dirty="0">
-                <a:latin typeface="Courier New" panose="02070309020205020404" pitchFamily="49" charset="0"/>
-                <a:cs typeface="Courier New" panose="02070309020205020404" pitchFamily="49" charset="0"/>
-              </a:rPr>
-              <a:t>                            Raise </a:t>
-            </a:r>
-            <a:r>
-              <a:rPr lang="en-US" sz="1200" dirty="0" err="1">
-                <a:latin typeface="Courier New" panose="02070309020205020404" pitchFamily="49" charset="0"/>
-                <a:cs typeface="Courier New" panose="02070309020205020404" pitchFamily="49" charset="0"/>
-              </a:rPr>
-              <a:t>WrongColumnsError</a:t>
-            </a:r>
-            <a:endParaRPr lang="en-US" sz="1200" dirty="0">
-              <a:latin typeface="Courier New" panose="02070309020205020404" pitchFamily="49" charset="0"/>
-              <a:cs typeface="Courier New" panose="02070309020205020404" pitchFamily="49" charset="0"/>
-            </a:endParaRPr>
-          </a:p>
-          <a:p>
-            <a:pPr marL="0" indent="0">
-              <a:spcBef>
-                <a:spcPts val="0"/>
-              </a:spcBef>
-              <a:buFont typeface="Wingdings 3" charset="2"/>
-              <a:buNone/>
-            </a:pPr>
-            <a:r>
-              <a:rPr lang="en-US" sz="1200" dirty="0">
-                <a:latin typeface="Courier New" panose="02070309020205020404" pitchFamily="49" charset="0"/>
-                <a:cs typeface="Courier New" panose="02070309020205020404" pitchFamily="49" charset="0"/>
-              </a:rPr>
-              <a:t>                        Else:</a:t>
-            </a:r>
-          </a:p>
-          <a:p>
-            <a:pPr marL="0" indent="0">
-              <a:spcBef>
-                <a:spcPts val="0"/>
-              </a:spcBef>
-              <a:buFont typeface="Wingdings 3" charset="2"/>
-              <a:buNone/>
-            </a:pPr>
-            <a:r>
-              <a:rPr lang="en-US" sz="1200" dirty="0">
-                <a:latin typeface="Courier New" panose="02070309020205020404" pitchFamily="49" charset="0"/>
-                <a:cs typeface="Courier New" panose="02070309020205020404" pitchFamily="49" charset="0"/>
-              </a:rPr>
-              <a:t>                            </a:t>
-            </a:r>
-            <a:r>
-              <a:rPr lang="en-US" sz="1200" dirty="0" err="1">
-                <a:latin typeface="Courier New" panose="02070309020205020404" pitchFamily="49" charset="0"/>
-                <a:cs typeface="Courier New" panose="02070309020205020404" pitchFamily="49" charset="0"/>
-              </a:rPr>
-              <a:t>first_row</a:t>
-            </a:r>
-            <a:r>
-              <a:rPr lang="en-US" sz="1200" dirty="0">
-                <a:latin typeface="Courier New" panose="02070309020205020404" pitchFamily="49" charset="0"/>
-                <a:cs typeface="Courier New" panose="02070309020205020404" pitchFamily="49" charset="0"/>
-              </a:rPr>
-              <a:t> &lt;- False</a:t>
-            </a:r>
-          </a:p>
-          <a:p>
-            <a:pPr marL="0" indent="0">
-              <a:spcBef>
-                <a:spcPts val="0"/>
-              </a:spcBef>
-              <a:buFont typeface="Wingdings 3" charset="2"/>
-              <a:buNone/>
-            </a:pPr>
-            <a:r>
-              <a:rPr lang="en-US" sz="1200" dirty="0">
-                <a:latin typeface="Courier New" panose="02070309020205020404" pitchFamily="49" charset="0"/>
-                <a:cs typeface="Courier New" panose="02070309020205020404" pitchFamily="49" charset="0"/>
-              </a:rPr>
-              <a:t>                        End If</a:t>
-            </a:r>
-          </a:p>
-          <a:p>
-            <a:pPr marL="0" indent="0">
-              <a:spcBef>
-                <a:spcPts val="0"/>
-              </a:spcBef>
-              <a:buFont typeface="Wingdings 3" charset="2"/>
-              <a:buNone/>
-            </a:pPr>
-            <a:r>
-              <a:rPr lang="en-US" sz="1200" dirty="0">
-                <a:latin typeface="Courier New" panose="02070309020205020404" pitchFamily="49" charset="0"/>
-                <a:cs typeface="Courier New" panose="02070309020205020404" pitchFamily="49" charset="0"/>
-              </a:rPr>
-              <a:t>                    Else:</a:t>
-            </a:r>
-          </a:p>
-          <a:p>
-            <a:pPr marL="0" indent="0">
-              <a:spcBef>
-                <a:spcPts val="0"/>
-              </a:spcBef>
-              <a:buFont typeface="Wingdings 3" charset="2"/>
-              <a:buNone/>
-            </a:pPr>
-            <a:r>
-              <a:rPr lang="en-US" sz="1200" dirty="0">
-                <a:latin typeface="Courier New" panose="02070309020205020404" pitchFamily="49" charset="0"/>
-                <a:cs typeface="Courier New" panose="02070309020205020404" pitchFamily="49" charset="0"/>
-              </a:rPr>
-              <a:t>                        share &lt;- new Share(row[0], row[1], row[2])</a:t>
-            </a:r>
-          </a:p>
-          <a:p>
-            <a:pPr marL="0" indent="0">
-              <a:spcBef>
-                <a:spcPts val="0"/>
-              </a:spcBef>
-              <a:buFont typeface="Wingdings 3" charset="2"/>
-              <a:buNone/>
-            </a:pPr>
-            <a:r>
-              <a:rPr lang="en-US" sz="1200" dirty="0">
-                <a:latin typeface="Courier New" panose="02070309020205020404" pitchFamily="49" charset="0"/>
-                <a:cs typeface="Courier New" panose="02070309020205020404" pitchFamily="49" charset="0"/>
-              </a:rPr>
-              <a:t>                        Add share to shares</a:t>
-            </a:r>
-          </a:p>
-          <a:p>
-            <a:pPr marL="0" indent="0">
-              <a:spcBef>
-                <a:spcPts val="0"/>
-              </a:spcBef>
-              <a:buFont typeface="Wingdings 3" charset="2"/>
-              <a:buNone/>
-            </a:pPr>
-            <a:r>
-              <a:rPr lang="en-US" sz="1200" dirty="0">
-                <a:latin typeface="Courier New" panose="02070309020205020404" pitchFamily="49" charset="0"/>
-                <a:cs typeface="Courier New" panose="02070309020205020404" pitchFamily="49" charset="0"/>
-              </a:rPr>
-              <a:t>                    End If</a:t>
-            </a:r>
-          </a:p>
-          <a:p>
-            <a:pPr marL="0" indent="0">
-              <a:spcBef>
-                <a:spcPts val="0"/>
-              </a:spcBef>
-              <a:buFont typeface="Wingdings 3" charset="2"/>
-              <a:buNone/>
-            </a:pPr>
-            <a:r>
-              <a:rPr lang="en-US" sz="1200" dirty="0">
-                <a:latin typeface="Courier New" panose="02070309020205020404" pitchFamily="49" charset="0"/>
-                <a:cs typeface="Courier New" panose="02070309020205020404" pitchFamily="49" charset="0"/>
-              </a:rPr>
-              <a:t>                End For </a:t>
-            </a:r>
-          </a:p>
-          <a:p>
-            <a:pPr marL="0" indent="0">
-              <a:spcBef>
-                <a:spcPts val="0"/>
-              </a:spcBef>
-              <a:buFont typeface="Wingdings 3" charset="2"/>
-              <a:buNone/>
-            </a:pPr>
-            <a:r>
-              <a:rPr lang="en-US" sz="1200" dirty="0">
-                <a:latin typeface="Courier New" panose="02070309020205020404" pitchFamily="49" charset="0"/>
-                <a:cs typeface="Courier New" panose="02070309020205020404" pitchFamily="49" charset="0"/>
-              </a:rPr>
-              <a:t>            Break out of the loop</a:t>
-            </a:r>
-          </a:p>
-          <a:p>
-            <a:pPr marL="0" indent="0">
-              <a:spcBef>
-                <a:spcPts val="0"/>
-              </a:spcBef>
-              <a:buFont typeface="Wingdings 3" charset="2"/>
-              <a:buNone/>
-            </a:pPr>
-            <a:r>
-              <a:rPr lang="en-US" sz="1200" dirty="0">
-                <a:latin typeface="Courier New" panose="02070309020205020404" pitchFamily="49" charset="0"/>
-                <a:cs typeface="Courier New" panose="02070309020205020404" pitchFamily="49" charset="0"/>
-              </a:rPr>
-              <a:t>        Catch:</a:t>
-            </a:r>
-          </a:p>
-          <a:p>
-            <a:pPr marL="0" indent="0">
-              <a:spcBef>
-                <a:spcPts val="0"/>
-              </a:spcBef>
-              <a:buFont typeface="Wingdings 3" charset="2"/>
-              <a:buNone/>
-            </a:pPr>
-            <a:r>
-              <a:rPr lang="en-US" sz="1200" dirty="0">
-                <a:latin typeface="Courier New" panose="02070309020205020404" pitchFamily="49" charset="0"/>
-                <a:cs typeface="Courier New" panose="02070309020205020404" pitchFamily="49" charset="0"/>
-              </a:rPr>
-              <a:t>            Error while opening </a:t>
-            </a:r>
-            <a:r>
-              <a:rPr lang="en-US" sz="1200" dirty="0" err="1">
-                <a:latin typeface="Courier New" panose="02070309020205020404" pitchFamily="49" charset="0"/>
-                <a:cs typeface="Courier New" panose="02070309020205020404" pitchFamily="49" charset="0"/>
-              </a:rPr>
-              <a:t>csvfile</a:t>
-            </a:r>
-            <a:r>
-              <a:rPr lang="en-US" sz="1200" dirty="0">
-                <a:latin typeface="Courier New" panose="02070309020205020404" pitchFamily="49" charset="0"/>
-                <a:cs typeface="Courier New" panose="02070309020205020404" pitchFamily="49" charset="0"/>
-              </a:rPr>
-              <a:t>:</a:t>
-            </a:r>
-          </a:p>
-          <a:p>
-            <a:pPr marL="0" indent="0">
-              <a:spcBef>
-                <a:spcPts val="0"/>
-              </a:spcBef>
-              <a:buFont typeface="Wingdings 3" charset="2"/>
-              <a:buNone/>
-            </a:pPr>
-            <a:r>
-              <a:rPr lang="en-US" sz="1200" dirty="0">
-                <a:latin typeface="Courier New" panose="02070309020205020404" pitchFamily="49" charset="0"/>
-                <a:cs typeface="Courier New" panose="02070309020205020404" pitchFamily="49" charset="0"/>
-              </a:rPr>
-              <a:t>                Display "{</a:t>
-            </a:r>
-            <a:r>
-              <a:rPr lang="en-US" sz="1200" dirty="0" err="1">
-                <a:latin typeface="Courier New" panose="02070309020205020404" pitchFamily="49" charset="0"/>
-                <a:cs typeface="Courier New" panose="02070309020205020404" pitchFamily="49" charset="0"/>
-              </a:rPr>
-              <a:t>csvfile</a:t>
-            </a:r>
-            <a:r>
-              <a:rPr lang="en-US" sz="1200" dirty="0">
-                <a:latin typeface="Courier New" panose="02070309020205020404" pitchFamily="49" charset="0"/>
-                <a:cs typeface="Courier New" panose="02070309020205020404" pitchFamily="49" charset="0"/>
-              </a:rPr>
-              <a:t>} could be found, make sure to enter the path as well."</a:t>
-            </a:r>
-          </a:p>
-          <a:p>
-            <a:pPr marL="0" indent="0">
-              <a:spcBef>
-                <a:spcPts val="0"/>
-              </a:spcBef>
-              <a:buFont typeface="Wingdings 3" charset="2"/>
-              <a:buNone/>
-            </a:pPr>
-            <a:r>
-              <a:rPr lang="en-US" sz="1200" dirty="0">
-                <a:latin typeface="Courier New" panose="02070309020205020404" pitchFamily="49" charset="0"/>
-                <a:cs typeface="Courier New" panose="02070309020205020404" pitchFamily="49" charset="0"/>
-              </a:rPr>
-              <a:t>                Proceed to next iteration of While</a:t>
-            </a:r>
-          </a:p>
-          <a:p>
-            <a:pPr marL="0" indent="0">
-              <a:spcBef>
-                <a:spcPts val="0"/>
-              </a:spcBef>
-              <a:buFont typeface="Wingdings 3" charset="2"/>
-              <a:buNone/>
-            </a:pPr>
-            <a:r>
-              <a:rPr lang="en-US" sz="1200" dirty="0">
-                <a:latin typeface="Courier New" panose="02070309020205020404" pitchFamily="49" charset="0"/>
-                <a:cs typeface="Courier New" panose="02070309020205020404" pitchFamily="49" charset="0"/>
-              </a:rPr>
-              <a:t>            </a:t>
-            </a:r>
-            <a:r>
-              <a:rPr lang="en-US" sz="1200" dirty="0" err="1">
-                <a:latin typeface="Courier New" panose="02070309020205020404" pitchFamily="49" charset="0"/>
-                <a:cs typeface="Courier New" panose="02070309020205020404" pitchFamily="49" charset="0"/>
-              </a:rPr>
-              <a:t>WrongColumnsError</a:t>
-            </a:r>
-            <a:r>
-              <a:rPr lang="en-US" sz="1200" dirty="0">
-                <a:latin typeface="Courier New" panose="02070309020205020404" pitchFamily="49" charset="0"/>
-                <a:cs typeface="Courier New" panose="02070309020205020404" pitchFamily="49" charset="0"/>
-              </a:rPr>
-              <a:t>:</a:t>
-            </a:r>
-          </a:p>
-          <a:p>
-            <a:pPr marL="0" indent="0">
-              <a:spcBef>
-                <a:spcPts val="0"/>
-              </a:spcBef>
-              <a:buFont typeface="Wingdings 3" charset="2"/>
-              <a:buNone/>
-            </a:pPr>
-            <a:r>
-              <a:rPr lang="en-US" sz="1200" dirty="0">
-                <a:latin typeface="Courier New" panose="02070309020205020404" pitchFamily="49" charset="0"/>
-                <a:cs typeface="Courier New" panose="02070309020205020404" pitchFamily="49" charset="0"/>
-              </a:rPr>
-              <a:t>                Display "Use a file with three columns named 'names', 'price' and 'profit'"</a:t>
-            </a:r>
-          </a:p>
-          <a:p>
-            <a:pPr marL="0" indent="0">
-              <a:spcBef>
-                <a:spcPts val="0"/>
-              </a:spcBef>
-              <a:buFont typeface="Wingdings 3" charset="2"/>
-              <a:buNone/>
-            </a:pPr>
-            <a:r>
-              <a:rPr lang="en-US" sz="1200" dirty="0">
-                <a:latin typeface="Courier New" panose="02070309020205020404" pitchFamily="49" charset="0"/>
-                <a:cs typeface="Courier New" panose="02070309020205020404" pitchFamily="49" charset="0"/>
-              </a:rPr>
-              <a:t>                Proceed to next iteration of While</a:t>
-            </a:r>
-          </a:p>
-          <a:p>
-            <a:pPr marL="0" indent="0">
-              <a:spcBef>
-                <a:spcPts val="0"/>
-              </a:spcBef>
-              <a:buFont typeface="Wingdings 3" charset="2"/>
-              <a:buNone/>
-            </a:pPr>
-            <a:r>
-              <a:rPr lang="en-US" sz="1200" dirty="0">
-                <a:latin typeface="Courier New" panose="02070309020205020404" pitchFamily="49" charset="0"/>
-                <a:cs typeface="Courier New" panose="02070309020205020404" pitchFamily="49" charset="0"/>
-              </a:rPr>
-              <a:t>    End While</a:t>
-            </a:r>
-          </a:p>
-          <a:p>
-            <a:pPr marL="0" indent="0">
-              <a:spcBef>
-                <a:spcPts val="0"/>
-              </a:spcBef>
-              <a:buFont typeface="Wingdings 3" charset="2"/>
-              <a:buNone/>
-            </a:pPr>
-            <a:r>
-              <a:rPr lang="en-US" sz="1200" dirty="0">
-                <a:latin typeface="Courier New" panose="02070309020205020404" pitchFamily="49" charset="0"/>
-                <a:cs typeface="Courier New" panose="02070309020205020404" pitchFamily="49" charset="0"/>
-              </a:rPr>
-              <a:t>    Return shares</a:t>
-            </a:r>
-          </a:p>
-          <a:p>
-            <a:pPr marL="0" indent="0">
-              <a:spcBef>
-                <a:spcPts val="0"/>
-              </a:spcBef>
-              <a:buFont typeface="Wingdings 3" charset="2"/>
-              <a:buNone/>
-            </a:pPr>
-            <a:r>
-              <a:rPr lang="en-US" sz="1200" dirty="0">
-                <a:latin typeface="Courier New" panose="02070309020205020404" pitchFamily="49" charset="0"/>
-                <a:cs typeface="Courier New" panose="02070309020205020404" pitchFamily="49" charset="0"/>
-              </a:rPr>
-              <a:t>End Function</a:t>
-            </a:r>
-          </a:p>
-        </p:txBody>
-      </p:sp>
-    </p:spTree>
-    <p:extLst>
-      <p:ext uri="{BB962C8B-B14F-4D97-AF65-F5344CB8AC3E}">
-        <p14:creationId xmlns:p14="http://schemas.microsoft.com/office/powerpoint/2010/main" val="1300768677"/>
-      </p:ext>
-    </p:extLst>
-  </p:cSld>
-  <p:clrMapOvr>
-    <a:masterClrMapping/>
-  </p:clrMapOvr>
-</p:sld>
-</file>
-
-<file path=ppt/slides/slide6.xml><?xml version="1.0" encoding="utf-8"?>
-<p:sld xmlns:a="http://schemas.openxmlformats.org/drawingml/2006/main" xmlns:r="http://schemas.openxmlformats.org/officeDocument/2006/relationships" xmlns:p="http://schemas.openxmlformats.org/presentationml/2006/main">
-  <p:cSld>
-    <p:spTree>
-      <p:nvGrpSpPr>
-        <p:cNvPr id="1" name=""/>
-        <p:cNvGrpSpPr/>
-        <p:nvPr/>
-      </p:nvGrpSpPr>
-      <p:grpSpPr>
-        <a:xfrm>
-          <a:off x="0" y="0"/>
-          <a:ext cx="0" cy="0"/>
-          <a:chOff x="0" y="0"/>
-          <a:chExt cx="0" cy="0"/>
-        </a:xfrm>
-      </p:grpSpPr>
-      <p:sp>
-        <p:nvSpPr>
-          <p:cNvPr id="4" name="Content Placeholder 2">
-            <a:extLst>
-              <a:ext uri="{FF2B5EF4-FFF2-40B4-BE49-F238E27FC236}">
-                <a16:creationId xmlns:a16="http://schemas.microsoft.com/office/drawing/2014/main" id="{C23BB090-C01B-1031-4CB6-E41E36D271F8}"/>
-              </a:ext>
-            </a:extLst>
-          </p:cNvPr>
-          <p:cNvSpPr txBox="1">
-            <a:spLocks/>
-          </p:cNvSpPr>
-          <p:nvPr/>
-        </p:nvSpPr>
-        <p:spPr>
-          <a:xfrm>
-            <a:off x="1154954" y="2396836"/>
-            <a:ext cx="8825659" cy="4280690"/>
-          </a:xfrm>
-          <a:prstGeom prst="rect">
-            <a:avLst/>
-          </a:prstGeom>
-        </p:spPr>
-        <p:txBody>
-          <a:bodyPr>
-            <a:noAutofit/>
-          </a:bodyPr>
-          <a:lstStyle>
-            <a:lvl1pPr marL="342900" indent="-342900" algn="l" defTabSz="457200" rtl="0" eaLnBrk="1" latinLnBrk="0" hangingPunct="1">
-              <a:spcBef>
-                <a:spcPts val="1000"/>
-              </a:spcBef>
-              <a:spcAft>
-                <a:spcPts val="0"/>
-              </a:spcAft>
-              <a:buClr>
-                <a:schemeClr val="accent1"/>
-              </a:buClr>
-              <a:buSzPct val="80000"/>
-              <a:buFont typeface="Wingdings 3" charset="2"/>
-              <a:buChar char=""/>
-              <a:defRPr sz="1800" b="0" i="0" kern="1200">
-                <a:solidFill>
-                  <a:schemeClr val="tx1">
-                    <a:lumMod val="75000"/>
-                    <a:lumOff val="25000"/>
-                  </a:schemeClr>
-                </a:solidFill>
-                <a:latin typeface="+mn-lt"/>
-                <a:ea typeface="+mn-ea"/>
-                <a:cs typeface="+mn-cs"/>
-              </a:defRPr>
-            </a:lvl1pPr>
-            <a:lvl2pPr marL="742950" indent="-285750" algn="l" defTabSz="457200" rtl="0" eaLnBrk="1" latinLnBrk="0" hangingPunct="1">
-              <a:spcBef>
-                <a:spcPts val="1000"/>
-              </a:spcBef>
-              <a:spcAft>
-                <a:spcPts val="0"/>
-              </a:spcAft>
-              <a:buClr>
-                <a:schemeClr val="accent1"/>
-              </a:buClr>
-              <a:buSzPct val="80000"/>
-              <a:buFont typeface="Wingdings 3" charset="2"/>
-              <a:buChar char=""/>
-              <a:defRPr sz="1600" b="0" i="0" kern="1200">
-                <a:solidFill>
-                  <a:schemeClr val="tx1">
-                    <a:lumMod val="75000"/>
-                    <a:lumOff val="25000"/>
-                  </a:schemeClr>
-                </a:solidFill>
-                <a:latin typeface="+mn-lt"/>
-                <a:ea typeface="+mn-ea"/>
-                <a:cs typeface="+mn-cs"/>
-              </a:defRPr>
-            </a:lvl2pPr>
-            <a:lvl3pPr marL="1143000" indent="-228600" algn="l" defTabSz="457200" rtl="0" eaLnBrk="1" latinLnBrk="0" hangingPunct="1">
-              <a:spcBef>
-                <a:spcPts val="1000"/>
-              </a:spcBef>
-              <a:spcAft>
-                <a:spcPts val="0"/>
-              </a:spcAft>
-              <a:buClr>
-                <a:schemeClr val="accent1"/>
-              </a:buClr>
-              <a:buSzPct val="80000"/>
-              <a:buFont typeface="Wingdings 3" charset="2"/>
-              <a:buChar char=""/>
-              <a:defRPr sz="1400" b="0" i="0" kern="1200">
-                <a:solidFill>
-                  <a:schemeClr val="tx1">
-                    <a:lumMod val="75000"/>
-                    <a:lumOff val="25000"/>
-                  </a:schemeClr>
-                </a:solidFill>
-                <a:latin typeface="+mn-lt"/>
-                <a:ea typeface="+mn-ea"/>
-                <a:cs typeface="+mn-cs"/>
-              </a:defRPr>
-            </a:lvl3pPr>
-            <a:lvl4pPr marL="1600200" indent="-228600" algn="l" defTabSz="457200" rtl="0" eaLnBrk="1" latinLnBrk="0" hangingPunct="1">
-              <a:spcBef>
-                <a:spcPts val="1000"/>
-              </a:spcBef>
-              <a:spcAft>
-                <a:spcPts val="0"/>
-              </a:spcAft>
-              <a:buClr>
-                <a:schemeClr val="accent1"/>
-              </a:buClr>
-              <a:buSzPct val="80000"/>
-              <a:buFont typeface="Wingdings 3" charset="2"/>
-              <a:buChar char=""/>
-              <a:defRPr sz="1200" b="0" i="0" kern="1200">
-                <a:solidFill>
-                  <a:schemeClr val="tx1">
-                    <a:lumMod val="75000"/>
-                    <a:lumOff val="25000"/>
-                  </a:schemeClr>
-                </a:solidFill>
-                <a:latin typeface="+mn-lt"/>
-                <a:ea typeface="+mn-ea"/>
-                <a:cs typeface="+mn-cs"/>
-              </a:defRPr>
-            </a:lvl4pPr>
-            <a:lvl5pPr marL="2057400" indent="-228600" algn="l" defTabSz="457200" rtl="0" eaLnBrk="1" latinLnBrk="0" hangingPunct="1">
-              <a:spcBef>
-                <a:spcPts val="1000"/>
-              </a:spcBef>
-              <a:spcAft>
-                <a:spcPts val="0"/>
-              </a:spcAft>
-              <a:buClr>
-                <a:schemeClr val="accent1"/>
-              </a:buClr>
-              <a:buSzPct val="80000"/>
-              <a:buFont typeface="Wingdings 3" charset="2"/>
-              <a:buChar char=""/>
-              <a:defRPr sz="1200" b="0" i="0" kern="1200">
-                <a:solidFill>
-                  <a:schemeClr val="tx1">
-                    <a:lumMod val="75000"/>
-                    <a:lumOff val="25000"/>
-                  </a:schemeClr>
-                </a:solidFill>
-                <a:latin typeface="+mn-lt"/>
-                <a:ea typeface="+mn-ea"/>
-                <a:cs typeface="+mn-cs"/>
-              </a:defRPr>
-            </a:lvl5pPr>
-            <a:lvl6pPr marL="2514600" indent="-228600" algn="l" defTabSz="457200" rtl="0" eaLnBrk="1" latinLnBrk="0" hangingPunct="1">
-              <a:spcBef>
-                <a:spcPts val="1000"/>
-              </a:spcBef>
-              <a:spcAft>
-                <a:spcPts val="0"/>
-              </a:spcAft>
-              <a:buClr>
-                <a:schemeClr val="accent1"/>
-              </a:buClr>
-              <a:buSzPct val="80000"/>
-              <a:buFont typeface="Wingdings 3" charset="2"/>
-              <a:buChar char=""/>
-              <a:defRPr sz="1200" b="0" i="0" kern="1200">
-                <a:solidFill>
-                  <a:schemeClr val="tx1">
-                    <a:lumMod val="75000"/>
-                    <a:lumOff val="25000"/>
-                  </a:schemeClr>
-                </a:solidFill>
-                <a:latin typeface="+mn-lt"/>
-                <a:ea typeface="+mn-ea"/>
-                <a:cs typeface="+mn-cs"/>
-              </a:defRPr>
-            </a:lvl6pPr>
-            <a:lvl7pPr marL="2971800" indent="-228600" algn="l" defTabSz="457200" rtl="0" eaLnBrk="1" latinLnBrk="0" hangingPunct="1">
-              <a:spcBef>
-                <a:spcPts val="1000"/>
-              </a:spcBef>
-              <a:spcAft>
-                <a:spcPts val="0"/>
-              </a:spcAft>
-              <a:buClr>
-                <a:schemeClr val="accent1"/>
-              </a:buClr>
-              <a:buSzPct val="80000"/>
-              <a:buFont typeface="Wingdings 3" charset="2"/>
-              <a:buChar char=""/>
-              <a:defRPr sz="1200" b="0" i="0" kern="1200">
-                <a:solidFill>
-                  <a:schemeClr val="tx1">
-                    <a:lumMod val="75000"/>
-                    <a:lumOff val="25000"/>
-                  </a:schemeClr>
-                </a:solidFill>
-                <a:latin typeface="+mn-lt"/>
-                <a:ea typeface="+mn-ea"/>
-                <a:cs typeface="+mn-cs"/>
-              </a:defRPr>
-            </a:lvl7pPr>
-            <a:lvl8pPr marL="3429000" indent="-228600" algn="l" defTabSz="457200" rtl="0" eaLnBrk="1" latinLnBrk="0" hangingPunct="1">
-              <a:spcBef>
-                <a:spcPts val="1000"/>
-              </a:spcBef>
-              <a:spcAft>
-                <a:spcPts val="0"/>
-              </a:spcAft>
-              <a:buClr>
-                <a:schemeClr val="accent1"/>
-              </a:buClr>
-              <a:buSzPct val="80000"/>
-              <a:buFont typeface="Wingdings 3" charset="2"/>
-              <a:buChar char=""/>
-              <a:defRPr sz="1200" b="0" i="0" kern="1200">
-                <a:solidFill>
-                  <a:schemeClr val="tx1">
-                    <a:lumMod val="75000"/>
-                    <a:lumOff val="25000"/>
-                  </a:schemeClr>
-                </a:solidFill>
-                <a:latin typeface="+mn-lt"/>
-                <a:ea typeface="+mn-ea"/>
-                <a:cs typeface="+mn-cs"/>
-              </a:defRPr>
-            </a:lvl8pPr>
-            <a:lvl9pPr marL="3886200" indent="-228600" algn="l" defTabSz="457200" rtl="0" eaLnBrk="1" latinLnBrk="0" hangingPunct="1">
-              <a:spcBef>
-                <a:spcPts val="1000"/>
-              </a:spcBef>
-              <a:spcAft>
-                <a:spcPts val="0"/>
-              </a:spcAft>
-              <a:buClr>
-                <a:schemeClr val="accent1"/>
-              </a:buClr>
-              <a:buSzPct val="80000"/>
-              <a:buFont typeface="Wingdings 3" charset="2"/>
-              <a:buChar char=""/>
-              <a:defRPr sz="1200" b="0" i="0" kern="1200">
-                <a:solidFill>
-                  <a:schemeClr val="tx1">
-                    <a:lumMod val="75000"/>
-                    <a:lumOff val="25000"/>
-                  </a:schemeClr>
-                </a:solidFill>
-                <a:latin typeface="+mn-lt"/>
-                <a:ea typeface="+mn-ea"/>
-                <a:cs typeface="+mn-cs"/>
-              </a:defRPr>
-            </a:lvl9pPr>
-          </a:lstStyle>
-          <a:p>
-            <a:pPr marL="0" indent="0">
-              <a:spcBef>
-                <a:spcPts val="0"/>
-              </a:spcBef>
-              <a:buFont typeface="Wingdings 3" charset="2"/>
-              <a:buNone/>
-            </a:pPr>
-            <a:r>
-              <a:rPr lang="en-US" sz="1200" dirty="0">
-                <a:latin typeface="Courier New" panose="02070309020205020404" pitchFamily="49" charset="0"/>
-                <a:cs typeface="Courier New" panose="02070309020205020404" pitchFamily="49" charset="0"/>
-              </a:rPr>
-              <a:t>Function </a:t>
-            </a:r>
-            <a:r>
-              <a:rPr lang="en-US" sz="1200" dirty="0" err="1">
-                <a:latin typeface="Courier New" panose="02070309020205020404" pitchFamily="49" charset="0"/>
-                <a:cs typeface="Courier New" panose="02070309020205020404" pitchFamily="49" charset="0"/>
-              </a:rPr>
-              <a:t>sort_by_profit_percentage</a:t>
-            </a:r>
-            <a:r>
-              <a:rPr lang="en-US" sz="1200" dirty="0">
-                <a:latin typeface="Courier New" panose="02070309020205020404" pitchFamily="49" charset="0"/>
-                <a:cs typeface="Courier New" panose="02070309020205020404" pitchFamily="49" charset="0"/>
-              </a:rPr>
-              <a:t>(shares : list of Share objects)</a:t>
-            </a:r>
-          </a:p>
-          <a:p>
-            <a:pPr marL="0" indent="0">
-              <a:spcBef>
-                <a:spcPts val="0"/>
-              </a:spcBef>
-              <a:buFont typeface="Wingdings 3" charset="2"/>
-              <a:buNone/>
-            </a:pPr>
-            <a:r>
-              <a:rPr lang="en-US" sz="1200" dirty="0">
-                <a:latin typeface="Courier New" panose="02070309020205020404" pitchFamily="49" charset="0"/>
-                <a:cs typeface="Courier New" panose="02070309020205020404" pitchFamily="49" charset="0"/>
-              </a:rPr>
-              <a:t>Variable</a:t>
-            </a:r>
-          </a:p>
-          <a:p>
-            <a:pPr marL="0" indent="0">
-              <a:spcBef>
-                <a:spcPts val="0"/>
-              </a:spcBef>
-              <a:buFont typeface="Wingdings 3" charset="2"/>
-              <a:buNone/>
-            </a:pPr>
-            <a:r>
-              <a:rPr lang="en-US" sz="1200" dirty="0">
-                <a:latin typeface="Courier New" panose="02070309020205020404" pitchFamily="49" charset="0"/>
-                <a:cs typeface="Courier New" panose="02070309020205020404" pitchFamily="49" charset="0"/>
-              </a:rPr>
-              <a:t>    </a:t>
-            </a:r>
-            <a:r>
-              <a:rPr lang="en-US" sz="1200" dirty="0" err="1">
-                <a:latin typeface="Courier New" panose="02070309020205020404" pitchFamily="49" charset="0"/>
-                <a:cs typeface="Courier New" panose="02070309020205020404" pitchFamily="49" charset="0"/>
-              </a:rPr>
-              <a:t>ordered_shares</a:t>
-            </a:r>
-            <a:r>
-              <a:rPr lang="en-US" sz="1200" dirty="0">
-                <a:latin typeface="Courier New" panose="02070309020205020404" pitchFamily="49" charset="0"/>
-                <a:cs typeface="Courier New" panose="02070309020205020404" pitchFamily="49" charset="0"/>
-              </a:rPr>
-              <a:t> &lt;- empty list</a:t>
-            </a:r>
-          </a:p>
-          <a:p>
-            <a:pPr marL="0" indent="0">
-              <a:spcBef>
-                <a:spcPts val="0"/>
-              </a:spcBef>
-              <a:buFont typeface="Wingdings 3" charset="2"/>
-              <a:buNone/>
-            </a:pPr>
-            <a:r>
-              <a:rPr lang="en-US" sz="1200" dirty="0">
-                <a:latin typeface="Courier New" panose="02070309020205020404" pitchFamily="49" charset="0"/>
-                <a:cs typeface="Courier New" panose="02070309020205020404" pitchFamily="49" charset="0"/>
-              </a:rPr>
-              <a:t>    </a:t>
-            </a:r>
-            <a:r>
-              <a:rPr lang="en-US" sz="1200" dirty="0" err="1">
-                <a:latin typeface="Courier New" panose="02070309020205020404" pitchFamily="49" charset="0"/>
-                <a:cs typeface="Courier New" panose="02070309020205020404" pitchFamily="49" charset="0"/>
-              </a:rPr>
-              <a:t>max_profit_share</a:t>
-            </a:r>
-            <a:r>
-              <a:rPr lang="en-US" sz="1200" dirty="0">
-                <a:latin typeface="Courier New" panose="02070309020205020404" pitchFamily="49" charset="0"/>
-                <a:cs typeface="Courier New" panose="02070309020205020404" pitchFamily="49" charset="0"/>
-              </a:rPr>
-              <a:t> &lt;- 0</a:t>
-            </a:r>
-          </a:p>
-          <a:p>
-            <a:pPr marL="0" indent="0">
-              <a:spcBef>
-                <a:spcPts val="0"/>
-              </a:spcBef>
-              <a:buFont typeface="Wingdings 3" charset="2"/>
-              <a:buNone/>
-            </a:pPr>
-            <a:r>
-              <a:rPr lang="en-US" sz="1200" dirty="0">
-                <a:latin typeface="Courier New" panose="02070309020205020404" pitchFamily="49" charset="0"/>
-                <a:cs typeface="Courier New" panose="02070309020205020404" pitchFamily="49" charset="0"/>
-              </a:rPr>
-              <a:t>Start</a:t>
-            </a:r>
-          </a:p>
-          <a:p>
-            <a:pPr marL="0" indent="0">
-              <a:spcBef>
-                <a:spcPts val="0"/>
-              </a:spcBef>
-              <a:buFont typeface="Wingdings 3" charset="2"/>
-              <a:buNone/>
-            </a:pPr>
-            <a:r>
-              <a:rPr lang="en-US" sz="1200" dirty="0">
-                <a:latin typeface="Courier New" panose="02070309020205020404" pitchFamily="49" charset="0"/>
-                <a:cs typeface="Courier New" panose="02070309020205020404" pitchFamily="49" charset="0"/>
-              </a:rPr>
-              <a:t>    Sort shares by each share's profit percentage:</a:t>
-            </a:r>
-          </a:p>
-          <a:p>
-            <a:pPr marL="0" indent="0">
-              <a:spcBef>
-                <a:spcPts val="0"/>
-              </a:spcBef>
-              <a:buFont typeface="Wingdings 3" charset="2"/>
-              <a:buNone/>
-            </a:pPr>
-            <a:r>
-              <a:rPr lang="en-US" sz="1200" dirty="0">
-                <a:latin typeface="Courier New" panose="02070309020205020404" pitchFamily="49" charset="0"/>
-                <a:cs typeface="Courier New" panose="02070309020205020404" pitchFamily="49" charset="0"/>
-              </a:rPr>
-              <a:t>        Look at each share's profit percentage</a:t>
-            </a:r>
-          </a:p>
-          <a:p>
-            <a:pPr marL="0" indent="0">
-              <a:spcBef>
-                <a:spcPts val="0"/>
-              </a:spcBef>
-              <a:buFont typeface="Wingdings 3" charset="2"/>
-              <a:buNone/>
-            </a:pPr>
-            <a:r>
-              <a:rPr lang="en-US" sz="1200" dirty="0">
-                <a:latin typeface="Courier New" panose="02070309020205020404" pitchFamily="49" charset="0"/>
-                <a:cs typeface="Courier New" panose="02070309020205020404" pitchFamily="49" charset="0"/>
-              </a:rPr>
-              <a:t>            </a:t>
-            </a:r>
-            <a:r>
-              <a:rPr lang="en-US" sz="1200" dirty="0" err="1">
-                <a:latin typeface="Courier New" panose="02070309020205020404" pitchFamily="49" charset="0"/>
-                <a:cs typeface="Courier New" panose="02070309020205020404" pitchFamily="49" charset="0"/>
-              </a:rPr>
-              <a:t>max_profit_share</a:t>
-            </a:r>
-            <a:r>
-              <a:rPr lang="en-US" sz="1200" dirty="0">
-                <a:latin typeface="Courier New" panose="02070309020205020404" pitchFamily="49" charset="0"/>
-                <a:cs typeface="Courier New" panose="02070309020205020404" pitchFamily="49" charset="0"/>
-              </a:rPr>
-              <a:t> &lt;- share with largest profit percentage</a:t>
-            </a:r>
-          </a:p>
-          <a:p>
-            <a:pPr marL="0" indent="0">
-              <a:spcBef>
-                <a:spcPts val="0"/>
-              </a:spcBef>
-              <a:buFont typeface="Wingdings 3" charset="2"/>
-              <a:buNone/>
-            </a:pPr>
-            <a:r>
-              <a:rPr lang="en-US" sz="1200" dirty="0">
-                <a:latin typeface="Courier New" panose="02070309020205020404" pitchFamily="49" charset="0"/>
-                <a:cs typeface="Courier New" panose="02070309020205020404" pitchFamily="49" charset="0"/>
-              </a:rPr>
-              <a:t>            Append </a:t>
-            </a:r>
-            <a:r>
-              <a:rPr lang="en-US" sz="1200" dirty="0" err="1">
-                <a:latin typeface="Courier New" panose="02070309020205020404" pitchFamily="49" charset="0"/>
-                <a:cs typeface="Courier New" panose="02070309020205020404" pitchFamily="49" charset="0"/>
-              </a:rPr>
-              <a:t>max_profit_share</a:t>
-            </a:r>
-            <a:r>
-              <a:rPr lang="en-US" sz="1200" dirty="0">
-                <a:latin typeface="Courier New" panose="02070309020205020404" pitchFamily="49" charset="0"/>
-                <a:cs typeface="Courier New" panose="02070309020205020404" pitchFamily="49" charset="0"/>
-              </a:rPr>
-              <a:t> to </a:t>
-            </a:r>
-            <a:r>
-              <a:rPr lang="en-US" sz="1200" dirty="0" err="1">
-                <a:latin typeface="Courier New" panose="02070309020205020404" pitchFamily="49" charset="0"/>
-                <a:cs typeface="Courier New" panose="02070309020205020404" pitchFamily="49" charset="0"/>
-              </a:rPr>
-              <a:t>ordered_shares</a:t>
-            </a:r>
-            <a:endParaRPr lang="en-US" sz="1200" dirty="0">
-              <a:latin typeface="Courier New" panose="02070309020205020404" pitchFamily="49" charset="0"/>
-              <a:cs typeface="Courier New" panose="02070309020205020404" pitchFamily="49" charset="0"/>
-            </a:endParaRPr>
-          </a:p>
-          <a:p>
-            <a:pPr marL="0" indent="0">
-              <a:spcBef>
-                <a:spcPts val="0"/>
-              </a:spcBef>
-              <a:buFont typeface="Wingdings 3" charset="2"/>
-              <a:buNone/>
-            </a:pPr>
-            <a:r>
-              <a:rPr lang="en-US" sz="1200" dirty="0">
-                <a:latin typeface="Courier New" panose="02070309020205020404" pitchFamily="49" charset="0"/>
-                <a:cs typeface="Courier New" panose="02070309020205020404" pitchFamily="49" charset="0"/>
-              </a:rPr>
-              <a:t>        Repeat without </a:t>
-            </a:r>
-            <a:r>
-              <a:rPr lang="en-US" sz="1200" dirty="0" err="1">
-                <a:latin typeface="Courier New" panose="02070309020205020404" pitchFamily="49" charset="0"/>
-                <a:cs typeface="Courier New" panose="02070309020205020404" pitchFamily="49" charset="0"/>
-              </a:rPr>
-              <a:t>max_profit_share</a:t>
-            </a:r>
-            <a:r>
-              <a:rPr lang="en-US" sz="1200" dirty="0">
-                <a:latin typeface="Courier New" panose="02070309020205020404" pitchFamily="49" charset="0"/>
-                <a:cs typeface="Courier New" panose="02070309020205020404" pitchFamily="49" charset="0"/>
-              </a:rPr>
-              <a:t> until empty</a:t>
-            </a:r>
-          </a:p>
-          <a:p>
-            <a:pPr marL="0" indent="0">
-              <a:spcBef>
-                <a:spcPts val="0"/>
-              </a:spcBef>
-              <a:buFont typeface="Wingdings 3" charset="2"/>
-              <a:buNone/>
-            </a:pPr>
-            <a:r>
-              <a:rPr lang="en-US" sz="1200" dirty="0">
-                <a:latin typeface="Courier New" panose="02070309020205020404" pitchFamily="49" charset="0"/>
-                <a:cs typeface="Courier New" panose="02070309020205020404" pitchFamily="49" charset="0"/>
-              </a:rPr>
-              <a:t>	Return </a:t>
-            </a:r>
-            <a:r>
-              <a:rPr lang="en-US" sz="1200" dirty="0" err="1">
-                <a:latin typeface="Courier New" panose="02070309020205020404" pitchFamily="49" charset="0"/>
-                <a:cs typeface="Courier New" panose="02070309020205020404" pitchFamily="49" charset="0"/>
-              </a:rPr>
-              <a:t>ordered_shares</a:t>
-            </a:r>
-            <a:endParaRPr lang="en-US" sz="1200" dirty="0">
-              <a:latin typeface="Courier New" panose="02070309020205020404" pitchFamily="49" charset="0"/>
-              <a:cs typeface="Courier New" panose="02070309020205020404" pitchFamily="49" charset="0"/>
-            </a:endParaRPr>
-          </a:p>
-          <a:p>
-            <a:pPr marL="0" indent="0">
-              <a:spcBef>
-                <a:spcPts val="0"/>
-              </a:spcBef>
-              <a:buFont typeface="Wingdings 3" charset="2"/>
-              <a:buNone/>
-            </a:pPr>
-            <a:r>
-              <a:rPr lang="en-US" sz="1200" dirty="0">
-                <a:latin typeface="Courier New" panose="02070309020205020404" pitchFamily="49" charset="0"/>
-                <a:cs typeface="Courier New" panose="02070309020205020404" pitchFamily="49" charset="0"/>
-              </a:rPr>
-              <a:t>End Function</a:t>
-            </a:r>
-          </a:p>
-        </p:txBody>
-      </p:sp>
-    </p:spTree>
-    <p:extLst>
-      <p:ext uri="{BB962C8B-B14F-4D97-AF65-F5344CB8AC3E}">
-        <p14:creationId xmlns:p14="http://schemas.microsoft.com/office/powerpoint/2010/main" val="2395823081"/>
-      </p:ext>
-    </p:extLst>
-  </p:cSld>
-  <p:clrMapOvr>
-    <a:masterClrMapping/>
-  </p:clrMapOvr>
-</p:sld>
-</file>
-
-<file path=ppt/slides/slide7.xml><?xml version="1.0" encoding="utf-8"?>
-<p:sld xmlns:a="http://schemas.openxmlformats.org/drawingml/2006/main" xmlns:r="http://schemas.openxmlformats.org/officeDocument/2006/relationships" xmlns:p="http://schemas.openxmlformats.org/presentationml/2006/main">
-  <p:cSld>
-    <p:spTree>
-      <p:nvGrpSpPr>
-        <p:cNvPr id="1" name=""/>
-        <p:cNvGrpSpPr/>
-        <p:nvPr/>
-      </p:nvGrpSpPr>
-      <p:grpSpPr>
-        <a:xfrm>
-          <a:off x="0" y="0"/>
-          <a:ext cx="0" cy="0"/>
-          <a:chOff x="0" y="0"/>
-          <a:chExt cx="0" cy="0"/>
-        </a:xfrm>
-      </p:grpSpPr>
-      <p:sp>
-        <p:nvSpPr>
-          <p:cNvPr id="4" name="Content Placeholder 2">
-            <a:extLst>
-              <a:ext uri="{FF2B5EF4-FFF2-40B4-BE49-F238E27FC236}">
-                <a16:creationId xmlns:a16="http://schemas.microsoft.com/office/drawing/2014/main" id="{C23BB090-C01B-1031-4CB6-E41E36D271F8}"/>
-              </a:ext>
-            </a:extLst>
-          </p:cNvPr>
-          <p:cNvSpPr txBox="1">
-            <a:spLocks/>
-          </p:cNvSpPr>
-          <p:nvPr/>
-        </p:nvSpPr>
-        <p:spPr>
-          <a:xfrm>
-            <a:off x="1154954" y="1884218"/>
-            <a:ext cx="8825659" cy="4793308"/>
-          </a:xfrm>
-          <a:prstGeom prst="rect">
-            <a:avLst/>
-          </a:prstGeom>
-        </p:spPr>
-        <p:txBody>
-          <a:bodyPr>
-            <a:noAutofit/>
-          </a:bodyPr>
-          <a:lstStyle>
-            <a:lvl1pPr marL="342900" indent="-342900" algn="l" defTabSz="457200" rtl="0" eaLnBrk="1" latinLnBrk="0" hangingPunct="1">
-              <a:spcBef>
-                <a:spcPts val="1000"/>
-              </a:spcBef>
-              <a:spcAft>
-                <a:spcPts val="0"/>
-              </a:spcAft>
-              <a:buClr>
-                <a:schemeClr val="accent1"/>
-              </a:buClr>
-              <a:buSzPct val="80000"/>
-              <a:buFont typeface="Wingdings 3" charset="2"/>
-              <a:buChar char=""/>
-              <a:defRPr sz="1800" b="0" i="0" kern="1200">
-                <a:solidFill>
-                  <a:schemeClr val="tx1">
-                    <a:lumMod val="75000"/>
-                    <a:lumOff val="25000"/>
-                  </a:schemeClr>
-                </a:solidFill>
-                <a:latin typeface="+mn-lt"/>
-                <a:ea typeface="+mn-ea"/>
-                <a:cs typeface="+mn-cs"/>
-              </a:defRPr>
-            </a:lvl1pPr>
-            <a:lvl2pPr marL="742950" indent="-285750" algn="l" defTabSz="457200" rtl="0" eaLnBrk="1" latinLnBrk="0" hangingPunct="1">
-              <a:spcBef>
-                <a:spcPts val="1000"/>
-              </a:spcBef>
-              <a:spcAft>
-                <a:spcPts val="0"/>
-              </a:spcAft>
-              <a:buClr>
-                <a:schemeClr val="accent1"/>
-              </a:buClr>
-              <a:buSzPct val="80000"/>
-              <a:buFont typeface="Wingdings 3" charset="2"/>
-              <a:buChar char=""/>
-              <a:defRPr sz="1600" b="0" i="0" kern="1200">
-                <a:solidFill>
-                  <a:schemeClr val="tx1">
-                    <a:lumMod val="75000"/>
-                    <a:lumOff val="25000"/>
-                  </a:schemeClr>
-                </a:solidFill>
-                <a:latin typeface="+mn-lt"/>
-                <a:ea typeface="+mn-ea"/>
-                <a:cs typeface="+mn-cs"/>
-              </a:defRPr>
-            </a:lvl2pPr>
-            <a:lvl3pPr marL="1143000" indent="-228600" algn="l" defTabSz="457200" rtl="0" eaLnBrk="1" latinLnBrk="0" hangingPunct="1">
-              <a:spcBef>
-                <a:spcPts val="1000"/>
-              </a:spcBef>
-              <a:spcAft>
-                <a:spcPts val="0"/>
-              </a:spcAft>
-              <a:buClr>
-                <a:schemeClr val="accent1"/>
-              </a:buClr>
-              <a:buSzPct val="80000"/>
-              <a:buFont typeface="Wingdings 3" charset="2"/>
-              <a:buChar char=""/>
-              <a:defRPr sz="1400" b="0" i="0" kern="1200">
-                <a:solidFill>
-                  <a:schemeClr val="tx1">
-                    <a:lumMod val="75000"/>
-                    <a:lumOff val="25000"/>
-                  </a:schemeClr>
-                </a:solidFill>
-                <a:latin typeface="+mn-lt"/>
-                <a:ea typeface="+mn-ea"/>
-                <a:cs typeface="+mn-cs"/>
-              </a:defRPr>
-            </a:lvl3pPr>
-            <a:lvl4pPr marL="1600200" indent="-228600" algn="l" defTabSz="457200" rtl="0" eaLnBrk="1" latinLnBrk="0" hangingPunct="1">
-              <a:spcBef>
-                <a:spcPts val="1000"/>
-              </a:spcBef>
-              <a:spcAft>
-                <a:spcPts val="0"/>
-              </a:spcAft>
-              <a:buClr>
-                <a:schemeClr val="accent1"/>
-              </a:buClr>
-              <a:buSzPct val="80000"/>
-              <a:buFont typeface="Wingdings 3" charset="2"/>
-              <a:buChar char=""/>
-              <a:defRPr sz="1200" b="0" i="0" kern="1200">
-                <a:solidFill>
-                  <a:schemeClr val="tx1">
-                    <a:lumMod val="75000"/>
-                    <a:lumOff val="25000"/>
-                  </a:schemeClr>
-                </a:solidFill>
-                <a:latin typeface="+mn-lt"/>
-                <a:ea typeface="+mn-ea"/>
-                <a:cs typeface="+mn-cs"/>
-              </a:defRPr>
-            </a:lvl4pPr>
-            <a:lvl5pPr marL="2057400" indent="-228600" algn="l" defTabSz="457200" rtl="0" eaLnBrk="1" latinLnBrk="0" hangingPunct="1">
-              <a:spcBef>
-                <a:spcPts val="1000"/>
-              </a:spcBef>
-              <a:spcAft>
-                <a:spcPts val="0"/>
-              </a:spcAft>
-              <a:buClr>
-                <a:schemeClr val="accent1"/>
-              </a:buClr>
-              <a:buSzPct val="80000"/>
-              <a:buFont typeface="Wingdings 3" charset="2"/>
-              <a:buChar char=""/>
-              <a:defRPr sz="1200" b="0" i="0" kern="1200">
-                <a:solidFill>
-                  <a:schemeClr val="tx1">
-                    <a:lumMod val="75000"/>
-                    <a:lumOff val="25000"/>
-                  </a:schemeClr>
-                </a:solidFill>
-                <a:latin typeface="+mn-lt"/>
-                <a:ea typeface="+mn-ea"/>
-                <a:cs typeface="+mn-cs"/>
-              </a:defRPr>
-            </a:lvl5pPr>
-            <a:lvl6pPr marL="2514600" indent="-228600" algn="l" defTabSz="457200" rtl="0" eaLnBrk="1" latinLnBrk="0" hangingPunct="1">
-              <a:spcBef>
-                <a:spcPts val="1000"/>
-              </a:spcBef>
-              <a:spcAft>
-                <a:spcPts val="0"/>
-              </a:spcAft>
-              <a:buClr>
-                <a:schemeClr val="accent1"/>
-              </a:buClr>
-              <a:buSzPct val="80000"/>
-              <a:buFont typeface="Wingdings 3" charset="2"/>
-              <a:buChar char=""/>
-              <a:defRPr sz="1200" b="0" i="0" kern="1200">
-                <a:solidFill>
-                  <a:schemeClr val="tx1">
-                    <a:lumMod val="75000"/>
-                    <a:lumOff val="25000"/>
-                  </a:schemeClr>
-                </a:solidFill>
-                <a:latin typeface="+mn-lt"/>
-                <a:ea typeface="+mn-ea"/>
-                <a:cs typeface="+mn-cs"/>
-              </a:defRPr>
-            </a:lvl6pPr>
-            <a:lvl7pPr marL="2971800" indent="-228600" algn="l" defTabSz="457200" rtl="0" eaLnBrk="1" latinLnBrk="0" hangingPunct="1">
-              <a:spcBef>
-                <a:spcPts val="1000"/>
-              </a:spcBef>
-              <a:spcAft>
-                <a:spcPts val="0"/>
-              </a:spcAft>
-              <a:buClr>
-                <a:schemeClr val="accent1"/>
-              </a:buClr>
-              <a:buSzPct val="80000"/>
-              <a:buFont typeface="Wingdings 3" charset="2"/>
-              <a:buChar char=""/>
-              <a:defRPr sz="1200" b="0" i="0" kern="1200">
-                <a:solidFill>
-                  <a:schemeClr val="tx1">
-                    <a:lumMod val="75000"/>
-                    <a:lumOff val="25000"/>
-                  </a:schemeClr>
-                </a:solidFill>
-                <a:latin typeface="+mn-lt"/>
-                <a:ea typeface="+mn-ea"/>
-                <a:cs typeface="+mn-cs"/>
-              </a:defRPr>
-            </a:lvl7pPr>
-            <a:lvl8pPr marL="3429000" indent="-228600" algn="l" defTabSz="457200" rtl="0" eaLnBrk="1" latinLnBrk="0" hangingPunct="1">
-              <a:spcBef>
-                <a:spcPts val="1000"/>
-              </a:spcBef>
-              <a:spcAft>
-                <a:spcPts val="0"/>
-              </a:spcAft>
-              <a:buClr>
-                <a:schemeClr val="accent1"/>
-              </a:buClr>
-              <a:buSzPct val="80000"/>
-              <a:buFont typeface="Wingdings 3" charset="2"/>
-              <a:buChar char=""/>
-              <a:defRPr sz="1200" b="0" i="0" kern="1200">
-                <a:solidFill>
-                  <a:schemeClr val="tx1">
-                    <a:lumMod val="75000"/>
-                    <a:lumOff val="25000"/>
-                  </a:schemeClr>
-                </a:solidFill>
-                <a:latin typeface="+mn-lt"/>
-                <a:ea typeface="+mn-ea"/>
-                <a:cs typeface="+mn-cs"/>
-              </a:defRPr>
-            </a:lvl8pPr>
-            <a:lvl9pPr marL="3886200" indent="-228600" algn="l" defTabSz="457200" rtl="0" eaLnBrk="1" latinLnBrk="0" hangingPunct="1">
-              <a:spcBef>
-                <a:spcPts val="1000"/>
-              </a:spcBef>
-              <a:spcAft>
-                <a:spcPts val="0"/>
-              </a:spcAft>
-              <a:buClr>
-                <a:schemeClr val="accent1"/>
-              </a:buClr>
-              <a:buSzPct val="80000"/>
-              <a:buFont typeface="Wingdings 3" charset="2"/>
-              <a:buChar char=""/>
-              <a:defRPr sz="1200" b="0" i="0" kern="1200">
-                <a:solidFill>
-                  <a:schemeClr val="tx1">
-                    <a:lumMod val="75000"/>
-                    <a:lumOff val="25000"/>
-                  </a:schemeClr>
-                </a:solidFill>
-                <a:latin typeface="+mn-lt"/>
-                <a:ea typeface="+mn-ea"/>
-                <a:cs typeface="+mn-cs"/>
-              </a:defRPr>
-            </a:lvl9pPr>
-          </a:lstStyle>
-          <a:p>
-            <a:pPr marL="0" indent="0">
-              <a:spcBef>
-                <a:spcPts val="0"/>
-              </a:spcBef>
-              <a:buFont typeface="Wingdings 3" charset="2"/>
-              <a:buNone/>
-            </a:pPr>
-            <a:r>
-              <a:rPr lang="en-US" sz="1200" dirty="0">
-                <a:latin typeface="Courier New" panose="02070309020205020404" pitchFamily="49" charset="0"/>
-                <a:cs typeface="Courier New" panose="02070309020205020404" pitchFamily="49" charset="0"/>
-              </a:rPr>
-              <a:t>Function </a:t>
-            </a:r>
-            <a:r>
-              <a:rPr lang="en-US" sz="1200" dirty="0" err="1">
-                <a:latin typeface="Courier New" panose="02070309020205020404" pitchFamily="49" charset="0"/>
-                <a:cs typeface="Courier New" panose="02070309020205020404" pitchFamily="49" charset="0"/>
-              </a:rPr>
-              <a:t>buy_shares</a:t>
-            </a:r>
-            <a:r>
-              <a:rPr lang="en-US" sz="1200" dirty="0">
-                <a:latin typeface="Courier New" panose="02070309020205020404" pitchFamily="49" charset="0"/>
-                <a:cs typeface="Courier New" panose="02070309020205020404" pitchFamily="49" charset="0"/>
-              </a:rPr>
-              <a:t>(shares, wallet):</a:t>
-            </a:r>
-          </a:p>
-          <a:p>
-            <a:pPr marL="0" indent="0">
-              <a:spcBef>
-                <a:spcPts val="0"/>
-              </a:spcBef>
-              <a:buFont typeface="Wingdings 3" charset="2"/>
-              <a:buNone/>
-            </a:pPr>
-            <a:r>
-              <a:rPr lang="en-US" sz="1200" dirty="0">
-                <a:latin typeface="Courier New" panose="02070309020205020404" pitchFamily="49" charset="0"/>
-                <a:cs typeface="Courier New" panose="02070309020205020404" pitchFamily="49" charset="0"/>
-              </a:rPr>
-              <a:t>Variable</a:t>
-            </a:r>
-          </a:p>
-          <a:p>
-            <a:pPr marL="0" indent="0">
-              <a:spcBef>
-                <a:spcPts val="0"/>
-              </a:spcBef>
-              <a:buFont typeface="Wingdings 3" charset="2"/>
-              <a:buNone/>
-            </a:pPr>
-            <a:r>
-              <a:rPr lang="en-US" sz="1200" dirty="0">
-                <a:latin typeface="Courier New" panose="02070309020205020404" pitchFamily="49" charset="0"/>
-                <a:cs typeface="Courier New" panose="02070309020205020404" pitchFamily="49" charset="0"/>
-              </a:rPr>
-              <a:t>    </a:t>
-            </a:r>
-            <a:r>
-              <a:rPr lang="en-US" sz="1200" dirty="0" err="1">
-                <a:latin typeface="Courier New" panose="02070309020205020404" pitchFamily="49" charset="0"/>
-                <a:cs typeface="Courier New" panose="02070309020205020404" pitchFamily="49" charset="0"/>
-              </a:rPr>
-              <a:t>shares_bought</a:t>
-            </a:r>
-            <a:r>
-              <a:rPr lang="en-US" sz="1200" dirty="0">
-                <a:latin typeface="Courier New" panose="02070309020205020404" pitchFamily="49" charset="0"/>
-                <a:cs typeface="Courier New" panose="02070309020205020404" pitchFamily="49" charset="0"/>
-              </a:rPr>
-              <a:t> &lt;- empty list</a:t>
-            </a:r>
-          </a:p>
-          <a:p>
-            <a:pPr marL="0" indent="0">
-              <a:spcBef>
-                <a:spcPts val="0"/>
-              </a:spcBef>
-              <a:buFont typeface="Wingdings 3" charset="2"/>
-              <a:buNone/>
-            </a:pPr>
-            <a:r>
-              <a:rPr lang="en-US" sz="1200" dirty="0">
-                <a:latin typeface="Courier New" panose="02070309020205020404" pitchFamily="49" charset="0"/>
-                <a:cs typeface="Courier New" panose="02070309020205020404" pitchFamily="49" charset="0"/>
-              </a:rPr>
-              <a:t>Start</a:t>
-            </a:r>
-          </a:p>
-          <a:p>
-            <a:pPr marL="0" indent="0">
-              <a:spcBef>
-                <a:spcPts val="0"/>
-              </a:spcBef>
-              <a:buFont typeface="Wingdings 3" charset="2"/>
-              <a:buNone/>
-            </a:pPr>
-            <a:r>
-              <a:rPr lang="en-US" sz="1200" dirty="0">
-                <a:latin typeface="Courier New" panose="02070309020205020404" pitchFamily="49" charset="0"/>
-                <a:cs typeface="Courier New" panose="02070309020205020404" pitchFamily="49" charset="0"/>
-              </a:rPr>
-              <a:t>    For each share in shares:</a:t>
-            </a:r>
-          </a:p>
-          <a:p>
-            <a:pPr marL="0" indent="0">
-              <a:spcBef>
-                <a:spcPts val="0"/>
-              </a:spcBef>
-              <a:buFont typeface="Wingdings 3" charset="2"/>
-              <a:buNone/>
-            </a:pPr>
-            <a:r>
-              <a:rPr lang="en-US" sz="1200" dirty="0">
-                <a:latin typeface="Courier New" panose="02070309020205020404" pitchFamily="49" charset="0"/>
-                <a:cs typeface="Courier New" panose="02070309020205020404" pitchFamily="49" charset="0"/>
-              </a:rPr>
-              <a:t>        If wallet == 0:</a:t>
-            </a:r>
-          </a:p>
-          <a:p>
-            <a:pPr marL="0" indent="0">
-              <a:spcBef>
-                <a:spcPts val="0"/>
-              </a:spcBef>
-              <a:buFont typeface="Wingdings 3" charset="2"/>
-              <a:buNone/>
-            </a:pPr>
-            <a:r>
-              <a:rPr lang="en-US" sz="1200" dirty="0">
-                <a:latin typeface="Courier New" panose="02070309020205020404" pitchFamily="49" charset="0"/>
-                <a:cs typeface="Courier New" panose="02070309020205020404" pitchFamily="49" charset="0"/>
-              </a:rPr>
-              <a:t>            Break out of the loop</a:t>
-            </a:r>
-          </a:p>
-          <a:p>
-            <a:pPr marL="0" indent="0">
-              <a:spcBef>
-                <a:spcPts val="0"/>
-              </a:spcBef>
-              <a:buFont typeface="Wingdings 3" charset="2"/>
-              <a:buNone/>
-            </a:pPr>
-            <a:r>
-              <a:rPr lang="en-US" sz="1200" dirty="0">
-                <a:latin typeface="Courier New" panose="02070309020205020404" pitchFamily="49" charset="0"/>
-                <a:cs typeface="Courier New" panose="02070309020205020404" pitchFamily="49" charset="0"/>
-              </a:rPr>
-              <a:t>        Else If </a:t>
-            </a:r>
-            <a:r>
-              <a:rPr lang="en-US" sz="1200" dirty="0" err="1">
-                <a:latin typeface="Courier New" panose="02070309020205020404" pitchFamily="49" charset="0"/>
-                <a:cs typeface="Courier New" panose="02070309020205020404" pitchFamily="49" charset="0"/>
-              </a:rPr>
-              <a:t>share.price</a:t>
-            </a:r>
-            <a:r>
-              <a:rPr lang="en-US" sz="1200" dirty="0">
-                <a:latin typeface="Courier New" panose="02070309020205020404" pitchFamily="49" charset="0"/>
-                <a:cs typeface="Courier New" panose="02070309020205020404" pitchFamily="49" charset="0"/>
-              </a:rPr>
-              <a:t> == 0:</a:t>
-            </a:r>
-          </a:p>
-          <a:p>
-            <a:pPr marL="0" indent="0">
-              <a:spcBef>
-                <a:spcPts val="0"/>
-              </a:spcBef>
-              <a:buFont typeface="Wingdings 3" charset="2"/>
-              <a:buNone/>
-            </a:pPr>
-            <a:r>
-              <a:rPr lang="en-US" sz="1200" dirty="0">
-                <a:latin typeface="Courier New" panose="02070309020205020404" pitchFamily="49" charset="0"/>
-                <a:cs typeface="Courier New" panose="02070309020205020404" pitchFamily="49" charset="0"/>
-              </a:rPr>
-              <a:t>            Proceed to next iteration of the loop</a:t>
-            </a:r>
-          </a:p>
-          <a:p>
-            <a:pPr marL="0" indent="0">
-              <a:spcBef>
-                <a:spcPts val="0"/>
-              </a:spcBef>
-              <a:buFont typeface="Wingdings 3" charset="2"/>
-              <a:buNone/>
-            </a:pPr>
-            <a:r>
-              <a:rPr lang="en-US" sz="1200" dirty="0">
-                <a:latin typeface="Courier New" panose="02070309020205020404" pitchFamily="49" charset="0"/>
-                <a:cs typeface="Courier New" panose="02070309020205020404" pitchFamily="49" charset="0"/>
-              </a:rPr>
-              <a:t>        Else If wallet &gt;= </a:t>
-            </a:r>
-            <a:r>
-              <a:rPr lang="en-US" sz="1200" dirty="0" err="1">
-                <a:latin typeface="Courier New" panose="02070309020205020404" pitchFamily="49" charset="0"/>
-                <a:cs typeface="Courier New" panose="02070309020205020404" pitchFamily="49" charset="0"/>
-              </a:rPr>
-              <a:t>share.price</a:t>
-            </a:r>
-            <a:r>
-              <a:rPr lang="en-US" sz="1200" dirty="0">
-                <a:latin typeface="Courier New" panose="02070309020205020404" pitchFamily="49" charset="0"/>
-                <a:cs typeface="Courier New" panose="02070309020205020404" pitchFamily="49" charset="0"/>
-              </a:rPr>
-              <a:t>:</a:t>
-            </a:r>
-          </a:p>
-          <a:p>
-            <a:pPr marL="0" indent="0">
-              <a:spcBef>
-                <a:spcPts val="0"/>
-              </a:spcBef>
-              <a:buFont typeface="Wingdings 3" charset="2"/>
-              <a:buNone/>
-            </a:pPr>
-            <a:r>
-              <a:rPr lang="en-US" sz="1200" dirty="0">
-                <a:latin typeface="Courier New" panose="02070309020205020404" pitchFamily="49" charset="0"/>
-                <a:cs typeface="Courier New" panose="02070309020205020404" pitchFamily="49" charset="0"/>
-              </a:rPr>
-              <a:t>            Add share to </a:t>
-            </a:r>
-            <a:r>
-              <a:rPr lang="en-US" sz="1200" dirty="0" err="1">
-                <a:latin typeface="Courier New" panose="02070309020205020404" pitchFamily="49" charset="0"/>
-                <a:cs typeface="Courier New" panose="02070309020205020404" pitchFamily="49" charset="0"/>
-              </a:rPr>
-              <a:t>shares_bought</a:t>
-            </a:r>
-            <a:endParaRPr lang="en-US" sz="1200" dirty="0">
-              <a:latin typeface="Courier New" panose="02070309020205020404" pitchFamily="49" charset="0"/>
-              <a:cs typeface="Courier New" panose="02070309020205020404" pitchFamily="49" charset="0"/>
-            </a:endParaRPr>
-          </a:p>
-          <a:p>
-            <a:pPr marL="0" indent="0">
-              <a:spcBef>
-                <a:spcPts val="0"/>
-              </a:spcBef>
-              <a:buFont typeface="Wingdings 3" charset="2"/>
-              <a:buNone/>
-            </a:pPr>
-            <a:r>
-              <a:rPr lang="en-US" sz="1200" dirty="0">
-                <a:latin typeface="Courier New" panose="02070309020205020404" pitchFamily="49" charset="0"/>
-                <a:cs typeface="Courier New" panose="02070309020205020404" pitchFamily="49" charset="0"/>
-              </a:rPr>
-              <a:t>            wallet -= </a:t>
-            </a:r>
-            <a:r>
-              <a:rPr lang="en-US" sz="1200" dirty="0" err="1">
-                <a:latin typeface="Courier New" panose="02070309020205020404" pitchFamily="49" charset="0"/>
-                <a:cs typeface="Courier New" panose="02070309020205020404" pitchFamily="49" charset="0"/>
-              </a:rPr>
-              <a:t>share.price</a:t>
-            </a:r>
-            <a:endParaRPr lang="en-US" sz="1200" dirty="0">
-              <a:latin typeface="Courier New" panose="02070309020205020404" pitchFamily="49" charset="0"/>
-              <a:cs typeface="Courier New" panose="02070309020205020404" pitchFamily="49" charset="0"/>
-            </a:endParaRPr>
-          </a:p>
-          <a:p>
-            <a:pPr marL="0" indent="0">
-              <a:spcBef>
-                <a:spcPts val="0"/>
-              </a:spcBef>
-              <a:buFont typeface="Wingdings 3" charset="2"/>
-              <a:buNone/>
-            </a:pPr>
-            <a:r>
-              <a:rPr lang="en-US" sz="1200" dirty="0">
-                <a:latin typeface="Courier New" panose="02070309020205020404" pitchFamily="49" charset="0"/>
-                <a:cs typeface="Courier New" panose="02070309020205020404" pitchFamily="49" charset="0"/>
-              </a:rPr>
-              <a:t>        End If</a:t>
-            </a:r>
-          </a:p>
-          <a:p>
-            <a:pPr marL="0" indent="0">
-              <a:spcBef>
-                <a:spcPts val="0"/>
-              </a:spcBef>
-              <a:buFont typeface="Wingdings 3" charset="2"/>
-              <a:buNone/>
-            </a:pPr>
-            <a:r>
-              <a:rPr lang="en-US" sz="1200" dirty="0">
-                <a:latin typeface="Courier New" panose="02070309020205020404" pitchFamily="49" charset="0"/>
-                <a:cs typeface="Courier New" panose="02070309020205020404" pitchFamily="49" charset="0"/>
-              </a:rPr>
-              <a:t>    End For</a:t>
-            </a:r>
-          </a:p>
-          <a:p>
-            <a:pPr marL="0" indent="0">
-              <a:spcBef>
-                <a:spcPts val="0"/>
-              </a:spcBef>
-              <a:buFont typeface="Wingdings 3" charset="2"/>
-              <a:buNone/>
-            </a:pPr>
-            <a:r>
-              <a:rPr lang="en-US" sz="1200" dirty="0">
-                <a:latin typeface="Courier New" panose="02070309020205020404" pitchFamily="49" charset="0"/>
-                <a:cs typeface="Courier New" panose="02070309020205020404" pitchFamily="49" charset="0"/>
-              </a:rPr>
-              <a:t>	Return </a:t>
-            </a:r>
-            <a:r>
-              <a:rPr lang="en-US" sz="1200" dirty="0" err="1">
-                <a:latin typeface="Courier New" panose="02070309020205020404" pitchFamily="49" charset="0"/>
-                <a:cs typeface="Courier New" panose="02070309020205020404" pitchFamily="49" charset="0"/>
-              </a:rPr>
-              <a:t>shares_bought</a:t>
-            </a:r>
-            <a:endParaRPr lang="en-US" sz="1200" dirty="0">
-              <a:latin typeface="Courier New" panose="02070309020205020404" pitchFamily="49" charset="0"/>
-              <a:cs typeface="Courier New" panose="02070309020205020404" pitchFamily="49" charset="0"/>
-            </a:endParaRPr>
-          </a:p>
-          <a:p>
-            <a:pPr marL="0" indent="0">
-              <a:spcBef>
-                <a:spcPts val="0"/>
-              </a:spcBef>
-              <a:buFont typeface="Wingdings 3" charset="2"/>
-              <a:buNone/>
-            </a:pPr>
-            <a:r>
-              <a:rPr lang="en-US" sz="1200" dirty="0">
-                <a:latin typeface="Courier New" panose="02070309020205020404" pitchFamily="49" charset="0"/>
-                <a:cs typeface="Courier New" panose="02070309020205020404" pitchFamily="49" charset="0"/>
-              </a:rPr>
-              <a:t>End Function</a:t>
-            </a:r>
-          </a:p>
-        </p:txBody>
-      </p:sp>
-    </p:spTree>
-    <p:extLst>
-      <p:ext uri="{BB962C8B-B14F-4D97-AF65-F5344CB8AC3E}">
-        <p14:creationId xmlns:p14="http://schemas.microsoft.com/office/powerpoint/2010/main" val="3472769869"/>
-      </p:ext>
-    </p:extLst>
-  </p:cSld>
-  <p:clrMapOvr>
-    <a:masterClrMapping/>
-  </p:clrMapOvr>
-</p:sld>
-</file>
-
-<file path=ppt/slides/slide8.xml><?xml version="1.0" encoding="utf-8"?>
 <p:sld xmlns:a="http://schemas.openxmlformats.org/drawingml/2006/main" xmlns:r="http://schemas.openxmlformats.org/officeDocument/2006/relationships" xmlns:p="http://schemas.openxmlformats.org/presentationml/2006/main">
   <p:cSld>
     <p:spTree>
@@ -21326,7 +19964,7 @@
           <a:p>
             <a:r>
               <a:rPr lang="en-US" dirty="0"/>
-              <a:t>Optimized Solution – Goal &amp; Limitations</a:t>
+              <a:t>Optimized Solution – Goal</a:t>
             </a:r>
           </a:p>
         </p:txBody>
@@ -21349,58 +19987,32 @@
         </p:nvSpPr>
         <p:spPr/>
         <p:txBody>
-          <a:bodyPr/>
+          <a:bodyPr>
+            <a:normAutofit/>
+          </a:bodyPr>
           <a:lstStyle/>
           <a:p>
             <a:r>
-              <a:rPr lang="en-US" dirty="0"/>
+              <a:rPr lang="en-US" sz="2000" dirty="0"/>
               <a:t>Going through all combinations takes too much time</a:t>
             </a:r>
           </a:p>
           <a:p>
             <a:r>
-              <a:rPr lang="en-US" dirty="0"/>
-              <a:t>The most profitable shares are more likely to bring more profit</a:t>
+              <a:rPr lang="en-US" sz="2000" dirty="0"/>
+              <a:t>Logic: The most profitable shares are more likely to bring more profit</a:t>
             </a:r>
           </a:p>
           <a:p>
             <a:r>
-              <a:rPr lang="en-US" dirty="0"/>
-              <a:t>Idea: </a:t>
+              <a:rPr lang="en-US" sz="2000" dirty="0"/>
+              <a:t>Buy most profitable shares first</a:t>
             </a:r>
           </a:p>
           <a:p>
-            <a:pPr lvl="1"/>
             <a:r>
-              <a:rPr lang="en-US" dirty="0"/>
-              <a:t>Order the shares by their percentage of profit </a:t>
-            </a:r>
-          </a:p>
-          <a:p>
-            <a:pPr lvl="1"/>
-            <a:r>
-              <a:rPr lang="en-US" dirty="0"/>
-              <a:t>Buy them in that order until the money runs out</a:t>
-            </a:r>
-          </a:p>
-          <a:p>
-            <a:pPr lvl="1"/>
-            <a:r>
-              <a:rPr lang="en-US" dirty="0"/>
-              <a:t>If there is still money but the share is too expensive, try to buy the next one instead</a:t>
-            </a:r>
-          </a:p>
-          <a:p>
-            <a:pPr lvl="1"/>
-            <a:r>
-              <a:rPr lang="en-US" dirty="0"/>
-              <a:t>Continue until there is no more money or no more share, whichever comes first</a:t>
-            </a:r>
-          </a:p>
-          <a:p>
-            <a:r>
-              <a:rPr lang="en-US" dirty="0"/>
-              <a:t>Very fast to compute</a:t>
+              <a:rPr lang="en-US" sz="2000" dirty="0"/>
+              <a:t>Much faster to compute</a:t>
             </a:r>
           </a:p>
         </p:txBody>
@@ -21418,7 +20030,406 @@
 </p:sld>
 </file>
 
-<file path=ppt/slides/slide9.xml><?xml version="1.0" encoding="utf-8"?>
+<file path=ppt/slides/slide6.xml><?xml version="1.0" encoding="utf-8"?>
+<p:sld xmlns:a="http://schemas.openxmlformats.org/drawingml/2006/main" xmlns:r="http://schemas.openxmlformats.org/officeDocument/2006/relationships" xmlns:p="http://schemas.openxmlformats.org/presentationml/2006/main">
+  <p:cSld>
+    <p:spTree>
+      <p:nvGrpSpPr>
+        <p:cNvPr id="1" name=""/>
+        <p:cNvGrpSpPr/>
+        <p:nvPr/>
+      </p:nvGrpSpPr>
+      <p:grpSpPr>
+        <a:xfrm>
+          <a:off x="0" y="0"/>
+          <a:ext cx="0" cy="0"/>
+          <a:chOff x="0" y="0"/>
+          <a:chExt cx="0" cy="0"/>
+        </a:xfrm>
+      </p:grpSpPr>
+      <p:sp>
+        <p:nvSpPr>
+          <p:cNvPr id="2" name="Title 1">
+            <a:extLst>
+              <a:ext uri="{FF2B5EF4-FFF2-40B4-BE49-F238E27FC236}">
+                <a16:creationId xmlns:a16="http://schemas.microsoft.com/office/drawing/2014/main" id="{D2BD25FF-EA65-7D89-1D7D-8A0164DF6C93}"/>
+              </a:ext>
+            </a:extLst>
+          </p:cNvPr>
+          <p:cNvSpPr>
+            <a:spLocks noGrp="1"/>
+          </p:cNvSpPr>
+          <p:nvPr>
+            <p:ph type="title"/>
+          </p:nvPr>
+        </p:nvSpPr>
+        <p:spPr/>
+        <p:txBody>
+          <a:bodyPr/>
+          <a:lstStyle/>
+          <a:p>
+            <a:r>
+              <a:rPr lang="en-US" dirty="0"/>
+              <a:t>Optimized Solution - Pseudocode</a:t>
+            </a:r>
+          </a:p>
+        </p:txBody>
+      </p:sp>
+      <p:sp>
+        <p:nvSpPr>
+          <p:cNvPr id="3" name="Content Placeholder 2">
+            <a:extLst>
+              <a:ext uri="{FF2B5EF4-FFF2-40B4-BE49-F238E27FC236}">
+                <a16:creationId xmlns:a16="http://schemas.microsoft.com/office/drawing/2014/main" id="{A0911E1D-619C-7C1E-D136-0F3CED6D7357}"/>
+              </a:ext>
+            </a:extLst>
+          </p:cNvPr>
+          <p:cNvSpPr>
+            <a:spLocks noGrp="1"/>
+          </p:cNvSpPr>
+          <p:nvPr>
+            <p:ph idx="1"/>
+          </p:nvPr>
+        </p:nvSpPr>
+        <p:spPr>
+          <a:xfrm>
+            <a:off x="1002020" y="2324960"/>
+            <a:ext cx="10187960" cy="4533040"/>
+          </a:xfrm>
+        </p:spPr>
+        <p:txBody>
+          <a:bodyPr>
+            <a:noAutofit/>
+          </a:bodyPr>
+          <a:lstStyle/>
+          <a:p>
+            <a:pPr marL="0" indent="0">
+              <a:spcBef>
+                <a:spcPts val="0"/>
+              </a:spcBef>
+              <a:buNone/>
+            </a:pPr>
+            <a:r>
+              <a:rPr lang="en-US" sz="1400" b="1" dirty="0">
+                <a:latin typeface="Courier New" panose="02070309020205020404" pitchFamily="49" charset="0"/>
+                <a:cs typeface="Courier New" panose="02070309020205020404" pitchFamily="49" charset="0"/>
+              </a:rPr>
+              <a:t>Optimized Algorithm </a:t>
+            </a:r>
+          </a:p>
+          <a:p>
+            <a:pPr marL="0" indent="0">
+              <a:spcBef>
+                <a:spcPts val="0"/>
+              </a:spcBef>
+              <a:buNone/>
+            </a:pPr>
+            <a:r>
+              <a:rPr lang="en-US" sz="1400" dirty="0">
+                <a:latin typeface="Courier New" panose="02070309020205020404" pitchFamily="49" charset="0"/>
+                <a:cs typeface="Courier New" panose="02070309020205020404" pitchFamily="49" charset="0"/>
+              </a:rPr>
+              <a:t>Variable</a:t>
+            </a:r>
+          </a:p>
+          <a:p>
+            <a:pPr marL="0" indent="0">
+              <a:spcBef>
+                <a:spcPts val="0"/>
+              </a:spcBef>
+              <a:buNone/>
+            </a:pPr>
+            <a:r>
+              <a:rPr lang="en-US" sz="1400" dirty="0">
+                <a:latin typeface="Courier New" panose="02070309020205020404" pitchFamily="49" charset="0"/>
+                <a:cs typeface="Courier New" panose="02070309020205020404" pitchFamily="49" charset="0"/>
+              </a:rPr>
+              <a:t>	Wallet &lt;- 500</a:t>
+            </a:r>
+          </a:p>
+          <a:p>
+            <a:pPr marL="0" indent="0">
+              <a:spcBef>
+                <a:spcPts val="0"/>
+              </a:spcBef>
+              <a:buNone/>
+            </a:pPr>
+            <a:r>
+              <a:rPr lang="en-US" sz="1400" dirty="0">
+                <a:latin typeface="Courier New" panose="02070309020205020404" pitchFamily="49" charset="0"/>
+                <a:cs typeface="Courier New" panose="02070309020205020404" pitchFamily="49" charset="0"/>
+              </a:rPr>
+              <a:t>	CSV file &lt;- shares with a name, a price and a profit as a percentage of the price</a:t>
+            </a:r>
+          </a:p>
+          <a:p>
+            <a:pPr marL="0" indent="0">
+              <a:spcBef>
+                <a:spcPts val="0"/>
+              </a:spcBef>
+              <a:buNone/>
+            </a:pPr>
+            <a:r>
+              <a:rPr lang="en-US" sz="1400" dirty="0">
+                <a:latin typeface="Courier New" panose="02070309020205020404" pitchFamily="49" charset="0"/>
+                <a:cs typeface="Courier New" panose="02070309020205020404" pitchFamily="49" charset="0"/>
+              </a:rPr>
+              <a:t>Start</a:t>
+            </a:r>
+          </a:p>
+          <a:p>
+            <a:pPr marL="0" indent="0">
+              <a:spcBef>
+                <a:spcPts val="0"/>
+              </a:spcBef>
+              <a:buNone/>
+            </a:pPr>
+            <a:r>
+              <a:rPr lang="en-US" sz="1400" dirty="0">
+                <a:latin typeface="Courier New" panose="02070309020205020404" pitchFamily="49" charset="0"/>
+                <a:cs typeface="Courier New" panose="02070309020205020404" pitchFamily="49" charset="0"/>
+              </a:rPr>
+              <a:t>	Get a list of shares from a csv file</a:t>
+            </a:r>
+          </a:p>
+          <a:p>
+            <a:pPr marL="0" indent="0">
+              <a:spcBef>
+                <a:spcPts val="0"/>
+              </a:spcBef>
+              <a:buNone/>
+            </a:pPr>
+            <a:r>
+              <a:rPr lang="en-US" sz="1400" dirty="0">
+                <a:latin typeface="Courier New" panose="02070309020205020404" pitchFamily="49" charset="0"/>
+                <a:cs typeface="Courier New" panose="02070309020205020404" pitchFamily="49" charset="0"/>
+              </a:rPr>
+              <a:t>	Sort all shares per profit percentage</a:t>
+            </a:r>
+          </a:p>
+          <a:p>
+            <a:pPr marL="0" indent="0">
+              <a:spcBef>
+                <a:spcPts val="0"/>
+              </a:spcBef>
+              <a:buNone/>
+            </a:pPr>
+            <a:r>
+              <a:rPr lang="en-US" sz="1400" dirty="0">
+                <a:latin typeface="Courier New" panose="02070309020205020404" pitchFamily="49" charset="0"/>
+                <a:cs typeface="Courier New" panose="02070309020205020404" pitchFamily="49" charset="0"/>
+              </a:rPr>
+              <a:t>		Order: profit percentage descending</a:t>
+            </a:r>
+          </a:p>
+          <a:p>
+            <a:pPr marL="0" indent="0">
+              <a:spcBef>
+                <a:spcPts val="0"/>
+              </a:spcBef>
+              <a:buNone/>
+            </a:pPr>
+            <a:r>
+              <a:rPr lang="en-US" sz="1400" dirty="0">
+                <a:latin typeface="Courier New" panose="02070309020205020404" pitchFamily="49" charset="0"/>
+                <a:cs typeface="Courier New" panose="02070309020205020404" pitchFamily="49" charset="0"/>
+              </a:rPr>
+              <a:t>	Buy shares in order:</a:t>
+            </a:r>
+          </a:p>
+          <a:p>
+            <a:pPr marL="0" indent="0">
+              <a:spcBef>
+                <a:spcPts val="0"/>
+              </a:spcBef>
+              <a:buNone/>
+            </a:pPr>
+            <a:r>
+              <a:rPr lang="en-US" sz="1400" dirty="0">
+                <a:latin typeface="Courier New" panose="02070309020205020404" pitchFamily="49" charset="0"/>
+                <a:cs typeface="Courier New" panose="02070309020205020404" pitchFamily="49" charset="0"/>
+              </a:rPr>
+              <a:t>		For each share:</a:t>
+            </a:r>
+          </a:p>
+          <a:p>
+            <a:pPr marL="0" indent="0">
+              <a:spcBef>
+                <a:spcPts val="0"/>
+              </a:spcBef>
+              <a:buNone/>
+            </a:pPr>
+            <a:r>
+              <a:rPr lang="en-US" sz="1400" dirty="0">
+                <a:latin typeface="Courier New" panose="02070309020205020404" pitchFamily="49" charset="0"/>
+                <a:cs typeface="Courier New" panose="02070309020205020404" pitchFamily="49" charset="0"/>
+              </a:rPr>
+              <a:t>			If Wallet &gt; 0 and price of share &lt;= wallet:</a:t>
+            </a:r>
+          </a:p>
+          <a:p>
+            <a:pPr marL="0" indent="0">
+              <a:spcBef>
+                <a:spcPts val="0"/>
+              </a:spcBef>
+              <a:buNone/>
+            </a:pPr>
+            <a:r>
+              <a:rPr lang="en-US" sz="1400" dirty="0">
+                <a:latin typeface="Courier New" panose="02070309020205020404" pitchFamily="49" charset="0"/>
+                <a:cs typeface="Courier New" panose="02070309020205020404" pitchFamily="49" charset="0"/>
+              </a:rPr>
+              <a:t>				Buy share</a:t>
+            </a:r>
+          </a:p>
+          <a:p>
+            <a:pPr marL="0" indent="0">
+              <a:spcBef>
+                <a:spcPts val="0"/>
+              </a:spcBef>
+              <a:buNone/>
+            </a:pPr>
+            <a:r>
+              <a:rPr lang="en-US" sz="1400" dirty="0">
+                <a:latin typeface="Courier New" panose="02070309020205020404" pitchFamily="49" charset="0"/>
+                <a:cs typeface="Courier New" panose="02070309020205020404" pitchFamily="49" charset="0"/>
+              </a:rPr>
+              <a:t>			Else If Wallet &gt; 0 and price of share &gt; wallet:</a:t>
+            </a:r>
+          </a:p>
+          <a:p>
+            <a:pPr marL="0" indent="0">
+              <a:spcBef>
+                <a:spcPts val="0"/>
+              </a:spcBef>
+              <a:buNone/>
+            </a:pPr>
+            <a:r>
+              <a:rPr lang="en-US" sz="1400" dirty="0">
+                <a:latin typeface="Courier New" panose="02070309020205020404" pitchFamily="49" charset="0"/>
+                <a:cs typeface="Courier New" panose="02070309020205020404" pitchFamily="49" charset="0"/>
+              </a:rPr>
+              <a:t>				Do not buy share, check out next share in the loop</a:t>
+            </a:r>
+          </a:p>
+          <a:p>
+            <a:pPr marL="0" indent="0">
+              <a:spcBef>
+                <a:spcPts val="0"/>
+              </a:spcBef>
+              <a:buNone/>
+            </a:pPr>
+            <a:r>
+              <a:rPr lang="en-US" sz="1400" dirty="0">
+                <a:latin typeface="Courier New" panose="02070309020205020404" pitchFamily="49" charset="0"/>
+                <a:cs typeface="Courier New" panose="02070309020205020404" pitchFamily="49" charset="0"/>
+              </a:rPr>
+              <a:t>			Else If Wallet = 0:</a:t>
+            </a:r>
+          </a:p>
+          <a:p>
+            <a:pPr marL="0" indent="0">
+              <a:spcBef>
+                <a:spcPts val="0"/>
+              </a:spcBef>
+              <a:buNone/>
+            </a:pPr>
+            <a:r>
+              <a:rPr lang="en-US" sz="1400" dirty="0">
+                <a:latin typeface="Courier New" panose="02070309020205020404" pitchFamily="49" charset="0"/>
+                <a:cs typeface="Courier New" panose="02070309020205020404" pitchFamily="49" charset="0"/>
+              </a:rPr>
+              <a:t>				Stop trying to buy shares</a:t>
+            </a:r>
+          </a:p>
+          <a:p>
+            <a:pPr marL="0" indent="0">
+              <a:spcBef>
+                <a:spcPts val="0"/>
+              </a:spcBef>
+              <a:buNone/>
+            </a:pPr>
+            <a:r>
+              <a:rPr lang="en-US" sz="1400" dirty="0">
+                <a:latin typeface="Courier New" panose="02070309020205020404" pitchFamily="49" charset="0"/>
+                <a:cs typeface="Courier New" panose="02070309020205020404" pitchFamily="49" charset="0"/>
+              </a:rPr>
+              <a:t>			End of If</a:t>
+            </a:r>
+          </a:p>
+          <a:p>
+            <a:pPr marL="0" indent="0">
+              <a:spcBef>
+                <a:spcPts val="0"/>
+              </a:spcBef>
+              <a:buNone/>
+            </a:pPr>
+            <a:r>
+              <a:rPr lang="en-US" sz="1400" dirty="0">
+                <a:latin typeface="Courier New" panose="02070309020205020404" pitchFamily="49" charset="0"/>
+                <a:cs typeface="Courier New" panose="02070309020205020404" pitchFamily="49" charset="0"/>
+              </a:rPr>
+              <a:t>		End of For loop</a:t>
+            </a:r>
+          </a:p>
+          <a:p>
+            <a:pPr marL="0" indent="0">
+              <a:spcBef>
+                <a:spcPts val="0"/>
+              </a:spcBef>
+              <a:buNone/>
+            </a:pPr>
+            <a:r>
+              <a:rPr lang="en-US" sz="1400" dirty="0">
+                <a:latin typeface="Courier New" panose="02070309020205020404" pitchFamily="49" charset="0"/>
+                <a:cs typeface="Courier New" panose="02070309020205020404" pitchFamily="49" charset="0"/>
+              </a:rPr>
+              <a:t>	Display names of shares bought, total price and total profit</a:t>
+            </a:r>
+          </a:p>
+          <a:p>
+            <a:pPr marL="0" indent="0">
+              <a:spcBef>
+                <a:spcPts val="0"/>
+              </a:spcBef>
+              <a:buNone/>
+            </a:pPr>
+            <a:r>
+              <a:rPr lang="en-US" sz="1400" dirty="0">
+                <a:latin typeface="Courier New" panose="02070309020205020404" pitchFamily="49" charset="0"/>
+                <a:cs typeface="Courier New" panose="02070309020205020404" pitchFamily="49" charset="0"/>
+              </a:rPr>
+              <a:t>End</a:t>
+            </a:r>
+          </a:p>
+          <a:p>
+            <a:pPr marL="0" indent="0">
+              <a:spcBef>
+                <a:spcPts val="0"/>
+              </a:spcBef>
+              <a:buNone/>
+            </a:pPr>
+            <a:endParaRPr lang="en-US" sz="1400" dirty="0">
+              <a:latin typeface="Courier New" panose="02070309020205020404" pitchFamily="49" charset="0"/>
+              <a:cs typeface="Courier New" panose="02070309020205020404" pitchFamily="49" charset="0"/>
+            </a:endParaRPr>
+          </a:p>
+        </p:txBody>
+      </p:sp>
+    </p:spTree>
+    <p:extLst>
+      <p:ext uri="{BB962C8B-B14F-4D97-AF65-F5344CB8AC3E}">
+        <p14:creationId xmlns:p14="http://schemas.microsoft.com/office/powerpoint/2010/main" val="757790699"/>
+      </p:ext>
+    </p:extLst>
+  </p:cSld>
+  <p:clrMapOvr>
+    <a:masterClrMapping/>
+  </p:clrMapOvr>
+</p:sld>
+</file>
+
+<file path=ppt/slides/slide7.xml><?xml version="1.0" encoding="utf-8"?>
 <p:sld xmlns:a="http://schemas.openxmlformats.org/drawingml/2006/main" xmlns:r="http://schemas.openxmlformats.org/officeDocument/2006/relationships" xmlns:p="http://schemas.openxmlformats.org/presentationml/2006/main">
   <p:cSld>
     <p:spTree>
@@ -21463,7 +20474,7 @@
           <a:p>
             <a:r>
               <a:rPr lang="en-US" dirty="0"/>
-              <a:t>Optimized Solution – Goal &amp; Limitations</a:t>
+              <a:t>Optimized Solution – Limitations</a:t>
             </a:r>
           </a:p>
         </p:txBody>
@@ -21484,50 +20495,59 @@
             <p:ph idx="1"/>
           </p:nvPr>
         </p:nvSpPr>
-        <p:spPr/>
+        <p:spPr>
+          <a:xfrm>
+            <a:off x="1154954" y="2603500"/>
+            <a:ext cx="10028861" cy="3416300"/>
+          </a:xfrm>
+        </p:spPr>
         <p:txBody>
-          <a:bodyPr/>
+          <a:bodyPr>
+            <a:normAutofit/>
+          </a:bodyPr>
           <a:lstStyle/>
           <a:p>
             <a:r>
-              <a:rPr lang="en-US" dirty="0"/>
-              <a:t>Limitations: edge cases</a:t>
+              <a:rPr lang="en-US" sz="2000" dirty="0"/>
+              <a:t>Only looks at one combination – No comparisons are done</a:t>
+            </a:r>
+          </a:p>
+          <a:p>
+            <a:r>
+              <a:rPr lang="en-US" sz="2000" dirty="0"/>
+              <a:t>Actual profit is a product of share price and profit percentage</a:t>
             </a:r>
           </a:p>
           <a:p>
             <a:pPr lvl="1"/>
             <a:r>
-              <a:rPr lang="en-US" dirty="0"/>
-              <a:t>Buying a share with a better percentage profit but with a rather minor actual profit (because of a low price) might prevent from buying another share with a lower profit percentage but a better actual profit, because the price is higher.</a:t>
+              <a:rPr lang="en-US" sz="1800" dirty="0"/>
+              <a:t>Optimized.py only sort by profit percentage</a:t>
             </a:r>
           </a:p>
           <a:p>
-            <a:pPr lvl="2"/>
             <a:r>
-              <a:rPr lang="en-US" dirty="0"/>
-              <a:t>Money left: 28€</a:t>
-            </a:r>
-          </a:p>
-          <a:p>
-            <a:pPr lvl="2"/>
-            <a:r>
-              <a:rPr lang="en-US" dirty="0"/>
-              <a:t>Share with best percentage profit: cost 4€, profit 12%, yield 0.48€</a:t>
-            </a:r>
-          </a:p>
-          <a:p>
-            <a:pPr lvl="2"/>
-            <a:r>
-              <a:rPr lang="en-US" dirty="0"/>
-              <a:t>Next best share: cost 26€, profit 11%, yield 2.26€</a:t>
+              <a:rPr lang="en-US" sz="2000" dirty="0"/>
+              <a:t>Edge cases</a:t>
             </a:r>
           </a:p>
           <a:p>
             <a:pPr lvl="1"/>
             <a:r>
-              <a:rPr lang="en-US" dirty="0"/>
-              <a:t>Only one combination is created, with no comparison between possibilities</a:t>
+              <a:rPr lang="en-US" sz="1800" dirty="0"/>
+              <a:t>A better profit percentage for a lower price yields a lower actual profit </a:t>
             </a:r>
+          </a:p>
+          <a:p>
+            <a:pPr lvl="1"/>
+            <a:r>
+              <a:rPr lang="en-US" sz="1800" dirty="0"/>
+              <a:t>It may prevent buying shares with lower profit percentage and higher price, yielding higher actual profit.</a:t>
+            </a:r>
+          </a:p>
+          <a:p>
+            <a:pPr lvl="1"/>
+            <a:endParaRPr lang="en-US" sz="1800" dirty="0"/>
           </a:p>
         </p:txBody>
       </p:sp>
@@ -21535,6 +20555,1664 @@
     <p:extLst>
       <p:ext uri="{BB962C8B-B14F-4D97-AF65-F5344CB8AC3E}">
         <p14:creationId xmlns:p14="http://schemas.microsoft.com/office/powerpoint/2010/main" val="3079650654"/>
+      </p:ext>
+    </p:extLst>
+  </p:cSld>
+  <p:clrMapOvr>
+    <a:masterClrMapping/>
+  </p:clrMapOvr>
+</p:sld>
+</file>
+
+<file path=ppt/slides/slide8.xml><?xml version="1.0" encoding="utf-8"?>
+<p:sld xmlns:a="http://schemas.openxmlformats.org/drawingml/2006/main" xmlns:r="http://schemas.openxmlformats.org/officeDocument/2006/relationships" xmlns:p="http://schemas.openxmlformats.org/presentationml/2006/main">
+  <p:cSld>
+    <p:spTree>
+      <p:nvGrpSpPr>
+        <p:cNvPr id="1" name=""/>
+        <p:cNvGrpSpPr/>
+        <p:nvPr/>
+      </p:nvGrpSpPr>
+      <p:grpSpPr>
+        <a:xfrm>
+          <a:off x="0" y="0"/>
+          <a:ext cx="0" cy="0"/>
+          <a:chOff x="0" y="0"/>
+          <a:chExt cx="0" cy="0"/>
+        </a:xfrm>
+      </p:grpSpPr>
+      <p:sp>
+        <p:nvSpPr>
+          <p:cNvPr id="2" name="Title 1">
+            <a:extLst>
+              <a:ext uri="{FF2B5EF4-FFF2-40B4-BE49-F238E27FC236}">
+                <a16:creationId xmlns:a16="http://schemas.microsoft.com/office/drawing/2014/main" id="{2F322DF0-75AB-1541-6F90-96F782783ECF}"/>
+              </a:ext>
+            </a:extLst>
+          </p:cNvPr>
+          <p:cNvSpPr>
+            <a:spLocks noGrp="1"/>
+          </p:cNvSpPr>
+          <p:nvPr>
+            <p:ph type="title"/>
+          </p:nvPr>
+        </p:nvSpPr>
+        <p:spPr/>
+        <p:txBody>
+          <a:bodyPr/>
+          <a:lstStyle/>
+          <a:p>
+            <a:r>
+              <a:rPr lang="en-US" dirty="0"/>
+              <a:t>Edge Case 1</a:t>
+            </a:r>
+          </a:p>
+        </p:txBody>
+      </p:sp>
+      <p:graphicFrame>
+        <p:nvGraphicFramePr>
+          <p:cNvPr id="4" name="Content Placeholder 3">
+            <a:extLst>
+              <a:ext uri="{FF2B5EF4-FFF2-40B4-BE49-F238E27FC236}">
+                <a16:creationId xmlns:a16="http://schemas.microsoft.com/office/drawing/2014/main" id="{23F519BD-3DC0-B7E8-4699-BEA642D03CD2}"/>
+              </a:ext>
+            </a:extLst>
+          </p:cNvPr>
+          <p:cNvGraphicFramePr>
+            <a:graphicFrameLocks noGrp="1"/>
+          </p:cNvGraphicFramePr>
+          <p:nvPr>
+            <p:ph idx="1"/>
+            <p:extLst>
+              <p:ext uri="{D42A27DB-BD31-4B8C-83A1-F6EECF244321}">
+                <p14:modId xmlns:p14="http://schemas.microsoft.com/office/powerpoint/2010/main" val="2318074525"/>
+              </p:ext>
+            </p:extLst>
+          </p:nvPr>
+        </p:nvGraphicFramePr>
+        <p:xfrm>
+          <a:off x="1187450" y="3145790"/>
+          <a:ext cx="8761412" cy="2331720"/>
+        </p:xfrm>
+        <a:graphic>
+          <a:graphicData uri="http://schemas.openxmlformats.org/drawingml/2006/table">
+            <a:tbl>
+              <a:tblPr firstRow="1">
+                <a:tableStyleId>{5C22544A-7EE6-4342-B048-85BDC9FD1C3A}</a:tableStyleId>
+              </a:tblPr>
+              <a:tblGrid>
+                <a:gridCol w="2190353">
+                  <a:extLst>
+                    <a:ext uri="{9D8B030D-6E8A-4147-A177-3AD203B41FA5}">
+                      <a16:colId xmlns:a16="http://schemas.microsoft.com/office/drawing/2014/main" val="3733283847"/>
+                    </a:ext>
+                  </a:extLst>
+                </a:gridCol>
+                <a:gridCol w="2190353">
+                  <a:extLst>
+                    <a:ext uri="{9D8B030D-6E8A-4147-A177-3AD203B41FA5}">
+                      <a16:colId xmlns:a16="http://schemas.microsoft.com/office/drawing/2014/main" val="3680501607"/>
+                    </a:ext>
+                  </a:extLst>
+                </a:gridCol>
+                <a:gridCol w="2190353">
+                  <a:extLst>
+                    <a:ext uri="{9D8B030D-6E8A-4147-A177-3AD203B41FA5}">
+                      <a16:colId xmlns:a16="http://schemas.microsoft.com/office/drawing/2014/main" val="2354270485"/>
+                    </a:ext>
+                  </a:extLst>
+                </a:gridCol>
+                <a:gridCol w="2190353">
+                  <a:extLst>
+                    <a:ext uri="{9D8B030D-6E8A-4147-A177-3AD203B41FA5}">
+                      <a16:colId xmlns:a16="http://schemas.microsoft.com/office/drawing/2014/main" val="60459808"/>
+                    </a:ext>
+                  </a:extLst>
+                </a:gridCol>
+              </a:tblGrid>
+              <a:tr h="0">
+                <a:tc>
+                  <a:txBody>
+                    <a:bodyPr/>
+                    <a:lstStyle/>
+                    <a:p>
+                      <a:r>
+                        <a:rPr lang="en-US" b="1" dirty="0">
+                          <a:effectLst/>
+                        </a:rPr>
+                        <a:t>Name</a:t>
+                      </a:r>
+                    </a:p>
+                  </a:txBody>
+                  <a:tcPr marL="123825" marR="123825" marT="57150" marB="57150" anchor="ctr"/>
+                </a:tc>
+                <a:tc>
+                  <a:txBody>
+                    <a:bodyPr/>
+                    <a:lstStyle/>
+                    <a:p>
+                      <a:r>
+                        <a:rPr lang="en-US" b="1" dirty="0">
+                          <a:effectLst/>
+                        </a:rPr>
+                        <a:t>Price</a:t>
+                      </a:r>
+                    </a:p>
+                  </a:txBody>
+                  <a:tcPr marL="123825" marR="123825" marT="57150" marB="57150" anchor="ctr"/>
+                </a:tc>
+                <a:tc>
+                  <a:txBody>
+                    <a:bodyPr/>
+                    <a:lstStyle/>
+                    <a:p>
+                      <a:r>
+                        <a:rPr lang="en-US" b="1" dirty="0">
+                          <a:effectLst/>
+                        </a:rPr>
+                        <a:t>Profit %</a:t>
+                      </a:r>
+                    </a:p>
+                  </a:txBody>
+                  <a:tcPr marL="123825" marR="123825" marT="57150" marB="57150" anchor="ctr"/>
+                </a:tc>
+                <a:tc>
+                  <a:txBody>
+                    <a:bodyPr/>
+                    <a:lstStyle/>
+                    <a:p>
+                      <a:r>
+                        <a:rPr lang="en-US" b="1" dirty="0">
+                          <a:effectLst/>
+                        </a:rPr>
+                        <a:t>Actual profit</a:t>
+                      </a:r>
+                    </a:p>
+                  </a:txBody>
+                  <a:tcPr marL="123825" marR="123825" marT="57150" marB="57150" anchor="ctr"/>
+                </a:tc>
+                <a:extLst>
+                  <a:ext uri="{0D108BD9-81ED-4DB2-BD59-A6C34878D82A}">
+                    <a16:rowId xmlns:a16="http://schemas.microsoft.com/office/drawing/2014/main" val="2334831748"/>
+                  </a:ext>
+                </a:extLst>
+              </a:tr>
+              <a:tr h="0">
+                <a:tc>
+                  <a:txBody>
+                    <a:bodyPr/>
+                    <a:lstStyle/>
+                    <a:p>
+                      <a:r>
+                        <a:rPr lang="en-US" dirty="0">
+                          <a:effectLst/>
+                        </a:rPr>
+                        <a:t>Share A</a:t>
+                      </a:r>
+                    </a:p>
+                  </a:txBody>
+                  <a:tcPr marL="123825" marR="123825" marT="57150" marB="57150" anchor="ctr"/>
+                </a:tc>
+                <a:tc>
+                  <a:txBody>
+                    <a:bodyPr/>
+                    <a:lstStyle/>
+                    <a:p>
+                      <a:r>
+                        <a:rPr lang="en-US" dirty="0">
+                          <a:effectLst/>
+                        </a:rPr>
+                        <a:t>400</a:t>
+                      </a:r>
+                    </a:p>
+                  </a:txBody>
+                  <a:tcPr marL="123825" marR="123825" marT="57150" marB="57150" anchor="ctr"/>
+                </a:tc>
+                <a:tc>
+                  <a:txBody>
+                    <a:bodyPr/>
+                    <a:lstStyle/>
+                    <a:p>
+                      <a:r>
+                        <a:rPr lang="en-US" dirty="0">
+                          <a:effectLst/>
+                        </a:rPr>
+                        <a:t>0.2</a:t>
+                      </a:r>
+                    </a:p>
+                  </a:txBody>
+                  <a:tcPr marL="123825" marR="123825" marT="57150" marB="57150" anchor="ctr"/>
+                </a:tc>
+                <a:tc>
+                  <a:txBody>
+                    <a:bodyPr/>
+                    <a:lstStyle/>
+                    <a:p>
+                      <a:r>
+                        <a:rPr lang="en-US" dirty="0">
+                          <a:effectLst/>
+                        </a:rPr>
+                        <a:t>80</a:t>
+                      </a:r>
+                    </a:p>
+                  </a:txBody>
+                  <a:tcPr marL="123825" marR="123825" marT="57150" marB="57150" anchor="ctr"/>
+                </a:tc>
+                <a:extLst>
+                  <a:ext uri="{0D108BD9-81ED-4DB2-BD59-A6C34878D82A}">
+                    <a16:rowId xmlns:a16="http://schemas.microsoft.com/office/drawing/2014/main" val="1792464704"/>
+                  </a:ext>
+                </a:extLst>
+              </a:tr>
+              <a:tr h="0">
+                <a:tc>
+                  <a:txBody>
+                    <a:bodyPr/>
+                    <a:lstStyle/>
+                    <a:p>
+                      <a:r>
+                        <a:rPr lang="en-US" dirty="0">
+                          <a:effectLst/>
+                        </a:rPr>
+                        <a:t>Share B</a:t>
+                      </a:r>
+                    </a:p>
+                  </a:txBody>
+                  <a:tcPr marL="123825" marR="123825" marT="57150" marB="57150" anchor="ctr">
+                    <a:solidFill>
+                      <a:schemeClr val="accent5">
+                        <a:lumMod val="40000"/>
+                        <a:lumOff val="60000"/>
+                      </a:schemeClr>
+                    </a:solidFill>
+                  </a:tcPr>
+                </a:tc>
+                <a:tc>
+                  <a:txBody>
+                    <a:bodyPr/>
+                    <a:lstStyle/>
+                    <a:p>
+                      <a:r>
+                        <a:rPr lang="en-US" dirty="0">
+                          <a:effectLst/>
+                        </a:rPr>
+                        <a:t>140</a:t>
+                      </a:r>
+                    </a:p>
+                  </a:txBody>
+                  <a:tcPr marL="123825" marR="123825" marT="57150" marB="57150" anchor="ctr">
+                    <a:solidFill>
+                      <a:schemeClr val="accent5">
+                        <a:lumMod val="40000"/>
+                        <a:lumOff val="60000"/>
+                      </a:schemeClr>
+                    </a:solidFill>
+                  </a:tcPr>
+                </a:tc>
+                <a:tc>
+                  <a:txBody>
+                    <a:bodyPr/>
+                    <a:lstStyle/>
+                    <a:p>
+                      <a:r>
+                        <a:rPr lang="en-US" dirty="0">
+                          <a:effectLst/>
+                        </a:rPr>
+                        <a:t>0.19</a:t>
+                      </a:r>
+                    </a:p>
+                  </a:txBody>
+                  <a:tcPr marL="123825" marR="123825" marT="57150" marB="57150" anchor="ctr">
+                    <a:solidFill>
+                      <a:schemeClr val="accent5">
+                        <a:lumMod val="40000"/>
+                        <a:lumOff val="60000"/>
+                      </a:schemeClr>
+                    </a:solidFill>
+                  </a:tcPr>
+                </a:tc>
+                <a:tc>
+                  <a:txBody>
+                    <a:bodyPr/>
+                    <a:lstStyle/>
+                    <a:p>
+                      <a:r>
+                        <a:rPr lang="en-US">
+                          <a:effectLst/>
+                        </a:rPr>
+                        <a:t>26.6</a:t>
+                      </a:r>
+                    </a:p>
+                  </a:txBody>
+                  <a:tcPr marL="123825" marR="123825" marT="57150" marB="57150" anchor="ctr">
+                    <a:solidFill>
+                      <a:schemeClr val="accent5">
+                        <a:lumMod val="40000"/>
+                        <a:lumOff val="60000"/>
+                      </a:schemeClr>
+                    </a:solidFill>
+                  </a:tcPr>
+                </a:tc>
+                <a:extLst>
+                  <a:ext uri="{0D108BD9-81ED-4DB2-BD59-A6C34878D82A}">
+                    <a16:rowId xmlns:a16="http://schemas.microsoft.com/office/drawing/2014/main" val="2825930168"/>
+                  </a:ext>
+                </a:extLst>
+              </a:tr>
+              <a:tr h="0">
+                <a:tc>
+                  <a:txBody>
+                    <a:bodyPr/>
+                    <a:lstStyle/>
+                    <a:p>
+                      <a:r>
+                        <a:rPr lang="en-US">
+                          <a:effectLst/>
+                        </a:rPr>
+                        <a:t>Share C</a:t>
+                      </a:r>
+                    </a:p>
+                  </a:txBody>
+                  <a:tcPr marL="123825" marR="123825" marT="57150" marB="57150" anchor="ctr">
+                    <a:solidFill>
+                      <a:schemeClr val="accent5">
+                        <a:lumMod val="40000"/>
+                        <a:lumOff val="60000"/>
+                      </a:schemeClr>
+                    </a:solidFill>
+                  </a:tcPr>
+                </a:tc>
+                <a:tc>
+                  <a:txBody>
+                    <a:bodyPr/>
+                    <a:lstStyle/>
+                    <a:p>
+                      <a:r>
+                        <a:rPr lang="en-US">
+                          <a:effectLst/>
+                        </a:rPr>
+                        <a:t>110</a:t>
+                      </a:r>
+                    </a:p>
+                  </a:txBody>
+                  <a:tcPr marL="123825" marR="123825" marT="57150" marB="57150" anchor="ctr">
+                    <a:solidFill>
+                      <a:schemeClr val="accent5">
+                        <a:lumMod val="40000"/>
+                        <a:lumOff val="60000"/>
+                      </a:schemeClr>
+                    </a:solidFill>
+                  </a:tcPr>
+                </a:tc>
+                <a:tc>
+                  <a:txBody>
+                    <a:bodyPr/>
+                    <a:lstStyle/>
+                    <a:p>
+                      <a:r>
+                        <a:rPr lang="en-US" dirty="0">
+                          <a:effectLst/>
+                        </a:rPr>
+                        <a:t>0.18</a:t>
+                      </a:r>
+                    </a:p>
+                  </a:txBody>
+                  <a:tcPr marL="123825" marR="123825" marT="57150" marB="57150" anchor="ctr">
+                    <a:solidFill>
+                      <a:schemeClr val="accent5">
+                        <a:lumMod val="40000"/>
+                        <a:lumOff val="60000"/>
+                      </a:schemeClr>
+                    </a:solidFill>
+                  </a:tcPr>
+                </a:tc>
+                <a:tc>
+                  <a:txBody>
+                    <a:bodyPr/>
+                    <a:lstStyle/>
+                    <a:p>
+                      <a:r>
+                        <a:rPr lang="en-US" dirty="0">
+                          <a:effectLst/>
+                        </a:rPr>
+                        <a:t>19.8</a:t>
+                      </a:r>
+                    </a:p>
+                  </a:txBody>
+                  <a:tcPr marL="123825" marR="123825" marT="57150" marB="57150" anchor="ctr">
+                    <a:solidFill>
+                      <a:schemeClr val="accent5">
+                        <a:lumMod val="40000"/>
+                        <a:lumOff val="60000"/>
+                      </a:schemeClr>
+                    </a:solidFill>
+                  </a:tcPr>
+                </a:tc>
+                <a:extLst>
+                  <a:ext uri="{0D108BD9-81ED-4DB2-BD59-A6C34878D82A}">
+                    <a16:rowId xmlns:a16="http://schemas.microsoft.com/office/drawing/2014/main" val="591620656"/>
+                  </a:ext>
+                </a:extLst>
+              </a:tr>
+              <a:tr h="0">
+                <a:tc>
+                  <a:txBody>
+                    <a:bodyPr/>
+                    <a:lstStyle/>
+                    <a:p>
+                      <a:r>
+                        <a:rPr lang="en-US">
+                          <a:effectLst/>
+                        </a:rPr>
+                        <a:t>Share D</a:t>
+                      </a:r>
+                    </a:p>
+                  </a:txBody>
+                  <a:tcPr marL="123825" marR="123825" marT="57150" marB="57150" anchor="ctr">
+                    <a:solidFill>
+                      <a:schemeClr val="accent5">
+                        <a:lumMod val="40000"/>
+                        <a:lumOff val="60000"/>
+                      </a:schemeClr>
+                    </a:solidFill>
+                  </a:tcPr>
+                </a:tc>
+                <a:tc>
+                  <a:txBody>
+                    <a:bodyPr/>
+                    <a:lstStyle/>
+                    <a:p>
+                      <a:r>
+                        <a:rPr lang="en-US">
+                          <a:effectLst/>
+                        </a:rPr>
+                        <a:t>120</a:t>
+                      </a:r>
+                    </a:p>
+                  </a:txBody>
+                  <a:tcPr marL="123825" marR="123825" marT="57150" marB="57150" anchor="ctr">
+                    <a:solidFill>
+                      <a:schemeClr val="accent5">
+                        <a:lumMod val="40000"/>
+                        <a:lumOff val="60000"/>
+                      </a:schemeClr>
+                    </a:solidFill>
+                  </a:tcPr>
+                </a:tc>
+                <a:tc>
+                  <a:txBody>
+                    <a:bodyPr/>
+                    <a:lstStyle/>
+                    <a:p>
+                      <a:r>
+                        <a:rPr lang="en-US" dirty="0">
+                          <a:effectLst/>
+                        </a:rPr>
+                        <a:t>0.17</a:t>
+                      </a:r>
+                    </a:p>
+                  </a:txBody>
+                  <a:tcPr marL="123825" marR="123825" marT="57150" marB="57150" anchor="ctr">
+                    <a:solidFill>
+                      <a:schemeClr val="accent5">
+                        <a:lumMod val="40000"/>
+                        <a:lumOff val="60000"/>
+                      </a:schemeClr>
+                    </a:solidFill>
+                  </a:tcPr>
+                </a:tc>
+                <a:tc>
+                  <a:txBody>
+                    <a:bodyPr/>
+                    <a:lstStyle/>
+                    <a:p>
+                      <a:r>
+                        <a:rPr lang="en-US" dirty="0">
+                          <a:effectLst/>
+                        </a:rPr>
+                        <a:t>20.4</a:t>
+                      </a:r>
+                    </a:p>
+                  </a:txBody>
+                  <a:tcPr marL="123825" marR="123825" marT="57150" marB="57150" anchor="ctr">
+                    <a:solidFill>
+                      <a:schemeClr val="accent5">
+                        <a:lumMod val="40000"/>
+                        <a:lumOff val="60000"/>
+                      </a:schemeClr>
+                    </a:solidFill>
+                  </a:tcPr>
+                </a:tc>
+                <a:extLst>
+                  <a:ext uri="{0D108BD9-81ED-4DB2-BD59-A6C34878D82A}">
+                    <a16:rowId xmlns:a16="http://schemas.microsoft.com/office/drawing/2014/main" val="2296120929"/>
+                  </a:ext>
+                </a:extLst>
+              </a:tr>
+              <a:tr h="0">
+                <a:tc>
+                  <a:txBody>
+                    <a:bodyPr/>
+                    <a:lstStyle/>
+                    <a:p>
+                      <a:r>
+                        <a:rPr lang="en-US">
+                          <a:effectLst/>
+                        </a:rPr>
+                        <a:t>Share E</a:t>
+                      </a:r>
+                    </a:p>
+                  </a:txBody>
+                  <a:tcPr marL="123825" marR="123825" marT="57150" marB="57150" anchor="ctr">
+                    <a:solidFill>
+                      <a:schemeClr val="accent5">
+                        <a:lumMod val="40000"/>
+                        <a:lumOff val="60000"/>
+                      </a:schemeClr>
+                    </a:solidFill>
+                  </a:tcPr>
+                </a:tc>
+                <a:tc>
+                  <a:txBody>
+                    <a:bodyPr/>
+                    <a:lstStyle/>
+                    <a:p>
+                      <a:r>
+                        <a:rPr lang="en-US">
+                          <a:effectLst/>
+                        </a:rPr>
+                        <a:t>130</a:t>
+                      </a:r>
+                    </a:p>
+                  </a:txBody>
+                  <a:tcPr marL="123825" marR="123825" marT="57150" marB="57150" anchor="ctr">
+                    <a:solidFill>
+                      <a:schemeClr val="accent5">
+                        <a:lumMod val="40000"/>
+                        <a:lumOff val="60000"/>
+                      </a:schemeClr>
+                    </a:solidFill>
+                  </a:tcPr>
+                </a:tc>
+                <a:tc>
+                  <a:txBody>
+                    <a:bodyPr/>
+                    <a:lstStyle/>
+                    <a:p>
+                      <a:r>
+                        <a:rPr lang="en-US">
+                          <a:effectLst/>
+                        </a:rPr>
+                        <a:t>0.15</a:t>
+                      </a:r>
+                    </a:p>
+                  </a:txBody>
+                  <a:tcPr marL="123825" marR="123825" marT="57150" marB="57150" anchor="ctr">
+                    <a:solidFill>
+                      <a:schemeClr val="accent5">
+                        <a:lumMod val="40000"/>
+                        <a:lumOff val="60000"/>
+                      </a:schemeClr>
+                    </a:solidFill>
+                  </a:tcPr>
+                </a:tc>
+                <a:tc>
+                  <a:txBody>
+                    <a:bodyPr/>
+                    <a:lstStyle/>
+                    <a:p>
+                      <a:r>
+                        <a:rPr lang="en-US" dirty="0">
+                          <a:effectLst/>
+                        </a:rPr>
+                        <a:t>19.5</a:t>
+                      </a:r>
+                    </a:p>
+                  </a:txBody>
+                  <a:tcPr marL="123825" marR="123825" marT="57150" marB="57150" anchor="ctr">
+                    <a:solidFill>
+                      <a:schemeClr val="accent5">
+                        <a:lumMod val="40000"/>
+                        <a:lumOff val="60000"/>
+                      </a:schemeClr>
+                    </a:solidFill>
+                  </a:tcPr>
+                </a:tc>
+                <a:extLst>
+                  <a:ext uri="{0D108BD9-81ED-4DB2-BD59-A6C34878D82A}">
+                    <a16:rowId xmlns:a16="http://schemas.microsoft.com/office/drawing/2014/main" val="527156890"/>
+                  </a:ext>
+                </a:extLst>
+              </a:tr>
+            </a:tbl>
+          </a:graphicData>
+        </a:graphic>
+      </p:graphicFrame>
+      <p:sp>
+        <p:nvSpPr>
+          <p:cNvPr id="7" name="Right Brace 6">
+            <a:extLst>
+              <a:ext uri="{FF2B5EF4-FFF2-40B4-BE49-F238E27FC236}">
+                <a16:creationId xmlns:a16="http://schemas.microsoft.com/office/drawing/2014/main" id="{325391C4-93FE-BD3E-F5D2-41FD4A0C3FDC}"/>
+              </a:ext>
+            </a:extLst>
+          </p:cNvPr>
+          <p:cNvSpPr/>
+          <p:nvPr/>
+        </p:nvSpPr>
+        <p:spPr>
+          <a:xfrm>
+            <a:off x="10005391" y="3935896"/>
+            <a:ext cx="410818" cy="1541614"/>
+          </a:xfrm>
+          <a:prstGeom prst="rightBrace">
+            <a:avLst>
+              <a:gd name="adj1" fmla="val 56333"/>
+              <a:gd name="adj2" fmla="val 50000"/>
+            </a:avLst>
+          </a:prstGeom>
+          <a:noFill/>
+          <a:ln w="28575">
+            <a:solidFill>
+              <a:schemeClr val="accent5">
+                <a:lumMod val="40000"/>
+                <a:lumOff val="60000"/>
+              </a:schemeClr>
+            </a:solidFill>
+          </a:ln>
+        </p:spPr>
+        <p:style>
+          <a:lnRef idx="1">
+            <a:schemeClr val="accent1"/>
+          </a:lnRef>
+          <a:fillRef idx="0">
+            <a:schemeClr val="accent1"/>
+          </a:fillRef>
+          <a:effectRef idx="0">
+            <a:schemeClr val="accent1"/>
+          </a:effectRef>
+          <a:fontRef idx="minor">
+            <a:schemeClr val="tx1"/>
+          </a:fontRef>
+        </p:style>
+        <p:txBody>
+          <a:bodyPr rtlCol="0" anchor="ctr"/>
+          <a:lstStyle/>
+          <a:p>
+            <a:pPr algn="ctr"/>
+            <a:endParaRPr lang="en-US">
+              <a:solidFill>
+                <a:schemeClr val="accent5">
+                  <a:lumMod val="40000"/>
+                  <a:lumOff val="60000"/>
+                </a:schemeClr>
+              </a:solidFill>
+            </a:endParaRPr>
+          </a:p>
+        </p:txBody>
+      </p:sp>
+      <p:sp>
+        <p:nvSpPr>
+          <p:cNvPr id="8" name="TextBox 7">
+            <a:extLst>
+              <a:ext uri="{FF2B5EF4-FFF2-40B4-BE49-F238E27FC236}">
+                <a16:creationId xmlns:a16="http://schemas.microsoft.com/office/drawing/2014/main" id="{E1C4924C-476C-ED35-95F5-9BFDAA41F82F}"/>
+              </a:ext>
+            </a:extLst>
+          </p:cNvPr>
+          <p:cNvSpPr txBox="1"/>
+          <p:nvPr/>
+        </p:nvSpPr>
+        <p:spPr>
+          <a:xfrm>
+            <a:off x="10183175" y="4311650"/>
+            <a:ext cx="1981200" cy="584775"/>
+          </a:xfrm>
+          <a:prstGeom prst="rect">
+            <a:avLst/>
+          </a:prstGeom>
+          <a:noFill/>
+        </p:spPr>
+        <p:txBody>
+          <a:bodyPr wrap="square" rtlCol="0">
+            <a:spAutoFit/>
+          </a:bodyPr>
+          <a:lstStyle/>
+          <a:p>
+            <a:pPr marL="0" marR="0" lvl="0" indent="0" algn="ctr" defTabSz="914400" rtl="0" eaLnBrk="0" fontAlgn="base" latinLnBrk="0" hangingPunct="0">
+              <a:lnSpc>
+                <a:spcPct val="100000"/>
+              </a:lnSpc>
+              <a:spcBef>
+                <a:spcPct val="0"/>
+              </a:spcBef>
+              <a:spcAft>
+                <a:spcPct val="0"/>
+              </a:spcAft>
+              <a:buClrTx/>
+              <a:buSzTx/>
+              <a:buFontTx/>
+              <a:buNone/>
+              <a:tabLst/>
+            </a:pPr>
+            <a:r>
+              <a:rPr kumimoji="0" lang="en-US" altLang="en-US" sz="1600" b="0" i="0" u="none" strike="noStrike" cap="none" normalizeH="0" baseline="0" dirty="0">
+                <a:effectLst/>
+                <a:latin typeface="Century Gothic" panose="020B0502020202020204" pitchFamily="34" charset="0"/>
+              </a:rPr>
+              <a:t>Total actual profit:</a:t>
+            </a:r>
+          </a:p>
+          <a:p>
+            <a:pPr marL="0" marR="0" lvl="0" indent="0" algn="ctr" defTabSz="914400" rtl="0" eaLnBrk="0" fontAlgn="base" latinLnBrk="0" hangingPunct="0">
+              <a:lnSpc>
+                <a:spcPct val="100000"/>
+              </a:lnSpc>
+              <a:spcBef>
+                <a:spcPct val="0"/>
+              </a:spcBef>
+              <a:spcAft>
+                <a:spcPct val="0"/>
+              </a:spcAft>
+              <a:buClrTx/>
+              <a:buSzTx/>
+              <a:buFontTx/>
+              <a:buNone/>
+              <a:tabLst/>
+            </a:pPr>
+            <a:r>
+              <a:rPr lang="en-US" altLang="en-US" sz="1600" dirty="0">
+                <a:latin typeface="Century Gothic" panose="020B0502020202020204" pitchFamily="34" charset="0"/>
+              </a:rPr>
+              <a:t>86.30€</a:t>
+            </a:r>
+            <a:endParaRPr kumimoji="0" lang="en-US" altLang="en-US" sz="2400" b="0" i="0" u="none" strike="noStrike" cap="none" normalizeH="0" baseline="0" dirty="0">
+              <a:effectLst/>
+              <a:latin typeface="Century Gothic" panose="020B0502020202020204" pitchFamily="34" charset="0"/>
+            </a:endParaRPr>
+          </a:p>
+        </p:txBody>
+      </p:sp>
+      <p:sp>
+        <p:nvSpPr>
+          <p:cNvPr id="11" name="Content Placeholder 2">
+            <a:extLst>
+              <a:ext uri="{FF2B5EF4-FFF2-40B4-BE49-F238E27FC236}">
+                <a16:creationId xmlns:a16="http://schemas.microsoft.com/office/drawing/2014/main" id="{6E4BCCC7-AC3A-BA0E-C892-625716CBFD70}"/>
+              </a:ext>
+            </a:extLst>
+          </p:cNvPr>
+          <p:cNvSpPr txBox="1">
+            <a:spLocks/>
+          </p:cNvSpPr>
+          <p:nvPr/>
+        </p:nvSpPr>
+        <p:spPr>
+          <a:xfrm>
+            <a:off x="1154954" y="2603500"/>
+            <a:ext cx="8825659" cy="3416300"/>
+          </a:xfrm>
+          <a:prstGeom prst="rect">
+            <a:avLst/>
+          </a:prstGeom>
+        </p:spPr>
+        <p:txBody>
+          <a:bodyPr vert="horz" lIns="91440" tIns="45720" rIns="91440" bIns="45720" rtlCol="0">
+            <a:normAutofit/>
+          </a:bodyPr>
+          <a:lstStyle>
+            <a:lvl1pPr marL="342900" indent="-342900" algn="l" defTabSz="457200" rtl="0" eaLnBrk="1" latinLnBrk="0" hangingPunct="1">
+              <a:spcBef>
+                <a:spcPts val="1000"/>
+              </a:spcBef>
+              <a:spcAft>
+                <a:spcPts val="0"/>
+              </a:spcAft>
+              <a:buClr>
+                <a:schemeClr val="accent1"/>
+              </a:buClr>
+              <a:buSzPct val="80000"/>
+              <a:buFont typeface="Wingdings 3" charset="2"/>
+              <a:buChar char=""/>
+              <a:defRPr sz="1800" b="0" i="0" kern="1200">
+                <a:solidFill>
+                  <a:schemeClr val="tx1">
+                    <a:lumMod val="75000"/>
+                    <a:lumOff val="25000"/>
+                  </a:schemeClr>
+                </a:solidFill>
+                <a:latin typeface="+mn-lt"/>
+                <a:ea typeface="+mn-ea"/>
+                <a:cs typeface="+mn-cs"/>
+              </a:defRPr>
+            </a:lvl1pPr>
+            <a:lvl2pPr marL="742950" indent="-285750" algn="l" defTabSz="457200" rtl="0" eaLnBrk="1" latinLnBrk="0" hangingPunct="1">
+              <a:spcBef>
+                <a:spcPts val="1000"/>
+              </a:spcBef>
+              <a:spcAft>
+                <a:spcPts val="0"/>
+              </a:spcAft>
+              <a:buClr>
+                <a:schemeClr val="accent1"/>
+              </a:buClr>
+              <a:buSzPct val="80000"/>
+              <a:buFont typeface="Wingdings 3" charset="2"/>
+              <a:buChar char=""/>
+              <a:defRPr sz="1600" b="0" i="0" kern="1200">
+                <a:solidFill>
+                  <a:schemeClr val="tx1">
+                    <a:lumMod val="75000"/>
+                    <a:lumOff val="25000"/>
+                  </a:schemeClr>
+                </a:solidFill>
+                <a:latin typeface="+mn-lt"/>
+                <a:ea typeface="+mn-ea"/>
+                <a:cs typeface="+mn-cs"/>
+              </a:defRPr>
+            </a:lvl2pPr>
+            <a:lvl3pPr marL="1143000" indent="-228600" algn="l" defTabSz="457200" rtl="0" eaLnBrk="1" latinLnBrk="0" hangingPunct="1">
+              <a:spcBef>
+                <a:spcPts val="1000"/>
+              </a:spcBef>
+              <a:spcAft>
+                <a:spcPts val="0"/>
+              </a:spcAft>
+              <a:buClr>
+                <a:schemeClr val="accent1"/>
+              </a:buClr>
+              <a:buSzPct val="80000"/>
+              <a:buFont typeface="Wingdings 3" charset="2"/>
+              <a:buChar char=""/>
+              <a:defRPr sz="1400" b="0" i="0" kern="1200">
+                <a:solidFill>
+                  <a:schemeClr val="tx1">
+                    <a:lumMod val="75000"/>
+                    <a:lumOff val="25000"/>
+                  </a:schemeClr>
+                </a:solidFill>
+                <a:latin typeface="+mn-lt"/>
+                <a:ea typeface="+mn-ea"/>
+                <a:cs typeface="+mn-cs"/>
+              </a:defRPr>
+            </a:lvl3pPr>
+            <a:lvl4pPr marL="1600200" indent="-228600" algn="l" defTabSz="457200" rtl="0" eaLnBrk="1" latinLnBrk="0" hangingPunct="1">
+              <a:spcBef>
+                <a:spcPts val="1000"/>
+              </a:spcBef>
+              <a:spcAft>
+                <a:spcPts val="0"/>
+              </a:spcAft>
+              <a:buClr>
+                <a:schemeClr val="accent1"/>
+              </a:buClr>
+              <a:buSzPct val="80000"/>
+              <a:buFont typeface="Wingdings 3" charset="2"/>
+              <a:buChar char=""/>
+              <a:defRPr sz="1200" b="0" i="0" kern="1200">
+                <a:solidFill>
+                  <a:schemeClr val="tx1">
+                    <a:lumMod val="75000"/>
+                    <a:lumOff val="25000"/>
+                  </a:schemeClr>
+                </a:solidFill>
+                <a:latin typeface="+mn-lt"/>
+                <a:ea typeface="+mn-ea"/>
+                <a:cs typeface="+mn-cs"/>
+              </a:defRPr>
+            </a:lvl4pPr>
+            <a:lvl5pPr marL="2057400" indent="-228600" algn="l" defTabSz="457200" rtl="0" eaLnBrk="1" latinLnBrk="0" hangingPunct="1">
+              <a:spcBef>
+                <a:spcPts val="1000"/>
+              </a:spcBef>
+              <a:spcAft>
+                <a:spcPts val="0"/>
+              </a:spcAft>
+              <a:buClr>
+                <a:schemeClr val="accent1"/>
+              </a:buClr>
+              <a:buSzPct val="80000"/>
+              <a:buFont typeface="Wingdings 3" charset="2"/>
+              <a:buChar char=""/>
+              <a:defRPr sz="1200" b="0" i="0" kern="1200">
+                <a:solidFill>
+                  <a:schemeClr val="tx1">
+                    <a:lumMod val="75000"/>
+                    <a:lumOff val="25000"/>
+                  </a:schemeClr>
+                </a:solidFill>
+                <a:latin typeface="+mn-lt"/>
+                <a:ea typeface="+mn-ea"/>
+                <a:cs typeface="+mn-cs"/>
+              </a:defRPr>
+            </a:lvl5pPr>
+            <a:lvl6pPr marL="2514600" indent="-228600" algn="l" defTabSz="457200" rtl="0" eaLnBrk="1" latinLnBrk="0" hangingPunct="1">
+              <a:spcBef>
+                <a:spcPts val="1000"/>
+              </a:spcBef>
+              <a:spcAft>
+                <a:spcPts val="0"/>
+              </a:spcAft>
+              <a:buClr>
+                <a:schemeClr val="accent1"/>
+              </a:buClr>
+              <a:buSzPct val="80000"/>
+              <a:buFont typeface="Wingdings 3" charset="2"/>
+              <a:buChar char=""/>
+              <a:defRPr sz="1200" b="0" i="0" kern="1200">
+                <a:solidFill>
+                  <a:schemeClr val="tx1">
+                    <a:lumMod val="75000"/>
+                    <a:lumOff val="25000"/>
+                  </a:schemeClr>
+                </a:solidFill>
+                <a:latin typeface="+mn-lt"/>
+                <a:ea typeface="+mn-ea"/>
+                <a:cs typeface="+mn-cs"/>
+              </a:defRPr>
+            </a:lvl6pPr>
+            <a:lvl7pPr marL="2971800" indent="-228600" algn="l" defTabSz="457200" rtl="0" eaLnBrk="1" latinLnBrk="0" hangingPunct="1">
+              <a:spcBef>
+                <a:spcPts val="1000"/>
+              </a:spcBef>
+              <a:spcAft>
+                <a:spcPts val="0"/>
+              </a:spcAft>
+              <a:buClr>
+                <a:schemeClr val="accent1"/>
+              </a:buClr>
+              <a:buSzPct val="80000"/>
+              <a:buFont typeface="Wingdings 3" charset="2"/>
+              <a:buChar char=""/>
+              <a:defRPr sz="1200" b="0" i="0" kern="1200">
+                <a:solidFill>
+                  <a:schemeClr val="tx1">
+                    <a:lumMod val="75000"/>
+                    <a:lumOff val="25000"/>
+                  </a:schemeClr>
+                </a:solidFill>
+                <a:latin typeface="+mn-lt"/>
+                <a:ea typeface="+mn-ea"/>
+                <a:cs typeface="+mn-cs"/>
+              </a:defRPr>
+            </a:lvl7pPr>
+            <a:lvl8pPr marL="3429000" indent="-228600" algn="l" defTabSz="457200" rtl="0" eaLnBrk="1" latinLnBrk="0" hangingPunct="1">
+              <a:spcBef>
+                <a:spcPts val="1000"/>
+              </a:spcBef>
+              <a:spcAft>
+                <a:spcPts val="0"/>
+              </a:spcAft>
+              <a:buClr>
+                <a:schemeClr val="accent1"/>
+              </a:buClr>
+              <a:buSzPct val="80000"/>
+              <a:buFont typeface="Wingdings 3" charset="2"/>
+              <a:buChar char=""/>
+              <a:defRPr sz="1200" b="0" i="0" kern="1200">
+                <a:solidFill>
+                  <a:schemeClr val="tx1">
+                    <a:lumMod val="75000"/>
+                    <a:lumOff val="25000"/>
+                  </a:schemeClr>
+                </a:solidFill>
+                <a:latin typeface="+mn-lt"/>
+                <a:ea typeface="+mn-ea"/>
+                <a:cs typeface="+mn-cs"/>
+              </a:defRPr>
+            </a:lvl8pPr>
+            <a:lvl9pPr marL="3886200" indent="-228600" algn="l" defTabSz="457200" rtl="0" eaLnBrk="1" latinLnBrk="0" hangingPunct="1">
+              <a:spcBef>
+                <a:spcPts val="1000"/>
+              </a:spcBef>
+              <a:spcAft>
+                <a:spcPts val="0"/>
+              </a:spcAft>
+              <a:buClr>
+                <a:schemeClr val="accent1"/>
+              </a:buClr>
+              <a:buSzPct val="80000"/>
+              <a:buFont typeface="Wingdings 3" charset="2"/>
+              <a:buChar char=""/>
+              <a:defRPr sz="1200" b="0" i="0" kern="1200">
+                <a:solidFill>
+                  <a:schemeClr val="tx1">
+                    <a:lumMod val="75000"/>
+                    <a:lumOff val="25000"/>
+                  </a:schemeClr>
+                </a:solidFill>
+                <a:latin typeface="+mn-lt"/>
+                <a:ea typeface="+mn-ea"/>
+                <a:cs typeface="+mn-cs"/>
+              </a:defRPr>
+            </a:lvl9pPr>
+          </a:lstStyle>
+          <a:p>
+            <a:r>
+              <a:rPr lang="en-US" dirty="0"/>
+              <a:t>For a wallet limited to 500€:</a:t>
+            </a:r>
+          </a:p>
+        </p:txBody>
+      </p:sp>
+    </p:spTree>
+    <p:extLst>
+      <p:ext uri="{BB962C8B-B14F-4D97-AF65-F5344CB8AC3E}">
+        <p14:creationId xmlns:p14="http://schemas.microsoft.com/office/powerpoint/2010/main" val="2863615138"/>
+      </p:ext>
+    </p:extLst>
+  </p:cSld>
+  <p:clrMapOvr>
+    <a:masterClrMapping/>
+  </p:clrMapOvr>
+</p:sld>
+</file>
+
+<file path=ppt/slides/slide9.xml><?xml version="1.0" encoding="utf-8"?>
+<p:sld xmlns:a="http://schemas.openxmlformats.org/drawingml/2006/main" xmlns:r="http://schemas.openxmlformats.org/officeDocument/2006/relationships" xmlns:p="http://schemas.openxmlformats.org/presentationml/2006/main">
+  <p:cSld>
+    <p:spTree>
+      <p:nvGrpSpPr>
+        <p:cNvPr id="1" name=""/>
+        <p:cNvGrpSpPr/>
+        <p:nvPr/>
+      </p:nvGrpSpPr>
+      <p:grpSpPr>
+        <a:xfrm>
+          <a:off x="0" y="0"/>
+          <a:ext cx="0" cy="0"/>
+          <a:chOff x="0" y="0"/>
+          <a:chExt cx="0" cy="0"/>
+        </a:xfrm>
+      </p:grpSpPr>
+      <p:sp>
+        <p:nvSpPr>
+          <p:cNvPr id="2" name="Title 1">
+            <a:extLst>
+              <a:ext uri="{FF2B5EF4-FFF2-40B4-BE49-F238E27FC236}">
+                <a16:creationId xmlns:a16="http://schemas.microsoft.com/office/drawing/2014/main" id="{2F322DF0-75AB-1541-6F90-96F782783ECF}"/>
+              </a:ext>
+            </a:extLst>
+          </p:cNvPr>
+          <p:cNvSpPr>
+            <a:spLocks noGrp="1"/>
+          </p:cNvSpPr>
+          <p:nvPr>
+            <p:ph type="title"/>
+          </p:nvPr>
+        </p:nvSpPr>
+        <p:spPr/>
+        <p:txBody>
+          <a:bodyPr/>
+          <a:lstStyle/>
+          <a:p>
+            <a:r>
+              <a:rPr lang="en-US" dirty="0"/>
+              <a:t>Edge Case 2</a:t>
+            </a:r>
+          </a:p>
+        </p:txBody>
+      </p:sp>
+      <p:graphicFrame>
+        <p:nvGraphicFramePr>
+          <p:cNvPr id="4" name="Content Placeholder 3">
+            <a:extLst>
+              <a:ext uri="{FF2B5EF4-FFF2-40B4-BE49-F238E27FC236}">
+                <a16:creationId xmlns:a16="http://schemas.microsoft.com/office/drawing/2014/main" id="{23F519BD-3DC0-B7E8-4699-BEA642D03CD2}"/>
+              </a:ext>
+            </a:extLst>
+          </p:cNvPr>
+          <p:cNvGraphicFramePr>
+            <a:graphicFrameLocks noGrp="1"/>
+          </p:cNvGraphicFramePr>
+          <p:nvPr>
+            <p:ph idx="1"/>
+            <p:extLst>
+              <p:ext uri="{D42A27DB-BD31-4B8C-83A1-F6EECF244321}">
+                <p14:modId xmlns:p14="http://schemas.microsoft.com/office/powerpoint/2010/main" val="3174431115"/>
+              </p:ext>
+            </p:extLst>
+          </p:nvPr>
+        </p:nvGraphicFramePr>
+        <p:xfrm>
+          <a:off x="1187450" y="3145790"/>
+          <a:ext cx="8761412" cy="1165860"/>
+        </p:xfrm>
+        <a:graphic>
+          <a:graphicData uri="http://schemas.openxmlformats.org/drawingml/2006/table">
+            <a:tbl>
+              <a:tblPr firstRow="1">
+                <a:tableStyleId>{5C22544A-7EE6-4342-B048-85BDC9FD1C3A}</a:tableStyleId>
+              </a:tblPr>
+              <a:tblGrid>
+                <a:gridCol w="2190353">
+                  <a:extLst>
+                    <a:ext uri="{9D8B030D-6E8A-4147-A177-3AD203B41FA5}">
+                      <a16:colId xmlns:a16="http://schemas.microsoft.com/office/drawing/2014/main" val="3733283847"/>
+                    </a:ext>
+                  </a:extLst>
+                </a:gridCol>
+                <a:gridCol w="2190353">
+                  <a:extLst>
+                    <a:ext uri="{9D8B030D-6E8A-4147-A177-3AD203B41FA5}">
+                      <a16:colId xmlns:a16="http://schemas.microsoft.com/office/drawing/2014/main" val="3680501607"/>
+                    </a:ext>
+                  </a:extLst>
+                </a:gridCol>
+                <a:gridCol w="2190353">
+                  <a:extLst>
+                    <a:ext uri="{9D8B030D-6E8A-4147-A177-3AD203B41FA5}">
+                      <a16:colId xmlns:a16="http://schemas.microsoft.com/office/drawing/2014/main" val="2354270485"/>
+                    </a:ext>
+                  </a:extLst>
+                </a:gridCol>
+                <a:gridCol w="2190353">
+                  <a:extLst>
+                    <a:ext uri="{9D8B030D-6E8A-4147-A177-3AD203B41FA5}">
+                      <a16:colId xmlns:a16="http://schemas.microsoft.com/office/drawing/2014/main" val="60459808"/>
+                    </a:ext>
+                  </a:extLst>
+                </a:gridCol>
+              </a:tblGrid>
+              <a:tr h="0">
+                <a:tc>
+                  <a:txBody>
+                    <a:bodyPr/>
+                    <a:lstStyle/>
+                    <a:p>
+                      <a:r>
+                        <a:rPr lang="en-US" b="1" dirty="0">
+                          <a:effectLst/>
+                        </a:rPr>
+                        <a:t>Name</a:t>
+                      </a:r>
+                    </a:p>
+                  </a:txBody>
+                  <a:tcPr marL="123825" marR="123825" marT="57150" marB="57150" anchor="ctr"/>
+                </a:tc>
+                <a:tc>
+                  <a:txBody>
+                    <a:bodyPr/>
+                    <a:lstStyle/>
+                    <a:p>
+                      <a:r>
+                        <a:rPr lang="en-US" b="1" dirty="0">
+                          <a:effectLst/>
+                        </a:rPr>
+                        <a:t>Price</a:t>
+                      </a:r>
+                    </a:p>
+                  </a:txBody>
+                  <a:tcPr marL="123825" marR="123825" marT="57150" marB="57150" anchor="ctr"/>
+                </a:tc>
+                <a:tc>
+                  <a:txBody>
+                    <a:bodyPr/>
+                    <a:lstStyle/>
+                    <a:p>
+                      <a:r>
+                        <a:rPr lang="en-US" b="1" dirty="0">
+                          <a:effectLst/>
+                        </a:rPr>
+                        <a:t>Profit %</a:t>
+                      </a:r>
+                    </a:p>
+                  </a:txBody>
+                  <a:tcPr marL="123825" marR="123825" marT="57150" marB="57150" anchor="ctr"/>
+                </a:tc>
+                <a:tc>
+                  <a:txBody>
+                    <a:bodyPr/>
+                    <a:lstStyle/>
+                    <a:p>
+                      <a:r>
+                        <a:rPr lang="en-US" b="1" dirty="0">
+                          <a:effectLst/>
+                        </a:rPr>
+                        <a:t>Actual profit</a:t>
+                      </a:r>
+                    </a:p>
+                  </a:txBody>
+                  <a:tcPr marL="123825" marR="123825" marT="57150" marB="57150" anchor="ctr"/>
+                </a:tc>
+                <a:extLst>
+                  <a:ext uri="{0D108BD9-81ED-4DB2-BD59-A6C34878D82A}">
+                    <a16:rowId xmlns:a16="http://schemas.microsoft.com/office/drawing/2014/main" val="2334831748"/>
+                  </a:ext>
+                </a:extLst>
+              </a:tr>
+              <a:tr h="0">
+                <a:tc>
+                  <a:txBody>
+                    <a:bodyPr/>
+                    <a:lstStyle/>
+                    <a:p>
+                      <a:r>
+                        <a:rPr lang="en-US" dirty="0">
+                          <a:effectLst/>
+                        </a:rPr>
+                        <a:t>Share A</a:t>
+                      </a:r>
+                    </a:p>
+                  </a:txBody>
+                  <a:tcPr marL="123825" marR="123825" marT="57150" marB="57150" anchor="ctr"/>
+                </a:tc>
+                <a:tc>
+                  <a:txBody>
+                    <a:bodyPr/>
+                    <a:lstStyle/>
+                    <a:p>
+                      <a:r>
+                        <a:rPr lang="en-US">
+                          <a:effectLst/>
+                        </a:rPr>
+                        <a:t>150</a:t>
+                      </a:r>
+                    </a:p>
+                  </a:txBody>
+                  <a:tcPr marL="123825" marR="123825" marT="57150" marB="57150" anchor="ctr"/>
+                </a:tc>
+                <a:tc>
+                  <a:txBody>
+                    <a:bodyPr/>
+                    <a:lstStyle/>
+                    <a:p>
+                      <a:r>
+                        <a:rPr lang="en-US">
+                          <a:effectLst/>
+                        </a:rPr>
+                        <a:t>0.2</a:t>
+                      </a:r>
+                    </a:p>
+                  </a:txBody>
+                  <a:tcPr marL="123825" marR="123825" marT="57150" marB="57150" anchor="ctr"/>
+                </a:tc>
+                <a:tc>
+                  <a:txBody>
+                    <a:bodyPr/>
+                    <a:lstStyle/>
+                    <a:p>
+                      <a:r>
+                        <a:rPr lang="en-US">
+                          <a:effectLst/>
+                        </a:rPr>
+                        <a:t>30</a:t>
+                      </a:r>
+                    </a:p>
+                  </a:txBody>
+                  <a:tcPr marL="123825" marR="123825" marT="57150" marB="57150" anchor="ctr"/>
+                </a:tc>
+                <a:extLst>
+                  <a:ext uri="{0D108BD9-81ED-4DB2-BD59-A6C34878D82A}">
+                    <a16:rowId xmlns:a16="http://schemas.microsoft.com/office/drawing/2014/main" val="1792464704"/>
+                  </a:ext>
+                </a:extLst>
+              </a:tr>
+              <a:tr h="0">
+                <a:tc>
+                  <a:txBody>
+                    <a:bodyPr/>
+                    <a:lstStyle/>
+                    <a:p>
+                      <a:r>
+                        <a:rPr lang="en-US" dirty="0">
+                          <a:effectLst/>
+                        </a:rPr>
+                        <a:t>Share B</a:t>
+                      </a:r>
+                    </a:p>
+                  </a:txBody>
+                  <a:tcPr marL="123825" marR="123825" marT="57150" marB="57150" anchor="ctr">
+                    <a:solidFill>
+                      <a:schemeClr val="accent5">
+                        <a:lumMod val="40000"/>
+                        <a:lumOff val="60000"/>
+                      </a:schemeClr>
+                    </a:solidFill>
+                  </a:tcPr>
+                </a:tc>
+                <a:tc>
+                  <a:txBody>
+                    <a:bodyPr/>
+                    <a:lstStyle/>
+                    <a:p>
+                      <a:r>
+                        <a:rPr lang="en-US" dirty="0">
+                          <a:effectLst/>
+                        </a:rPr>
+                        <a:t>400</a:t>
+                      </a:r>
+                    </a:p>
+                  </a:txBody>
+                  <a:tcPr marL="123825" marR="123825" marT="57150" marB="57150" anchor="ctr">
+                    <a:solidFill>
+                      <a:schemeClr val="accent5">
+                        <a:lumMod val="40000"/>
+                        <a:lumOff val="60000"/>
+                      </a:schemeClr>
+                    </a:solidFill>
+                  </a:tcPr>
+                </a:tc>
+                <a:tc>
+                  <a:txBody>
+                    <a:bodyPr/>
+                    <a:lstStyle/>
+                    <a:p>
+                      <a:r>
+                        <a:rPr lang="en-US" dirty="0">
+                          <a:effectLst/>
+                        </a:rPr>
+                        <a:t>0.19</a:t>
+                      </a:r>
+                    </a:p>
+                  </a:txBody>
+                  <a:tcPr marL="123825" marR="123825" marT="57150" marB="57150" anchor="ctr">
+                    <a:solidFill>
+                      <a:schemeClr val="accent5">
+                        <a:lumMod val="40000"/>
+                        <a:lumOff val="60000"/>
+                      </a:schemeClr>
+                    </a:solidFill>
+                  </a:tcPr>
+                </a:tc>
+                <a:tc>
+                  <a:txBody>
+                    <a:bodyPr/>
+                    <a:lstStyle/>
+                    <a:p>
+                      <a:r>
+                        <a:rPr lang="en-US" dirty="0">
+                          <a:effectLst/>
+                        </a:rPr>
+                        <a:t>76</a:t>
+                      </a:r>
+                    </a:p>
+                  </a:txBody>
+                  <a:tcPr marL="123825" marR="123825" marT="57150" marB="57150" anchor="ctr">
+                    <a:solidFill>
+                      <a:schemeClr val="accent5">
+                        <a:lumMod val="40000"/>
+                        <a:lumOff val="60000"/>
+                      </a:schemeClr>
+                    </a:solidFill>
+                  </a:tcPr>
+                </a:tc>
+                <a:extLst>
+                  <a:ext uri="{0D108BD9-81ED-4DB2-BD59-A6C34878D82A}">
+                    <a16:rowId xmlns:a16="http://schemas.microsoft.com/office/drawing/2014/main" val="2825930168"/>
+                  </a:ext>
+                </a:extLst>
+              </a:tr>
+            </a:tbl>
+          </a:graphicData>
+        </a:graphic>
+      </p:graphicFrame>
+      <p:sp>
+        <p:nvSpPr>
+          <p:cNvPr id="3" name="Content Placeholder 2">
+            <a:extLst>
+              <a:ext uri="{FF2B5EF4-FFF2-40B4-BE49-F238E27FC236}">
+                <a16:creationId xmlns:a16="http://schemas.microsoft.com/office/drawing/2014/main" id="{BC76963A-A48A-46FF-6253-E365CFBB9955}"/>
+              </a:ext>
+            </a:extLst>
+          </p:cNvPr>
+          <p:cNvSpPr txBox="1">
+            <a:spLocks/>
+          </p:cNvSpPr>
+          <p:nvPr/>
+        </p:nvSpPr>
+        <p:spPr>
+          <a:xfrm>
+            <a:off x="1154954" y="2603500"/>
+            <a:ext cx="8825659" cy="3416300"/>
+          </a:xfrm>
+          <a:prstGeom prst="rect">
+            <a:avLst/>
+          </a:prstGeom>
+        </p:spPr>
+        <p:txBody>
+          <a:bodyPr vert="horz" lIns="91440" tIns="45720" rIns="91440" bIns="45720" rtlCol="0">
+            <a:normAutofit/>
+          </a:bodyPr>
+          <a:lstStyle>
+            <a:lvl1pPr marL="342900" indent="-342900" algn="l" defTabSz="457200" rtl="0" eaLnBrk="1" latinLnBrk="0" hangingPunct="1">
+              <a:spcBef>
+                <a:spcPts val="1000"/>
+              </a:spcBef>
+              <a:spcAft>
+                <a:spcPts val="0"/>
+              </a:spcAft>
+              <a:buClr>
+                <a:schemeClr val="accent1"/>
+              </a:buClr>
+              <a:buSzPct val="80000"/>
+              <a:buFont typeface="Wingdings 3" charset="2"/>
+              <a:buChar char=""/>
+              <a:defRPr sz="1800" b="0" i="0" kern="1200">
+                <a:solidFill>
+                  <a:schemeClr val="tx1">
+                    <a:lumMod val="75000"/>
+                    <a:lumOff val="25000"/>
+                  </a:schemeClr>
+                </a:solidFill>
+                <a:latin typeface="+mn-lt"/>
+                <a:ea typeface="+mn-ea"/>
+                <a:cs typeface="+mn-cs"/>
+              </a:defRPr>
+            </a:lvl1pPr>
+            <a:lvl2pPr marL="742950" indent="-285750" algn="l" defTabSz="457200" rtl="0" eaLnBrk="1" latinLnBrk="0" hangingPunct="1">
+              <a:spcBef>
+                <a:spcPts val="1000"/>
+              </a:spcBef>
+              <a:spcAft>
+                <a:spcPts val="0"/>
+              </a:spcAft>
+              <a:buClr>
+                <a:schemeClr val="accent1"/>
+              </a:buClr>
+              <a:buSzPct val="80000"/>
+              <a:buFont typeface="Wingdings 3" charset="2"/>
+              <a:buChar char=""/>
+              <a:defRPr sz="1600" b="0" i="0" kern="1200">
+                <a:solidFill>
+                  <a:schemeClr val="tx1">
+                    <a:lumMod val="75000"/>
+                    <a:lumOff val="25000"/>
+                  </a:schemeClr>
+                </a:solidFill>
+                <a:latin typeface="+mn-lt"/>
+                <a:ea typeface="+mn-ea"/>
+                <a:cs typeface="+mn-cs"/>
+              </a:defRPr>
+            </a:lvl2pPr>
+            <a:lvl3pPr marL="1143000" indent="-228600" algn="l" defTabSz="457200" rtl="0" eaLnBrk="1" latinLnBrk="0" hangingPunct="1">
+              <a:spcBef>
+                <a:spcPts val="1000"/>
+              </a:spcBef>
+              <a:spcAft>
+                <a:spcPts val="0"/>
+              </a:spcAft>
+              <a:buClr>
+                <a:schemeClr val="accent1"/>
+              </a:buClr>
+              <a:buSzPct val="80000"/>
+              <a:buFont typeface="Wingdings 3" charset="2"/>
+              <a:buChar char=""/>
+              <a:defRPr sz="1400" b="0" i="0" kern="1200">
+                <a:solidFill>
+                  <a:schemeClr val="tx1">
+                    <a:lumMod val="75000"/>
+                    <a:lumOff val="25000"/>
+                  </a:schemeClr>
+                </a:solidFill>
+                <a:latin typeface="+mn-lt"/>
+                <a:ea typeface="+mn-ea"/>
+                <a:cs typeface="+mn-cs"/>
+              </a:defRPr>
+            </a:lvl3pPr>
+            <a:lvl4pPr marL="1600200" indent="-228600" algn="l" defTabSz="457200" rtl="0" eaLnBrk="1" latinLnBrk="0" hangingPunct="1">
+              <a:spcBef>
+                <a:spcPts val="1000"/>
+              </a:spcBef>
+              <a:spcAft>
+                <a:spcPts val="0"/>
+              </a:spcAft>
+              <a:buClr>
+                <a:schemeClr val="accent1"/>
+              </a:buClr>
+              <a:buSzPct val="80000"/>
+              <a:buFont typeface="Wingdings 3" charset="2"/>
+              <a:buChar char=""/>
+              <a:defRPr sz="1200" b="0" i="0" kern="1200">
+                <a:solidFill>
+                  <a:schemeClr val="tx1">
+                    <a:lumMod val="75000"/>
+                    <a:lumOff val="25000"/>
+                  </a:schemeClr>
+                </a:solidFill>
+                <a:latin typeface="+mn-lt"/>
+                <a:ea typeface="+mn-ea"/>
+                <a:cs typeface="+mn-cs"/>
+              </a:defRPr>
+            </a:lvl4pPr>
+            <a:lvl5pPr marL="2057400" indent="-228600" algn="l" defTabSz="457200" rtl="0" eaLnBrk="1" latinLnBrk="0" hangingPunct="1">
+              <a:spcBef>
+                <a:spcPts val="1000"/>
+              </a:spcBef>
+              <a:spcAft>
+                <a:spcPts val="0"/>
+              </a:spcAft>
+              <a:buClr>
+                <a:schemeClr val="accent1"/>
+              </a:buClr>
+              <a:buSzPct val="80000"/>
+              <a:buFont typeface="Wingdings 3" charset="2"/>
+              <a:buChar char=""/>
+              <a:defRPr sz="1200" b="0" i="0" kern="1200">
+                <a:solidFill>
+                  <a:schemeClr val="tx1">
+                    <a:lumMod val="75000"/>
+                    <a:lumOff val="25000"/>
+                  </a:schemeClr>
+                </a:solidFill>
+                <a:latin typeface="+mn-lt"/>
+                <a:ea typeface="+mn-ea"/>
+                <a:cs typeface="+mn-cs"/>
+              </a:defRPr>
+            </a:lvl5pPr>
+            <a:lvl6pPr marL="2514600" indent="-228600" algn="l" defTabSz="457200" rtl="0" eaLnBrk="1" latinLnBrk="0" hangingPunct="1">
+              <a:spcBef>
+                <a:spcPts val="1000"/>
+              </a:spcBef>
+              <a:spcAft>
+                <a:spcPts val="0"/>
+              </a:spcAft>
+              <a:buClr>
+                <a:schemeClr val="accent1"/>
+              </a:buClr>
+              <a:buSzPct val="80000"/>
+              <a:buFont typeface="Wingdings 3" charset="2"/>
+              <a:buChar char=""/>
+              <a:defRPr sz="1200" b="0" i="0" kern="1200">
+                <a:solidFill>
+                  <a:schemeClr val="tx1">
+                    <a:lumMod val="75000"/>
+                    <a:lumOff val="25000"/>
+                  </a:schemeClr>
+                </a:solidFill>
+                <a:latin typeface="+mn-lt"/>
+                <a:ea typeface="+mn-ea"/>
+                <a:cs typeface="+mn-cs"/>
+              </a:defRPr>
+            </a:lvl6pPr>
+            <a:lvl7pPr marL="2971800" indent="-228600" algn="l" defTabSz="457200" rtl="0" eaLnBrk="1" latinLnBrk="0" hangingPunct="1">
+              <a:spcBef>
+                <a:spcPts val="1000"/>
+              </a:spcBef>
+              <a:spcAft>
+                <a:spcPts val="0"/>
+              </a:spcAft>
+              <a:buClr>
+                <a:schemeClr val="accent1"/>
+              </a:buClr>
+              <a:buSzPct val="80000"/>
+              <a:buFont typeface="Wingdings 3" charset="2"/>
+              <a:buChar char=""/>
+              <a:defRPr sz="1200" b="0" i="0" kern="1200">
+                <a:solidFill>
+                  <a:schemeClr val="tx1">
+                    <a:lumMod val="75000"/>
+                    <a:lumOff val="25000"/>
+                  </a:schemeClr>
+                </a:solidFill>
+                <a:latin typeface="+mn-lt"/>
+                <a:ea typeface="+mn-ea"/>
+                <a:cs typeface="+mn-cs"/>
+              </a:defRPr>
+            </a:lvl7pPr>
+            <a:lvl8pPr marL="3429000" indent="-228600" algn="l" defTabSz="457200" rtl="0" eaLnBrk="1" latinLnBrk="0" hangingPunct="1">
+              <a:spcBef>
+                <a:spcPts val="1000"/>
+              </a:spcBef>
+              <a:spcAft>
+                <a:spcPts val="0"/>
+              </a:spcAft>
+              <a:buClr>
+                <a:schemeClr val="accent1"/>
+              </a:buClr>
+              <a:buSzPct val="80000"/>
+              <a:buFont typeface="Wingdings 3" charset="2"/>
+              <a:buChar char=""/>
+              <a:defRPr sz="1200" b="0" i="0" kern="1200">
+                <a:solidFill>
+                  <a:schemeClr val="tx1">
+                    <a:lumMod val="75000"/>
+                    <a:lumOff val="25000"/>
+                  </a:schemeClr>
+                </a:solidFill>
+                <a:latin typeface="+mn-lt"/>
+                <a:ea typeface="+mn-ea"/>
+                <a:cs typeface="+mn-cs"/>
+              </a:defRPr>
+            </a:lvl8pPr>
+            <a:lvl9pPr marL="3886200" indent="-228600" algn="l" defTabSz="457200" rtl="0" eaLnBrk="1" latinLnBrk="0" hangingPunct="1">
+              <a:spcBef>
+                <a:spcPts val="1000"/>
+              </a:spcBef>
+              <a:spcAft>
+                <a:spcPts val="0"/>
+              </a:spcAft>
+              <a:buClr>
+                <a:schemeClr val="accent1"/>
+              </a:buClr>
+              <a:buSzPct val="80000"/>
+              <a:buFont typeface="Wingdings 3" charset="2"/>
+              <a:buChar char=""/>
+              <a:defRPr sz="1200" b="0" i="0" kern="1200">
+                <a:solidFill>
+                  <a:schemeClr val="tx1">
+                    <a:lumMod val="75000"/>
+                    <a:lumOff val="25000"/>
+                  </a:schemeClr>
+                </a:solidFill>
+                <a:latin typeface="+mn-lt"/>
+                <a:ea typeface="+mn-ea"/>
+                <a:cs typeface="+mn-cs"/>
+              </a:defRPr>
+            </a:lvl9pPr>
+          </a:lstStyle>
+          <a:p>
+            <a:r>
+              <a:rPr lang="en-US" dirty="0"/>
+              <a:t>For a wallet limited to 500€:</a:t>
+            </a:r>
+          </a:p>
+        </p:txBody>
+      </p:sp>
+    </p:spTree>
+    <p:extLst>
+      <p:ext uri="{BB962C8B-B14F-4D97-AF65-F5344CB8AC3E}">
+        <p14:creationId xmlns:p14="http://schemas.microsoft.com/office/powerpoint/2010/main" val="2997898120"/>
       </p:ext>
     </p:extLst>
   </p:cSld>
@@ -21806,4 +22484,299 @@
     </a:ext>
   </a:extLst>
 </a:theme>
+</file>
+
+<file path=ppt/theme/theme2.xml><?xml version="1.0" encoding="utf-8"?>
+<a:theme xmlns:a="http://schemas.openxmlformats.org/drawingml/2006/main" name="Office Theme">
+  <a:themeElements>
+    <a:clrScheme name="Office">
+      <a:dk1>
+        <a:sysClr val="windowText" lastClr="000000"/>
+      </a:dk1>
+      <a:lt1>
+        <a:sysClr val="window" lastClr="FFFFFF"/>
+      </a:lt1>
+      <a:dk2>
+        <a:srgbClr val="44546A"/>
+      </a:dk2>
+      <a:lt2>
+        <a:srgbClr val="E7E6E6"/>
+      </a:lt2>
+      <a:accent1>
+        <a:srgbClr val="4472C4"/>
+      </a:accent1>
+      <a:accent2>
+        <a:srgbClr val="ED7D31"/>
+      </a:accent2>
+      <a:accent3>
+        <a:srgbClr val="A5A5A5"/>
+      </a:accent3>
+      <a:accent4>
+        <a:srgbClr val="FFC000"/>
+      </a:accent4>
+      <a:accent5>
+        <a:srgbClr val="5B9BD5"/>
+      </a:accent5>
+      <a:accent6>
+        <a:srgbClr val="70AD47"/>
+      </a:accent6>
+      <a:hlink>
+        <a:srgbClr val="0563C1"/>
+      </a:hlink>
+      <a:folHlink>
+        <a:srgbClr val="954F72"/>
+      </a:folHlink>
+    </a:clrScheme>
+    <a:fontScheme name="Office">
+      <a:majorFont>
+        <a:latin typeface="Calibri Light" panose="020F0302020204030204"/>
+        <a:ea typeface=""/>
+        <a:cs typeface=""/>
+        <a:font script="Jpan" typeface="游ゴシック Light"/>
+        <a:font script="Hang" typeface="맑은 고딕"/>
+        <a:font script="Hans" typeface="等线 Light"/>
+        <a:font script="Hant" typeface="新細明體"/>
+        <a:font script="Arab" typeface="Times New Roman"/>
+        <a:font script="Hebr" typeface="Times New Roman"/>
+        <a:font script="Thai" typeface="Angsana New"/>
+        <a:font script="Ethi" typeface="Nyala"/>
+        <a:font script="Beng" typeface="Vrinda"/>
+        <a:font script="Gujr" typeface="Shruti"/>
+        <a:font script="Khmr" typeface="MoolBoran"/>
+        <a:font script="Knda" typeface="Tunga"/>
+        <a:font script="Guru" typeface="Raavi"/>
+        <a:font script="Cans" typeface="Euphemia"/>
+        <a:font script="Cher" typeface="Plantagenet Cherokee"/>
+        <a:font script="Yiii" typeface="Microsoft Yi Baiti"/>
+        <a:font script="Tibt" typeface="Microsoft Himalaya"/>
+        <a:font script="Thaa" typeface="MV Boli"/>
+        <a:font script="Deva" typeface="Mangal"/>
+        <a:font script="Telu" typeface="Gautami"/>
+        <a:font script="Taml" typeface="Latha"/>
+        <a:font script="Syrc" typeface="Estrangelo Edessa"/>
+        <a:font script="Orya" typeface="Kalinga"/>
+        <a:font script="Mlym" typeface="Kartika"/>
+        <a:font script="Laoo" typeface="DokChampa"/>
+        <a:font script="Sinh" typeface="Iskoola Pota"/>
+        <a:font script="Mong" typeface="Mongolian Baiti"/>
+        <a:font script="Viet" typeface="Times New Roman"/>
+        <a:font script="Uigh" typeface="Microsoft Uighur"/>
+        <a:font script="Geor" typeface="Sylfaen"/>
+        <a:font script="Armn" typeface="Arial"/>
+        <a:font script="Bugi" typeface="Leelawadee UI"/>
+        <a:font script="Bopo" typeface="Microsoft JhengHei"/>
+        <a:font script="Java" typeface="Javanese Text"/>
+        <a:font script="Lisu" typeface="Segoe UI"/>
+        <a:font script="Mymr" typeface="Myanmar Text"/>
+        <a:font script="Nkoo" typeface="Ebrima"/>
+        <a:font script="Olck" typeface="Nirmala UI"/>
+        <a:font script="Osma" typeface="Ebrima"/>
+        <a:font script="Phag" typeface="Phagspa"/>
+        <a:font script="Syrn" typeface="Estrangelo Edessa"/>
+        <a:font script="Syrj" typeface="Estrangelo Edessa"/>
+        <a:font script="Syre" typeface="Estrangelo Edessa"/>
+        <a:font script="Sora" typeface="Nirmala UI"/>
+        <a:font script="Tale" typeface="Microsoft Tai Le"/>
+        <a:font script="Talu" typeface="Microsoft New Tai Lue"/>
+        <a:font script="Tfng" typeface="Ebrima"/>
+      </a:majorFont>
+      <a:minorFont>
+        <a:latin typeface="Calibri" panose="020F0502020204030204"/>
+        <a:ea typeface=""/>
+        <a:cs typeface=""/>
+        <a:font script="Jpan" typeface="游ゴシック"/>
+        <a:font script="Hang" typeface="맑은 고딕"/>
+        <a:font script="Hans" typeface="等线"/>
+        <a:font script="Hant" typeface="新細明體"/>
+        <a:font script="Arab" typeface="Arial"/>
+        <a:font script="Hebr" typeface="Arial"/>
+        <a:font script="Thai" typeface="Cordia New"/>
+        <a:font script="Ethi" typeface="Nyala"/>
+        <a:font script="Beng" typeface="Vrinda"/>
+        <a:font script="Gujr" typeface="Shruti"/>
+        <a:font script="Khmr" typeface="DaunPenh"/>
+        <a:font script="Knda" typeface="Tunga"/>
+        <a:font script="Guru" typeface="Raavi"/>
+        <a:font script="Cans" typeface="Euphemia"/>
+        <a:font script="Cher" typeface="Plantagenet Cherokee"/>
+        <a:font script="Yiii" typeface="Microsoft Yi Baiti"/>
+        <a:font script="Tibt" typeface="Microsoft Himalaya"/>
+        <a:font script="Thaa" typeface="MV Boli"/>
+        <a:font script="Deva" typeface="Mangal"/>
+        <a:font script="Telu" typeface="Gautami"/>
+        <a:font script="Taml" typeface="Latha"/>
+        <a:font script="Syrc" typeface="Estrangelo Edessa"/>
+        <a:font script="Orya" typeface="Kalinga"/>
+        <a:font script="Mlym" typeface="Kartika"/>
+        <a:font script="Laoo" typeface="DokChampa"/>
+        <a:font script="Sinh" typeface="Iskoola Pota"/>
+        <a:font script="Mong" typeface="Mongolian Baiti"/>
+        <a:font script="Viet" typeface="Arial"/>
+        <a:font script="Uigh" typeface="Microsoft Uighur"/>
+        <a:font script="Geor" typeface="Sylfaen"/>
+        <a:font script="Armn" typeface="Arial"/>
+        <a:font script="Bugi" typeface="Leelawadee UI"/>
+        <a:font script="Bopo" typeface="Microsoft JhengHei"/>
+        <a:font script="Java" typeface="Javanese Text"/>
+        <a:font script="Lisu" typeface="Segoe UI"/>
+        <a:font script="Mymr" typeface="Myanmar Text"/>
+        <a:font script="Nkoo" typeface="Ebrima"/>
+        <a:font script="Olck" typeface="Nirmala UI"/>
+        <a:font script="Osma" typeface="Ebrima"/>
+        <a:font script="Phag" typeface="Phagspa"/>
+        <a:font script="Syrn" typeface="Estrangelo Edessa"/>
+        <a:font script="Syrj" typeface="Estrangelo Edessa"/>
+        <a:font script="Syre" typeface="Estrangelo Edessa"/>
+        <a:font script="Sora" typeface="Nirmala UI"/>
+        <a:font script="Tale" typeface="Microsoft Tai Le"/>
+        <a:font script="Talu" typeface="Microsoft New Tai Lue"/>
+        <a:font script="Tfng" typeface="Ebrima"/>
+      </a:minorFont>
+    </a:fontScheme>
+    <a:fmtScheme name="Office">
+      <a:fillStyleLst>
+        <a:solidFill>
+          <a:schemeClr val="phClr"/>
+        </a:solidFill>
+        <a:gradFill rotWithShape="1">
+          <a:gsLst>
+            <a:gs pos="0">
+              <a:schemeClr val="phClr">
+                <a:lumMod val="110000"/>
+                <a:satMod val="105000"/>
+                <a:tint val="67000"/>
+              </a:schemeClr>
+            </a:gs>
+            <a:gs pos="50000">
+              <a:schemeClr val="phClr">
+                <a:lumMod val="105000"/>
+                <a:satMod val="103000"/>
+                <a:tint val="73000"/>
+              </a:schemeClr>
+            </a:gs>
+            <a:gs pos="100000">
+              <a:schemeClr val="phClr">
+                <a:lumMod val="105000"/>
+                <a:satMod val="109000"/>
+                <a:tint val="81000"/>
+              </a:schemeClr>
+            </a:gs>
+          </a:gsLst>
+          <a:lin ang="5400000" scaled="0"/>
+        </a:gradFill>
+        <a:gradFill rotWithShape="1">
+          <a:gsLst>
+            <a:gs pos="0">
+              <a:schemeClr val="phClr">
+                <a:satMod val="103000"/>
+                <a:lumMod val="102000"/>
+                <a:tint val="94000"/>
+              </a:schemeClr>
+            </a:gs>
+            <a:gs pos="50000">
+              <a:schemeClr val="phClr">
+                <a:satMod val="110000"/>
+                <a:lumMod val="100000"/>
+                <a:shade val="100000"/>
+              </a:schemeClr>
+            </a:gs>
+            <a:gs pos="100000">
+              <a:schemeClr val="phClr">
+                <a:lumMod val="99000"/>
+                <a:satMod val="120000"/>
+                <a:shade val="78000"/>
+              </a:schemeClr>
+            </a:gs>
+          </a:gsLst>
+          <a:lin ang="5400000" scaled="0"/>
+        </a:gradFill>
+      </a:fillStyleLst>
+      <a:lnStyleLst>
+        <a:ln w="6350" cap="flat" cmpd="sng" algn="ctr">
+          <a:solidFill>
+            <a:schemeClr val="phClr"/>
+          </a:solidFill>
+          <a:prstDash val="solid"/>
+          <a:miter lim="800000"/>
+        </a:ln>
+        <a:ln w="12700" cap="flat" cmpd="sng" algn="ctr">
+          <a:solidFill>
+            <a:schemeClr val="phClr"/>
+          </a:solidFill>
+          <a:prstDash val="solid"/>
+          <a:miter lim="800000"/>
+        </a:ln>
+        <a:ln w="19050" cap="flat" cmpd="sng" algn="ctr">
+          <a:solidFill>
+            <a:schemeClr val="phClr"/>
+          </a:solidFill>
+          <a:prstDash val="solid"/>
+          <a:miter lim="800000"/>
+        </a:ln>
+      </a:lnStyleLst>
+      <a:effectStyleLst>
+        <a:effectStyle>
+          <a:effectLst/>
+        </a:effectStyle>
+        <a:effectStyle>
+          <a:effectLst/>
+        </a:effectStyle>
+        <a:effectStyle>
+          <a:effectLst>
+            <a:outerShdw blurRad="57150" dist="19050" dir="5400000" algn="ctr" rotWithShape="0">
+              <a:srgbClr val="000000">
+                <a:alpha val="63000"/>
+              </a:srgbClr>
+            </a:outerShdw>
+          </a:effectLst>
+        </a:effectStyle>
+      </a:effectStyleLst>
+      <a:bgFillStyleLst>
+        <a:solidFill>
+          <a:schemeClr val="phClr"/>
+        </a:solidFill>
+        <a:solidFill>
+          <a:schemeClr val="phClr">
+            <a:tint val="95000"/>
+            <a:satMod val="170000"/>
+          </a:schemeClr>
+        </a:solidFill>
+        <a:gradFill rotWithShape="1">
+          <a:gsLst>
+            <a:gs pos="0">
+              <a:schemeClr val="phClr">
+                <a:tint val="93000"/>
+                <a:satMod val="150000"/>
+                <a:shade val="98000"/>
+                <a:lumMod val="102000"/>
+              </a:schemeClr>
+            </a:gs>
+            <a:gs pos="50000">
+              <a:schemeClr val="phClr">
+                <a:tint val="98000"/>
+                <a:satMod val="130000"/>
+                <a:shade val="90000"/>
+                <a:lumMod val="103000"/>
+              </a:schemeClr>
+            </a:gs>
+            <a:gs pos="100000">
+              <a:schemeClr val="phClr">
+                <a:shade val="63000"/>
+                <a:satMod val="120000"/>
+              </a:schemeClr>
+            </a:gs>
+          </a:gsLst>
+          <a:lin ang="5400000" scaled="0"/>
+        </a:gradFill>
+      </a:bgFillStyleLst>
+    </a:fmtScheme>
+  </a:themeElements>
+  <a:objectDefaults/>
+  <a:extraClrSchemeLst/>
+  <a:extLst>
+    <a:ext uri="{05A4C25C-085E-4340-85A3-A5531E510DB2}">
+      <thm15:themeFamily xmlns:thm15="http://schemas.microsoft.com/office/thememl/2012/main" name="Office Theme" id="{62F939B6-93AF-4DB8-9C6B-D6C7DFDC589F}" vid="{4A3C46E8-61CC-4603-A589-7422A47A8E4A}"/>
+    </a:ext>
+  </a:extLst>
+</a:theme>
 </file>
--- a/Project7_Presentation.pptx
+++ b/Project7_Presentation.pptx
@@ -563,6 +563,41 @@
               <a:defRPr/>
             </a:pPr>
             <a:r>
+              <a:rPr lang="en-US" b="1" dirty="0"/>
+              <a:t>	</a:t>
+            </a:r>
+            <a:r>
+              <a:rPr lang="en-US" b="0" dirty="0"/>
+              <a:t>- using </a:t>
+            </a:r>
+            <a:r>
+              <a:rPr lang="en-US" b="0" dirty="0" err="1"/>
+              <a:t>itertools</a:t>
+            </a:r>
+            <a:r>
+              <a:rPr lang="en-US" b="0" dirty="0"/>
+              <a:t> library</a:t>
+            </a:r>
+          </a:p>
+          <a:p>
+            <a:pPr marL="0" marR="0" lvl="0" indent="0" algn="l" defTabSz="914400" rtl="0" eaLnBrk="1" fontAlgn="auto" latinLnBrk="0" hangingPunct="1">
+              <a:lnSpc>
+                <a:spcPct val="100000"/>
+              </a:lnSpc>
+              <a:spcBef>
+                <a:spcPts val="0"/>
+              </a:spcBef>
+              <a:spcAft>
+                <a:spcPts val="0"/>
+              </a:spcAft>
+              <a:buClrTx/>
+              <a:buSzTx/>
+              <a:buFontTx/>
+              <a:buNone/>
+              <a:tabLst/>
+              <a:defRPr/>
+            </a:pPr>
+            <a:r>
               <a:rPr lang="en-US" dirty="0"/>
               <a:t>	- with combinations of all the possible sizes </a:t>
             </a:r>
@@ -1399,7 +1434,7 @@
           <a:p>
             <a:fld id="{81B8F32D-D8B6-4B9E-9CBF-DCAC30B7B93D}" type="datetimeFigureOut">
               <a:rPr lang="en-US" smtClean="0"/>
-              <a:t>3/14/23</a:t>
+              <a:t>3/15/23</a:t>
             </a:fld>
             <a:endParaRPr lang="en-US"/>
           </a:p>
@@ -2488,7 +2523,7 @@
             <a:fld id="{81B8F32D-D8B6-4B9E-9CBF-DCAC30B7B93D}" type="datetimeFigureOut">
               <a:rPr lang="en-US" smtClean="0"/>
               <a:pPr/>
-              <a:t>3/14/23</a:t>
+              <a:t>3/15/23</a:t>
             </a:fld>
             <a:endParaRPr lang="en-US" dirty="0"/>
           </a:p>
@@ -3470,7 +3505,7 @@
             <a:fld id="{81B8F32D-D8B6-4B9E-9CBF-DCAC30B7B93D}" type="datetimeFigureOut">
               <a:rPr lang="en-US" smtClean="0"/>
               <a:pPr/>
-              <a:t>3/14/23</a:t>
+              <a:t>3/15/23</a:t>
             </a:fld>
             <a:endParaRPr lang="en-US" dirty="0"/>
           </a:p>
@@ -4606,7 +4641,7 @@
             <a:fld id="{81B8F32D-D8B6-4B9E-9CBF-DCAC30B7B93D}" type="datetimeFigureOut">
               <a:rPr lang="en-US" smtClean="0"/>
               <a:pPr/>
-              <a:t>3/14/23</a:t>
+              <a:t>3/15/23</a:t>
             </a:fld>
             <a:endParaRPr lang="en-US" dirty="0"/>
           </a:p>
@@ -5641,7 +5676,7 @@
             <a:fld id="{81B8F32D-D8B6-4B9E-9CBF-DCAC30B7B93D}" type="datetimeFigureOut">
               <a:rPr lang="en-US" smtClean="0"/>
               <a:pPr/>
-              <a:t>3/14/23</a:t>
+              <a:t>3/15/23</a:t>
             </a:fld>
             <a:endParaRPr lang="en-US" dirty="0"/>
           </a:p>
@@ -6303,7 +6338,7 @@
             <a:fld id="{81B8F32D-D8B6-4B9E-9CBF-DCAC30B7B93D}" type="datetimeFigureOut">
               <a:rPr lang="en-US" smtClean="0"/>
               <a:pPr/>
-              <a:t>3/14/23</a:t>
+              <a:t>3/15/23</a:t>
             </a:fld>
             <a:endParaRPr lang="en-US" dirty="0"/>
           </a:p>
@@ -7166,7 +7201,7 @@
             <a:fld id="{81B8F32D-D8B6-4B9E-9CBF-DCAC30B7B93D}" type="datetimeFigureOut">
               <a:rPr lang="en-US" smtClean="0"/>
               <a:pPr/>
-              <a:t>3/14/23</a:t>
+              <a:t>3/15/23</a:t>
             </a:fld>
             <a:endParaRPr lang="en-US" dirty="0"/>
           </a:p>
@@ -7357,7 +7392,7 @@
           <a:p>
             <a:fld id="{81B8F32D-D8B6-4B9E-9CBF-DCAC30B7B93D}" type="datetimeFigureOut">
               <a:rPr lang="en-US" smtClean="0"/>
-              <a:t>3/14/23</a:t>
+              <a:t>3/15/23</a:t>
             </a:fld>
             <a:endParaRPr lang="en-US"/>
           </a:p>
@@ -8329,7 +8364,7 @@
           <a:p>
             <a:fld id="{81B8F32D-D8B6-4B9E-9CBF-DCAC30B7B93D}" type="datetimeFigureOut">
               <a:rPr lang="en-US" smtClean="0"/>
-              <a:t>3/14/23</a:t>
+              <a:t>3/15/23</a:t>
             </a:fld>
             <a:endParaRPr lang="en-US"/>
           </a:p>
@@ -8540,7 +8575,7 @@
           <a:p>
             <a:fld id="{81B8F32D-D8B6-4B9E-9CBF-DCAC30B7B93D}" type="datetimeFigureOut">
               <a:rPr lang="en-US" smtClean="0"/>
-              <a:t>3/14/23</a:t>
+              <a:t>3/15/23</a:t>
             </a:fld>
             <a:endParaRPr lang="en-US"/>
           </a:p>
@@ -9574,7 +9609,7 @@
           <a:p>
             <a:fld id="{81B8F32D-D8B6-4B9E-9CBF-DCAC30B7B93D}" type="datetimeFigureOut">
               <a:rPr lang="en-US" smtClean="0"/>
-              <a:t>3/14/23</a:t>
+              <a:t>3/15/23</a:t>
             </a:fld>
             <a:endParaRPr lang="en-US"/>
           </a:p>
@@ -9846,7 +9881,7 @@
           <a:p>
             <a:fld id="{81B8F32D-D8B6-4B9E-9CBF-DCAC30B7B93D}" type="datetimeFigureOut">
               <a:rPr lang="en-US" smtClean="0"/>
-              <a:t>3/14/23</a:t>
+              <a:t>3/15/23</a:t>
             </a:fld>
             <a:endParaRPr lang="en-US"/>
           </a:p>
@@ -10257,7 +10292,7 @@
             <a:fld id="{81B8F32D-D8B6-4B9E-9CBF-DCAC30B7B93D}" type="datetimeFigureOut">
               <a:rPr lang="en-US" smtClean="0"/>
               <a:pPr/>
-              <a:t>3/14/23</a:t>
+              <a:t>3/15/23</a:t>
             </a:fld>
             <a:endParaRPr lang="en-US" dirty="0"/>
           </a:p>
@@ -10385,7 +10420,7 @@
           <a:p>
             <a:fld id="{81B8F32D-D8B6-4B9E-9CBF-DCAC30B7B93D}" type="datetimeFigureOut">
               <a:rPr lang="en-US" smtClean="0"/>
-              <a:t>3/14/23</a:t>
+              <a:t>3/15/23</a:t>
             </a:fld>
             <a:endParaRPr lang="en-US"/>
           </a:p>
@@ -10480,7 +10515,7 @@
           <a:p>
             <a:fld id="{81B8F32D-D8B6-4B9E-9CBF-DCAC30B7B93D}" type="datetimeFigureOut">
               <a:rPr lang="en-US" smtClean="0"/>
-              <a:t>3/14/23</a:t>
+              <a:t>3/15/23</a:t>
             </a:fld>
             <a:endParaRPr lang="en-US"/>
           </a:p>
@@ -11561,7 +11596,7 @@
           <a:p>
             <a:fld id="{81B8F32D-D8B6-4B9E-9CBF-DCAC30B7B93D}" type="datetimeFigureOut">
               <a:rPr lang="en-US" smtClean="0"/>
-              <a:t>3/14/23</a:t>
+              <a:t>3/15/23</a:t>
             </a:fld>
             <a:endParaRPr lang="en-US"/>
           </a:p>
@@ -12669,7 +12704,7 @@
           <a:p>
             <a:fld id="{81B8F32D-D8B6-4B9E-9CBF-DCAC30B7B93D}" type="datetimeFigureOut">
               <a:rPr lang="en-US" smtClean="0"/>
-              <a:t>3/14/23</a:t>
+              <a:t>3/15/23</a:t>
             </a:fld>
             <a:endParaRPr lang="en-US"/>
           </a:p>
@@ -13667,7 +13702,7 @@
             <a:fld id="{81B8F32D-D8B6-4B9E-9CBF-DCAC30B7B93D}" type="datetimeFigureOut">
               <a:rPr lang="en-US" smtClean="0"/>
               <a:pPr/>
-              <a:t>3/14/23</a:t>
+              <a:t>3/15/23</a:t>
             </a:fld>
             <a:endParaRPr lang="en-US" dirty="0"/>
           </a:p>
@@ -19736,31 +19771,34 @@
           <a:p>
             <a:r>
               <a:rPr lang="en-US" sz="2000" dirty="0"/>
-              <a:t>Goal of optimized solution</a:t>
+              <a:t>Optimized solution analysis</a:t>
+            </a:r>
+          </a:p>
+          <a:p>
+            <a:pPr lvl="1"/>
+            <a:r>
+              <a:rPr lang="en-US" sz="1800" dirty="0"/>
+              <a:t>Goal</a:t>
+            </a:r>
+          </a:p>
+          <a:p>
+            <a:pPr lvl="1"/>
+            <a:r>
+              <a:rPr lang="en-US" sz="1800" dirty="0"/>
+              <a:t>Thought process</a:t>
+            </a:r>
+          </a:p>
+          <a:p>
+            <a:pPr lvl="1"/>
+            <a:r>
+              <a:rPr lang="en-US" sz="1800" dirty="0"/>
+              <a:t>Limitations</a:t>
             </a:r>
           </a:p>
           <a:p>
             <a:r>
               <a:rPr lang="en-US" sz="2000" dirty="0"/>
-              <a:t>Thought process behind optimized solution</a:t>
-            </a:r>
-          </a:p>
-          <a:p>
-            <a:r>
-              <a:rPr lang="en-US" sz="2000" dirty="0"/>
-              <a:t>Limitations of optimized solution with edge cases</a:t>
-            </a:r>
-          </a:p>
-          <a:p>
-            <a:r>
-              <a:rPr lang="en-US" sz="2000" dirty="0"/>
-              <a:t>Time complexity analysis of both solutions</a:t>
-            </a:r>
-          </a:p>
-          <a:p>
-            <a:r>
-              <a:rPr lang="en-US" sz="2000" dirty="0"/>
-              <a:t>Space complexity analysis of both solutions</a:t>
+              <a:t>Efficiency and Performance comparison</a:t>
             </a:r>
           </a:p>
           <a:p>
@@ -19768,16 +19806,6 @@
               <a:rPr lang="en-US" sz="2000" dirty="0"/>
               <a:t>Dataset exploration report</a:t>
             </a:r>
-          </a:p>
-          <a:p>
-            <a:pPr lvl="1"/>
-            <a:r>
-              <a:rPr lang="en-US" sz="1800" dirty="0"/>
-              <a:t>Comparing optimized solution results with sienna’s</a:t>
-            </a:r>
-          </a:p>
-          <a:p>
-            <a:endParaRPr lang="en-US" sz="2000" dirty="0"/>
           </a:p>
         </p:txBody>
       </p:sp>
@@ -20070,7 +20098,7 @@
           <a:p>
             <a:r>
               <a:rPr lang="en-US" dirty="0"/>
-              <a:t>Optimized Solution - Pseudocode</a:t>
+              <a:t>Optimized Solution – Thought process</a:t>
             </a:r>
           </a:p>
         </p:txBody>
@@ -20604,7 +20632,7 @@
           <a:p>
             <a:r>
               <a:rPr lang="en-US" dirty="0"/>
-              <a:t>Edge Case 1</a:t>
+              <a:t>Optimized Solution – Edge Case 1</a:t>
             </a:r>
           </a:p>
         </p:txBody>
@@ -21648,7 +21676,7 @@
           <a:p>
             <a:r>
               <a:rPr lang="en-US" dirty="0"/>
-              <a:t>Edge Case 2</a:t>
+              <a:t>Optimized Solution – Edge Case 2</a:t>
             </a:r>
           </a:p>
         </p:txBody>

--- a/Project7_Presentation.pptx
+++ b/Project7_Presentation.pptx
@@ -211,7 +211,7 @@
           <a:p>
             <a:fld id="{AE610EB6-40E6-3E47-A3CB-07FE9D02C8E9}" type="datetimeFigureOut">
               <a:rPr lang="en-US" smtClean="0"/>
-              <a:t>3/15/23</a:t>
+              <a:t>3/16/23</a:t>
             </a:fld>
             <a:endParaRPr lang="en-US"/>
           </a:p>
@@ -1434,7 +1434,7 @@
           <a:p>
             <a:fld id="{81B8F32D-D8B6-4B9E-9CBF-DCAC30B7B93D}" type="datetimeFigureOut">
               <a:rPr lang="en-US" smtClean="0"/>
-              <a:t>3/15/23</a:t>
+              <a:t>3/16/23</a:t>
             </a:fld>
             <a:endParaRPr lang="en-US"/>
           </a:p>
@@ -2523,7 +2523,7 @@
             <a:fld id="{81B8F32D-D8B6-4B9E-9CBF-DCAC30B7B93D}" type="datetimeFigureOut">
               <a:rPr lang="en-US" smtClean="0"/>
               <a:pPr/>
-              <a:t>3/15/23</a:t>
+              <a:t>3/16/23</a:t>
             </a:fld>
             <a:endParaRPr lang="en-US" dirty="0"/>
           </a:p>
@@ -3505,7 +3505,7 @@
             <a:fld id="{81B8F32D-D8B6-4B9E-9CBF-DCAC30B7B93D}" type="datetimeFigureOut">
               <a:rPr lang="en-US" smtClean="0"/>
               <a:pPr/>
-              <a:t>3/15/23</a:t>
+              <a:t>3/16/23</a:t>
             </a:fld>
             <a:endParaRPr lang="en-US" dirty="0"/>
           </a:p>
@@ -4641,7 +4641,7 @@
             <a:fld id="{81B8F32D-D8B6-4B9E-9CBF-DCAC30B7B93D}" type="datetimeFigureOut">
               <a:rPr lang="en-US" smtClean="0"/>
               <a:pPr/>
-              <a:t>3/15/23</a:t>
+              <a:t>3/16/23</a:t>
             </a:fld>
             <a:endParaRPr lang="en-US" dirty="0"/>
           </a:p>
@@ -5676,7 +5676,7 @@
             <a:fld id="{81B8F32D-D8B6-4B9E-9CBF-DCAC30B7B93D}" type="datetimeFigureOut">
               <a:rPr lang="en-US" smtClean="0"/>
               <a:pPr/>
-              <a:t>3/15/23</a:t>
+              <a:t>3/16/23</a:t>
             </a:fld>
             <a:endParaRPr lang="en-US" dirty="0"/>
           </a:p>
@@ -6338,7 +6338,7 @@
             <a:fld id="{81B8F32D-D8B6-4B9E-9CBF-DCAC30B7B93D}" type="datetimeFigureOut">
               <a:rPr lang="en-US" smtClean="0"/>
               <a:pPr/>
-              <a:t>3/15/23</a:t>
+              <a:t>3/16/23</a:t>
             </a:fld>
             <a:endParaRPr lang="en-US" dirty="0"/>
           </a:p>
@@ -7201,7 +7201,7 @@
             <a:fld id="{81B8F32D-D8B6-4B9E-9CBF-DCAC30B7B93D}" type="datetimeFigureOut">
               <a:rPr lang="en-US" smtClean="0"/>
               <a:pPr/>
-              <a:t>3/15/23</a:t>
+              <a:t>3/16/23</a:t>
             </a:fld>
             <a:endParaRPr lang="en-US" dirty="0"/>
           </a:p>
@@ -7392,7 +7392,7 @@
           <a:p>
             <a:fld id="{81B8F32D-D8B6-4B9E-9CBF-DCAC30B7B93D}" type="datetimeFigureOut">
               <a:rPr lang="en-US" smtClean="0"/>
-              <a:t>3/15/23</a:t>
+              <a:t>3/16/23</a:t>
             </a:fld>
             <a:endParaRPr lang="en-US"/>
           </a:p>
@@ -8364,7 +8364,7 @@
           <a:p>
             <a:fld id="{81B8F32D-D8B6-4B9E-9CBF-DCAC30B7B93D}" type="datetimeFigureOut">
               <a:rPr lang="en-US" smtClean="0"/>
-              <a:t>3/15/23</a:t>
+              <a:t>3/16/23</a:t>
             </a:fld>
             <a:endParaRPr lang="en-US"/>
           </a:p>
@@ -8575,7 +8575,7 @@
           <a:p>
             <a:fld id="{81B8F32D-D8B6-4B9E-9CBF-DCAC30B7B93D}" type="datetimeFigureOut">
               <a:rPr lang="en-US" smtClean="0"/>
-              <a:t>3/15/23</a:t>
+              <a:t>3/16/23</a:t>
             </a:fld>
             <a:endParaRPr lang="en-US"/>
           </a:p>
@@ -9609,7 +9609,7 @@
           <a:p>
             <a:fld id="{81B8F32D-D8B6-4B9E-9CBF-DCAC30B7B93D}" type="datetimeFigureOut">
               <a:rPr lang="en-US" smtClean="0"/>
-              <a:t>3/15/23</a:t>
+              <a:t>3/16/23</a:t>
             </a:fld>
             <a:endParaRPr lang="en-US"/>
           </a:p>
@@ -9881,7 +9881,7 @@
           <a:p>
             <a:fld id="{81B8F32D-D8B6-4B9E-9CBF-DCAC30B7B93D}" type="datetimeFigureOut">
               <a:rPr lang="en-US" smtClean="0"/>
-              <a:t>3/15/23</a:t>
+              <a:t>3/16/23</a:t>
             </a:fld>
             <a:endParaRPr lang="en-US"/>
           </a:p>
@@ -10292,7 +10292,7 @@
             <a:fld id="{81B8F32D-D8B6-4B9E-9CBF-DCAC30B7B93D}" type="datetimeFigureOut">
               <a:rPr lang="en-US" smtClean="0"/>
               <a:pPr/>
-              <a:t>3/15/23</a:t>
+              <a:t>3/16/23</a:t>
             </a:fld>
             <a:endParaRPr lang="en-US" dirty="0"/>
           </a:p>
@@ -10420,7 +10420,7 @@
           <a:p>
             <a:fld id="{81B8F32D-D8B6-4B9E-9CBF-DCAC30B7B93D}" type="datetimeFigureOut">
               <a:rPr lang="en-US" smtClean="0"/>
-              <a:t>3/15/23</a:t>
+              <a:t>3/16/23</a:t>
             </a:fld>
             <a:endParaRPr lang="en-US"/>
           </a:p>
@@ -10515,7 +10515,7 @@
           <a:p>
             <a:fld id="{81B8F32D-D8B6-4B9E-9CBF-DCAC30B7B93D}" type="datetimeFigureOut">
               <a:rPr lang="en-US" smtClean="0"/>
-              <a:t>3/15/23</a:t>
+              <a:t>3/16/23</a:t>
             </a:fld>
             <a:endParaRPr lang="en-US"/>
           </a:p>
@@ -11596,7 +11596,7 @@
           <a:p>
             <a:fld id="{81B8F32D-D8B6-4B9E-9CBF-DCAC30B7B93D}" type="datetimeFigureOut">
               <a:rPr lang="en-US" smtClean="0"/>
-              <a:t>3/15/23</a:t>
+              <a:t>3/16/23</a:t>
             </a:fld>
             <a:endParaRPr lang="en-US"/>
           </a:p>
@@ -12704,7 +12704,7 @@
           <a:p>
             <a:fld id="{81B8F32D-D8B6-4B9E-9CBF-DCAC30B7B93D}" type="datetimeFigureOut">
               <a:rPr lang="en-US" smtClean="0"/>
-              <a:t>3/15/23</a:t>
+              <a:t>3/16/23</a:t>
             </a:fld>
             <a:endParaRPr lang="en-US"/>
           </a:p>
@@ -13702,7 +13702,7 @@
             <a:fld id="{81B8F32D-D8B6-4B9E-9CBF-DCAC30B7B93D}" type="datetimeFigureOut">
               <a:rPr lang="en-US" smtClean="0"/>
               <a:pPr/>
-              <a:t>3/15/23</a:t>
+              <a:t>3/16/23</a:t>
             </a:fld>
             <a:endParaRPr lang="en-US" dirty="0"/>
           </a:p>
@@ -18612,7 +18612,7 @@
             </a:pPr>
             <a:r>
               <a:rPr lang="en-US" sz="2000" dirty="0"/>
-              <a:t>State of the dataset</a:t>
+              <a:t>State of the datasets</a:t>
             </a:r>
           </a:p>
           <a:p>
@@ -19468,7 +19468,7 @@
         <p:spPr>
           <a:xfrm>
             <a:off x="1154954" y="2603500"/>
-            <a:ext cx="11037046" cy="3416300"/>
+            <a:ext cx="11037046" cy="3994248"/>
           </a:xfrm>
         </p:spPr>
         <p:txBody>
@@ -19486,6 +19486,12 @@
             <a:r>
               <a:rPr lang="en-US" sz="2000" dirty="0"/>
               <a:t>Optimized is much faster but will oversee better combinations</a:t>
+            </a:r>
+          </a:p>
+          <a:p>
+            <a:r>
+              <a:rPr lang="en-US" sz="2000" dirty="0"/>
+              <a:t>Optimized solution’s performances are acceptable</a:t>
             </a:r>
           </a:p>
           <a:p>
@@ -20121,8 +20127,8 @@
         </p:nvSpPr>
         <p:spPr>
           <a:xfrm>
-            <a:off x="1002020" y="2324960"/>
-            <a:ext cx="10187960" cy="4533040"/>
+            <a:off x="1002020" y="2250831"/>
+            <a:ext cx="10187960" cy="4607169"/>
           </a:xfrm>
         </p:spPr>
         <p:txBody>
@@ -20172,7 +20178,7 @@
                 <a:latin typeface="Courier New" panose="02070309020205020404" pitchFamily="49" charset="0"/>
                 <a:cs typeface="Courier New" panose="02070309020205020404" pitchFamily="49" charset="0"/>
               </a:rPr>
-              <a:t>	Wallet &lt;- 500</a:t>
+              <a:t>	wallet &lt;- 500</a:t>
             </a:r>
           </a:p>
           <a:p>
@@ -20187,7 +20193,7 @@
                 <a:latin typeface="Courier New" panose="02070309020205020404" pitchFamily="49" charset="0"/>
                 <a:cs typeface="Courier New" panose="02070309020205020404" pitchFamily="49" charset="0"/>
               </a:rPr>
-              <a:t>	CSV file &lt;- shares with a name, a price and a profit as a percentage of the price</a:t>
+              <a:t>	csv_file &lt;- shares with a name, a price and a profit as a percentage of the price</a:t>
             </a:r>
           </a:p>
           <a:p>
@@ -20217,7 +20223,7 @@
                 <a:latin typeface="Courier New" panose="02070309020205020404" pitchFamily="49" charset="0"/>
                 <a:cs typeface="Courier New" panose="02070309020205020404" pitchFamily="49" charset="0"/>
               </a:rPr>
-              <a:t>	Get a list of shares from a csv file</a:t>
+              <a:t>	Get a list of shares from csv_file</a:t>
             </a:r>
           </a:p>
           <a:p>
@@ -20292,7 +20298,7 @@
                 <a:latin typeface="Courier New" panose="02070309020205020404" pitchFamily="49" charset="0"/>
                 <a:cs typeface="Courier New" panose="02070309020205020404" pitchFamily="49" charset="0"/>
               </a:rPr>
-              <a:t>			If Wallet &gt; 0 and price of share &lt;= wallet:</a:t>
+              <a:t>			If wallet &gt; 0 and price of share &lt;= wallet:</a:t>
             </a:r>
           </a:p>
           <a:p>
@@ -20322,6 +20328,21 @@
                 <a:latin typeface="Courier New" panose="02070309020205020404" pitchFamily="49" charset="0"/>
                 <a:cs typeface="Courier New" panose="02070309020205020404" pitchFamily="49" charset="0"/>
               </a:rPr>
+              <a:t>				wallet &lt;- wallet - price</a:t>
+            </a:r>
+          </a:p>
+          <a:p>
+            <a:pPr marL="0" indent="0">
+              <a:spcBef>
+                <a:spcPts val="0"/>
+              </a:spcBef>
+              <a:buNone/>
+            </a:pPr>
+            <a:r>
+              <a:rPr lang="en-US" sz="1400" dirty="0">
+                <a:latin typeface="Courier New" panose="02070309020205020404" pitchFamily="49" charset="0"/>
+                <a:cs typeface="Courier New" panose="02070309020205020404" pitchFamily="49" charset="0"/>
+              </a:rPr>
               <a:t>			Else If Wallet &gt; 0 and price of share &gt; wallet:</a:t>
             </a:r>
           </a:p>
@@ -20352,7 +20373,7 @@
                 <a:latin typeface="Courier New" panose="02070309020205020404" pitchFamily="49" charset="0"/>
                 <a:cs typeface="Courier New" panose="02070309020205020404" pitchFamily="49" charset="0"/>
               </a:rPr>
-              <a:t>			Else If Wallet = 0:</a:t>
+              <a:t>			Else If wallet = 0:</a:t>
             </a:r>
           </a:p>
           <a:p>
@@ -20367,7 +20388,7 @@
                 <a:latin typeface="Courier New" panose="02070309020205020404" pitchFamily="49" charset="0"/>
                 <a:cs typeface="Courier New" panose="02070309020205020404" pitchFamily="49" charset="0"/>
               </a:rPr>
-              <a:t>				Stop trying to buy shares</a:t>
+              <a:t>				Stop trying to buy shares, exit the loop</a:t>
             </a:r>
           </a:p>
           <a:p>
@@ -20550,7 +20571,7 @@
             <a:pPr lvl="1"/>
             <a:r>
               <a:rPr lang="en-US" sz="1800" dirty="0"/>
-              <a:t>Optimized.py only sort by profit percentage</a:t>
+              <a:t>Optimized.py only sorts by profit percentage</a:t>
             </a:r>
           </a:p>
           <a:p>
@@ -20653,7 +20674,7 @@
             <p:ph idx="1"/>
             <p:extLst>
               <p:ext uri="{D42A27DB-BD31-4B8C-83A1-F6EECF244321}">
-                <p14:modId xmlns:p14="http://schemas.microsoft.com/office/powerpoint/2010/main" val="2318074525"/>
+                <p14:modId xmlns:p14="http://schemas.microsoft.com/office/powerpoint/2010/main" val="2871296705"/>
               </p:ext>
             </p:extLst>
           </p:nvPr>
@@ -20805,7 +20826,7 @@
                         <a:rPr lang="en-US" dirty="0">
                           <a:effectLst/>
                         </a:rPr>
-                        <a:t>0.2</a:t>
+                        <a:t>20</a:t>
                       </a:r>
                     </a:p>
                   </a:txBody>
@@ -20886,7 +20907,7 @@
                         <a:rPr lang="en-US" dirty="0">
                           <a:effectLst/>
                         </a:rPr>
-                        <a:t>0.19</a:t>
+                        <a:t>19</a:t>
                       </a:r>
                     </a:p>
                   </a:txBody>
@@ -20905,7 +20926,7 @@
                     <a:lstStyle/>
                     <a:p>
                       <a:r>
-                        <a:rPr lang="en-US">
+                        <a:rPr lang="en-US" dirty="0">
                           <a:effectLst/>
                         </a:rPr>
                         <a:t>26.6</a:t>
@@ -20956,7 +20977,7 @@
                     <a:lstStyle/>
                     <a:p>
                       <a:r>
-                        <a:rPr lang="en-US">
+                        <a:rPr lang="en-US" dirty="0">
                           <a:effectLst/>
                         </a:rPr>
                         <a:t>110</a:t>
@@ -20981,7 +21002,7 @@
                         <a:rPr lang="en-US" dirty="0">
                           <a:effectLst/>
                         </a:rPr>
-                        <a:t>0.18</a:t>
+                        <a:t>18</a:t>
                       </a:r>
                     </a:p>
                   </a:txBody>
@@ -21051,7 +21072,7 @@
                     <a:lstStyle/>
                     <a:p>
                       <a:r>
-                        <a:rPr lang="en-US">
+                        <a:rPr lang="en-US" dirty="0">
                           <a:effectLst/>
                         </a:rPr>
                         <a:t>120</a:t>
@@ -21076,7 +21097,7 @@
                         <a:rPr lang="en-US" dirty="0">
                           <a:effectLst/>
                         </a:rPr>
-                        <a:t>0.17</a:t>
+                        <a:t>17</a:t>
                       </a:r>
                     </a:p>
                   </a:txBody>
@@ -21146,7 +21167,7 @@
                     <a:lstStyle/>
                     <a:p>
                       <a:r>
-                        <a:rPr lang="en-US">
+                        <a:rPr lang="en-US" dirty="0">
                           <a:effectLst/>
                         </a:rPr>
                         <a:t>130</a:t>
@@ -21168,10 +21189,10 @@
                     <a:lstStyle/>
                     <a:p>
                       <a:r>
-                        <a:rPr lang="en-US">
+                        <a:rPr lang="en-US" dirty="0">
                           <a:effectLst/>
                         </a:rPr>
-                        <a:t>0.15</a:t>
+                        <a:t>15</a:t>
                       </a:r>
                     </a:p>
                   </a:txBody>
@@ -21697,14 +21718,14 @@
             <p:ph idx="1"/>
             <p:extLst>
               <p:ext uri="{D42A27DB-BD31-4B8C-83A1-F6EECF244321}">
-                <p14:modId xmlns:p14="http://schemas.microsoft.com/office/powerpoint/2010/main" val="3174431115"/>
+                <p14:modId xmlns:p14="http://schemas.microsoft.com/office/powerpoint/2010/main" val="1847144123"/>
               </p:ext>
             </p:extLst>
           </p:nvPr>
         </p:nvGraphicFramePr>
         <p:xfrm>
           <a:off x="1187450" y="3145790"/>
-          <a:ext cx="8761412" cy="1165860"/>
+          <a:ext cx="8761412" cy="1172992"/>
         </p:xfrm>
         <a:graphic>
           <a:graphicData uri="http://schemas.openxmlformats.org/drawingml/2006/table">
@@ -21809,7 +21830,7 @@
                   </a:ext>
                 </a:extLst>
               </a:tr>
-              <a:tr h="0">
+              <a:tr h="395752">
                 <a:tc>
                   <a:txBody>
                     <a:bodyPr/>
@@ -21846,10 +21867,10 @@
                     <a:lstStyle/>
                     <a:p>
                       <a:r>
-                        <a:rPr lang="en-US">
+                        <a:rPr lang="en-US" dirty="0">
                           <a:effectLst/>
                         </a:rPr>
-                        <a:t>0.2</a:t>
+                        <a:t>20</a:t>
                       </a:r>
                     </a:p>
                   </a:txBody>
@@ -21930,7 +21951,7 @@
                         <a:rPr lang="en-US" dirty="0">
                           <a:effectLst/>
                         </a:rPr>
-                        <a:t>0.19</a:t>
+                        <a:t>19</a:t>
                       </a:r>
                     </a:p>
                   </a:txBody>

--- a/Project7_Presentation.pptx
+++ b/Project7_Presentation.pptx
@@ -211,7 +211,7 @@
           <a:p>
             <a:fld id="{AE610EB6-40E6-3E47-A3CB-07FE9D02C8E9}" type="datetimeFigureOut">
               <a:rPr lang="en-US" smtClean="0"/>
-              <a:t>3/16/23</a:t>
+              <a:t>3/17/23</a:t>
             </a:fld>
             <a:endParaRPr lang="en-US"/>
           </a:p>
@@ -1434,7 +1434,7 @@
           <a:p>
             <a:fld id="{81B8F32D-D8B6-4B9E-9CBF-DCAC30B7B93D}" type="datetimeFigureOut">
               <a:rPr lang="en-US" smtClean="0"/>
-              <a:t>3/16/23</a:t>
+              <a:t>3/17/23</a:t>
             </a:fld>
             <a:endParaRPr lang="en-US"/>
           </a:p>
@@ -2523,7 +2523,7 @@
             <a:fld id="{81B8F32D-D8B6-4B9E-9CBF-DCAC30B7B93D}" type="datetimeFigureOut">
               <a:rPr lang="en-US" smtClean="0"/>
               <a:pPr/>
-              <a:t>3/16/23</a:t>
+              <a:t>3/17/23</a:t>
             </a:fld>
             <a:endParaRPr lang="en-US" dirty="0"/>
           </a:p>
@@ -3505,7 +3505,7 @@
             <a:fld id="{81B8F32D-D8B6-4B9E-9CBF-DCAC30B7B93D}" type="datetimeFigureOut">
               <a:rPr lang="en-US" smtClean="0"/>
               <a:pPr/>
-              <a:t>3/16/23</a:t>
+              <a:t>3/17/23</a:t>
             </a:fld>
             <a:endParaRPr lang="en-US" dirty="0"/>
           </a:p>
@@ -4641,7 +4641,7 @@
             <a:fld id="{81B8F32D-D8B6-4B9E-9CBF-DCAC30B7B93D}" type="datetimeFigureOut">
               <a:rPr lang="en-US" smtClean="0"/>
               <a:pPr/>
-              <a:t>3/16/23</a:t>
+              <a:t>3/17/23</a:t>
             </a:fld>
             <a:endParaRPr lang="en-US" dirty="0"/>
           </a:p>
@@ -5676,7 +5676,7 @@
             <a:fld id="{81B8F32D-D8B6-4B9E-9CBF-DCAC30B7B93D}" type="datetimeFigureOut">
               <a:rPr lang="en-US" smtClean="0"/>
               <a:pPr/>
-              <a:t>3/16/23</a:t>
+              <a:t>3/17/23</a:t>
             </a:fld>
             <a:endParaRPr lang="en-US" dirty="0"/>
           </a:p>
@@ -6338,7 +6338,7 @@
             <a:fld id="{81B8F32D-D8B6-4B9E-9CBF-DCAC30B7B93D}" type="datetimeFigureOut">
               <a:rPr lang="en-US" smtClean="0"/>
               <a:pPr/>
-              <a:t>3/16/23</a:t>
+              <a:t>3/17/23</a:t>
             </a:fld>
             <a:endParaRPr lang="en-US" dirty="0"/>
           </a:p>
@@ -7201,7 +7201,7 @@
             <a:fld id="{81B8F32D-D8B6-4B9E-9CBF-DCAC30B7B93D}" type="datetimeFigureOut">
               <a:rPr lang="en-US" smtClean="0"/>
               <a:pPr/>
-              <a:t>3/16/23</a:t>
+              <a:t>3/17/23</a:t>
             </a:fld>
             <a:endParaRPr lang="en-US" dirty="0"/>
           </a:p>
@@ -7392,7 +7392,7 @@
           <a:p>
             <a:fld id="{81B8F32D-D8B6-4B9E-9CBF-DCAC30B7B93D}" type="datetimeFigureOut">
               <a:rPr lang="en-US" smtClean="0"/>
-              <a:t>3/16/23</a:t>
+              <a:t>3/17/23</a:t>
             </a:fld>
             <a:endParaRPr lang="en-US"/>
           </a:p>
@@ -8364,7 +8364,7 @@
           <a:p>
             <a:fld id="{81B8F32D-D8B6-4B9E-9CBF-DCAC30B7B93D}" type="datetimeFigureOut">
               <a:rPr lang="en-US" smtClean="0"/>
-              <a:t>3/16/23</a:t>
+              <a:t>3/17/23</a:t>
             </a:fld>
             <a:endParaRPr lang="en-US"/>
           </a:p>
@@ -8575,7 +8575,7 @@
           <a:p>
             <a:fld id="{81B8F32D-D8B6-4B9E-9CBF-DCAC30B7B93D}" type="datetimeFigureOut">
               <a:rPr lang="en-US" smtClean="0"/>
-              <a:t>3/16/23</a:t>
+              <a:t>3/17/23</a:t>
             </a:fld>
             <a:endParaRPr lang="en-US"/>
           </a:p>
@@ -9609,7 +9609,7 @@
           <a:p>
             <a:fld id="{81B8F32D-D8B6-4B9E-9CBF-DCAC30B7B93D}" type="datetimeFigureOut">
               <a:rPr lang="en-US" smtClean="0"/>
-              <a:t>3/16/23</a:t>
+              <a:t>3/17/23</a:t>
             </a:fld>
             <a:endParaRPr lang="en-US"/>
           </a:p>
@@ -9881,7 +9881,7 @@
           <a:p>
             <a:fld id="{81B8F32D-D8B6-4B9E-9CBF-DCAC30B7B93D}" type="datetimeFigureOut">
               <a:rPr lang="en-US" smtClean="0"/>
-              <a:t>3/16/23</a:t>
+              <a:t>3/17/23</a:t>
             </a:fld>
             <a:endParaRPr lang="en-US"/>
           </a:p>
@@ -10292,7 +10292,7 @@
             <a:fld id="{81B8F32D-D8B6-4B9E-9CBF-DCAC30B7B93D}" type="datetimeFigureOut">
               <a:rPr lang="en-US" smtClean="0"/>
               <a:pPr/>
-              <a:t>3/16/23</a:t>
+              <a:t>3/17/23</a:t>
             </a:fld>
             <a:endParaRPr lang="en-US" dirty="0"/>
           </a:p>
@@ -10420,7 +10420,7 @@
           <a:p>
             <a:fld id="{81B8F32D-D8B6-4B9E-9CBF-DCAC30B7B93D}" type="datetimeFigureOut">
               <a:rPr lang="en-US" smtClean="0"/>
-              <a:t>3/16/23</a:t>
+              <a:t>3/17/23</a:t>
             </a:fld>
             <a:endParaRPr lang="en-US"/>
           </a:p>
@@ -10515,7 +10515,7 @@
           <a:p>
             <a:fld id="{81B8F32D-D8B6-4B9E-9CBF-DCAC30B7B93D}" type="datetimeFigureOut">
               <a:rPr lang="en-US" smtClean="0"/>
-              <a:t>3/16/23</a:t>
+              <a:t>3/17/23</a:t>
             </a:fld>
             <a:endParaRPr lang="en-US"/>
           </a:p>
@@ -11596,7 +11596,7 @@
           <a:p>
             <a:fld id="{81B8F32D-D8B6-4B9E-9CBF-DCAC30B7B93D}" type="datetimeFigureOut">
               <a:rPr lang="en-US" smtClean="0"/>
-              <a:t>3/16/23</a:t>
+              <a:t>3/17/23</a:t>
             </a:fld>
             <a:endParaRPr lang="en-US"/>
           </a:p>
@@ -12704,7 +12704,7 @@
           <a:p>
             <a:fld id="{81B8F32D-D8B6-4B9E-9CBF-DCAC30B7B93D}" type="datetimeFigureOut">
               <a:rPr lang="en-US" smtClean="0"/>
-              <a:t>3/16/23</a:t>
+              <a:t>3/17/23</a:t>
             </a:fld>
             <a:endParaRPr lang="en-US"/>
           </a:p>
@@ -13702,7 +13702,7 @@
             <a:fld id="{81B8F32D-D8B6-4B9E-9CBF-DCAC30B7B93D}" type="datetimeFigureOut">
               <a:rPr lang="en-US" smtClean="0"/>
               <a:pPr/>
-              <a:t>3/16/23</a:t>
+              <a:t>3/17/23</a:t>
             </a:fld>
             <a:endParaRPr lang="en-US" dirty="0"/>
           </a:p>
@@ -16435,7 +16435,7 @@
           <p:nvPr>
             <p:extLst>
               <p:ext uri="{D42A27DB-BD31-4B8C-83A1-F6EECF244321}">
-                <p14:modId xmlns:p14="http://schemas.microsoft.com/office/powerpoint/2010/main" val="1209011110"/>
+                <p14:modId xmlns:p14="http://schemas.microsoft.com/office/powerpoint/2010/main" val="766701968"/>
               </p:ext>
             </p:extLst>
           </p:nvPr>
@@ -16663,7 +16663,7 @@
                           <a:ea typeface="+mn-ea"/>
                           <a:cs typeface="+mn-cs"/>
                         </a:rPr>
-                        <a:t>O(n log n)</a:t>
+                        <a:t>O(n log(n))</a:t>
                       </a:r>
                       <a:endParaRPr lang="en-US" kern="1100" dirty="0"/>
                     </a:p>
@@ -21882,7 +21882,7 @@
                     <a:lstStyle/>
                     <a:p>
                       <a:r>
-                        <a:rPr lang="en-US">
+                        <a:rPr lang="en-US" dirty="0">
                           <a:effectLst/>
                         </a:rPr>
                         <a:t>30</a:t>

--- a/Project7_Presentation.pptx
+++ b/Project7_Presentation.pptx
@@ -5,7 +5,7 @@
     <p:sldMasterId id="2147483819" r:id="rId1"/>
   </p:sldMasterIdLst>
   <p:notesMasterIdLst>
-    <p:notesMasterId r:id="rId17"/>
+    <p:notesMasterId r:id="rId19"/>
   </p:notesMasterIdLst>
   <p:sldIdLst>
     <p:sldId id="256" r:id="rId2"/>
@@ -21,8 +21,10 @@
     <p:sldId id="268" r:id="rId12"/>
     <p:sldId id="265" r:id="rId13"/>
     <p:sldId id="262" r:id="rId14"/>
-    <p:sldId id="266" r:id="rId15"/>
-    <p:sldId id="272" r:id="rId16"/>
+    <p:sldId id="276" r:id="rId15"/>
+    <p:sldId id="278" r:id="rId16"/>
+    <p:sldId id="266" r:id="rId17"/>
+    <p:sldId id="272" r:id="rId18"/>
   </p:sldIdLst>
   <p:sldSz cx="12192000" cy="6858000"/>
   <p:notesSz cx="6858000" cy="9144000"/>
@@ -1080,7 +1082,7 @@
           <a:p>
             <a:fld id="{AC95566E-94BD-FA4D-9D37-8087B871A8EE}" type="slidenum">
               <a:rPr lang="en-US" smtClean="0"/>
-              <a:t>14</a:t>
+              <a:t>16</a:t>
             </a:fld>
             <a:endParaRPr lang="en-US"/>
           </a:p>
@@ -16435,7 +16437,7 @@
           <p:nvPr>
             <p:extLst>
               <p:ext uri="{D42A27DB-BD31-4B8C-83A1-F6EECF244321}">
-                <p14:modId xmlns:p14="http://schemas.microsoft.com/office/powerpoint/2010/main" val="766701968"/>
+                <p14:modId xmlns:p14="http://schemas.microsoft.com/office/powerpoint/2010/main" val="3654297835"/>
               </p:ext>
             </p:extLst>
           </p:nvPr>
@@ -16663,7 +16665,7 @@
                           <a:ea typeface="+mn-ea"/>
                           <a:cs typeface="+mn-cs"/>
                         </a:rPr>
-                        <a:t>O(n log(n))</a:t>
+                        <a:t>O(n log n)</a:t>
                       </a:r>
                       <a:endParaRPr lang="en-US" kern="1100" dirty="0"/>
                     </a:p>
@@ -17288,7 +17290,7 @@
           <p:nvPr>
             <p:extLst>
               <p:ext uri="{D42A27DB-BD31-4B8C-83A1-F6EECF244321}">
-                <p14:modId xmlns:p14="http://schemas.microsoft.com/office/powerpoint/2010/main" val="2127511927"/>
+                <p14:modId xmlns:p14="http://schemas.microsoft.com/office/powerpoint/2010/main" val="253022654"/>
               </p:ext>
             </p:extLst>
           </p:nvPr>
@@ -18659,7 +18661,14 @@
             <a:pPr lvl="1"/>
             <a:r>
               <a:rPr lang="en-US" sz="1800" dirty="0"/>
-              <a:t>In optimized.py, we chose to buy those shares. Easily modifiable.</a:t>
+              <a:t>Missing data?</a:t>
+            </a:r>
+          </a:p>
+          <a:p>
+            <a:pPr lvl="1"/>
+            <a:r>
+              <a:rPr lang="en-US" sz="1800" dirty="0"/>
+              <a:t>In optimized.py, we chose not to buy those shares. Easily modifiable.</a:t>
             </a:r>
           </a:p>
           <a:p>
@@ -18722,6 +18731,866 @@
           <p:cNvPr id="2" name="Title 1">
             <a:extLst>
               <a:ext uri="{FF2B5EF4-FFF2-40B4-BE49-F238E27FC236}">
+                <a16:creationId xmlns:a16="http://schemas.microsoft.com/office/drawing/2014/main" id="{C9192605-EA71-5020-F8B3-0B604B4D06A1}"/>
+              </a:ext>
+            </a:extLst>
+          </p:cNvPr>
+          <p:cNvSpPr>
+            <a:spLocks noGrp="1"/>
+          </p:cNvSpPr>
+          <p:nvPr>
+            <p:ph type="title"/>
+          </p:nvPr>
+        </p:nvSpPr>
+        <p:spPr/>
+        <p:txBody>
+          <a:bodyPr/>
+          <a:lstStyle/>
+          <a:p>
+            <a:r>
+              <a:rPr lang="en-US" dirty="0"/>
+              <a:t>Dataset Exploration Report - Dataset 1</a:t>
+            </a:r>
+          </a:p>
+        </p:txBody>
+      </p:sp>
+      <p:graphicFrame>
+        <p:nvGraphicFramePr>
+          <p:cNvPr id="7" name="Table 7">
+            <a:extLst>
+              <a:ext uri="{FF2B5EF4-FFF2-40B4-BE49-F238E27FC236}">
+                <a16:creationId xmlns:a16="http://schemas.microsoft.com/office/drawing/2014/main" id="{5D16C411-9590-6D5C-2ABC-925B5336B7B5}"/>
+              </a:ext>
+            </a:extLst>
+          </p:cNvPr>
+          <p:cNvGraphicFramePr>
+            <a:graphicFrameLocks noGrp="1"/>
+          </p:cNvGraphicFramePr>
+          <p:nvPr>
+            <p:extLst>
+              <p:ext uri="{D42A27DB-BD31-4B8C-83A1-F6EECF244321}">
+                <p14:modId xmlns:p14="http://schemas.microsoft.com/office/powerpoint/2010/main" val="1566429417"/>
+              </p:ext>
+            </p:extLst>
+          </p:nvPr>
+        </p:nvGraphicFramePr>
+        <p:xfrm>
+          <a:off x="1524000" y="2604737"/>
+          <a:ext cx="9144000" cy="2946400"/>
+        </p:xfrm>
+        <a:graphic>
+          <a:graphicData uri="http://schemas.openxmlformats.org/drawingml/2006/table">
+            <a:tbl>
+              <a:tblPr firstRow="1" bandRow="1">
+                <a:tableStyleId>{5C22544A-7EE6-4342-B048-85BDC9FD1C3A}</a:tableStyleId>
+              </a:tblPr>
+              <a:tblGrid>
+                <a:gridCol w="2286000">
+                  <a:extLst>
+                    <a:ext uri="{9D8B030D-6E8A-4147-A177-3AD203B41FA5}">
+                      <a16:colId xmlns:a16="http://schemas.microsoft.com/office/drawing/2014/main" val="2232387548"/>
+                    </a:ext>
+                  </a:extLst>
+                </a:gridCol>
+                <a:gridCol w="2286000">
+                  <a:extLst>
+                    <a:ext uri="{9D8B030D-6E8A-4147-A177-3AD203B41FA5}">
+                      <a16:colId xmlns:a16="http://schemas.microsoft.com/office/drawing/2014/main" val="1689168770"/>
+                    </a:ext>
+                  </a:extLst>
+                </a:gridCol>
+                <a:gridCol w="4572000">
+                  <a:extLst>
+                    <a:ext uri="{9D8B030D-6E8A-4147-A177-3AD203B41FA5}">
+                      <a16:colId xmlns:a16="http://schemas.microsoft.com/office/drawing/2014/main" val="1766297351"/>
+                    </a:ext>
+                  </a:extLst>
+                </a:gridCol>
+              </a:tblGrid>
+              <a:tr h="370840">
+                <a:tc>
+                  <a:txBody>
+                    <a:bodyPr/>
+                    <a:lstStyle/>
+                    <a:p>
+                      <a:r>
+                        <a:rPr lang="en-US" dirty="0"/>
+                        <a:t>Dataset 1</a:t>
+                      </a:r>
+                    </a:p>
+                  </a:txBody>
+                  <a:tcPr/>
+                </a:tc>
+                <a:tc>
+                  <a:txBody>
+                    <a:bodyPr/>
+                    <a:lstStyle/>
+                    <a:p>
+                      <a:r>
+                        <a:rPr lang="en-US" dirty="0"/>
+                        <a:t>Sienna</a:t>
+                      </a:r>
+                    </a:p>
+                  </a:txBody>
+                  <a:tcPr/>
+                </a:tc>
+                <a:tc>
+                  <a:txBody>
+                    <a:bodyPr/>
+                    <a:lstStyle/>
+                    <a:p>
+                      <a:r>
+                        <a:rPr lang="en-US" dirty="0"/>
+                        <a:t>Optimized.py</a:t>
+                      </a:r>
+                    </a:p>
+                  </a:txBody>
+                  <a:tcPr/>
+                </a:tc>
+                <a:extLst>
+                  <a:ext uri="{0D108BD9-81ED-4DB2-BD59-A6C34878D82A}">
+                    <a16:rowId xmlns:a16="http://schemas.microsoft.com/office/drawing/2014/main" val="2360287644"/>
+                  </a:ext>
+                </a:extLst>
+              </a:tr>
+              <a:tr h="370840">
+                <a:tc>
+                  <a:txBody>
+                    <a:bodyPr/>
+                    <a:lstStyle/>
+                    <a:p>
+                      <a:r>
+                        <a:rPr lang="en-US" dirty="0"/>
+                        <a:t>Number of shares</a:t>
+                      </a:r>
+                    </a:p>
+                  </a:txBody>
+                  <a:tcPr/>
+                </a:tc>
+                <a:tc>
+                  <a:txBody>
+                    <a:bodyPr/>
+                    <a:lstStyle/>
+                    <a:p>
+                      <a:pPr marL="0" algn="l" defTabSz="457200" rtl="0" eaLnBrk="1" latinLnBrk="0" hangingPunct="1"/>
+                      <a:r>
+                        <a:rPr lang="en-US" sz="1800" kern="1200" dirty="0">
+                          <a:solidFill>
+                            <a:schemeClr val="dk1"/>
+                          </a:solidFill>
+                          <a:latin typeface="+mn-lt"/>
+                          <a:ea typeface="+mn-ea"/>
+                          <a:cs typeface="+mn-cs"/>
+                        </a:rPr>
+                        <a:t>1</a:t>
+                      </a:r>
+                    </a:p>
+                  </a:txBody>
+                  <a:tcPr/>
+                </a:tc>
+                <a:tc>
+                  <a:txBody>
+                    <a:bodyPr/>
+                    <a:lstStyle/>
+                    <a:p>
+                      <a:pPr marL="0" algn="l" defTabSz="457200" rtl="0" eaLnBrk="1" latinLnBrk="0" hangingPunct="1"/>
+                      <a:r>
+                        <a:rPr lang="en-US" sz="1800" kern="1200" dirty="0">
+                          <a:solidFill>
+                            <a:schemeClr val="dk1"/>
+                          </a:solidFill>
+                          <a:latin typeface="+mn-lt"/>
+                          <a:ea typeface="+mn-ea"/>
+                          <a:cs typeface="+mn-cs"/>
+                        </a:rPr>
+                        <a:t>25</a:t>
+                      </a:r>
+                    </a:p>
+                  </a:txBody>
+                  <a:tcPr/>
+                </a:tc>
+                <a:extLst>
+                  <a:ext uri="{0D108BD9-81ED-4DB2-BD59-A6C34878D82A}">
+                    <a16:rowId xmlns:a16="http://schemas.microsoft.com/office/drawing/2014/main" val="568271726"/>
+                  </a:ext>
+                </a:extLst>
+              </a:tr>
+              <a:tr h="370840">
+                <a:tc>
+                  <a:txBody>
+                    <a:bodyPr/>
+                    <a:lstStyle/>
+                    <a:p>
+                      <a:r>
+                        <a:rPr lang="en-US" dirty="0"/>
+                        <a:t>List of shares</a:t>
+                      </a:r>
+                    </a:p>
+                  </a:txBody>
+                  <a:tcPr/>
+                </a:tc>
+                <a:tc>
+                  <a:txBody>
+                    <a:bodyPr/>
+                    <a:lstStyle/>
+                    <a:p>
+                      <a:pPr marL="0" algn="l" defTabSz="457200" rtl="0" eaLnBrk="1" latinLnBrk="0" hangingPunct="1"/>
+                      <a:r>
+                        <a:rPr lang="en-US" sz="1800" kern="1200" dirty="0">
+                          <a:solidFill>
+                            <a:schemeClr val="dk1"/>
+                          </a:solidFill>
+                          <a:latin typeface="+mn-lt"/>
+                          <a:ea typeface="+mn-ea"/>
+                          <a:cs typeface="+mn-cs"/>
+                        </a:rPr>
+                        <a:t>GRUT</a:t>
+                      </a:r>
+                    </a:p>
+                  </a:txBody>
+                  <a:tcPr/>
+                </a:tc>
+                <a:tc>
+                  <a:txBody>
+                    <a:bodyPr/>
+                    <a:lstStyle/>
+                    <a:p>
+                      <a:pPr marL="0" marR="0" lvl="0" indent="0" algn="l" defTabSz="457200" rtl="0" eaLnBrk="1" fontAlgn="auto" latinLnBrk="0" hangingPunct="1">
+                        <a:lnSpc>
+                          <a:spcPct val="100000"/>
+                        </a:lnSpc>
+                        <a:spcBef>
+                          <a:spcPts val="0"/>
+                        </a:spcBef>
+                        <a:spcAft>
+                          <a:spcPts val="0"/>
+                        </a:spcAft>
+                        <a:buClrTx/>
+                        <a:buSzTx/>
+                        <a:buFontTx/>
+                        <a:buNone/>
+                        <a:tabLst/>
+                        <a:defRPr/>
+                      </a:pPr>
+                      <a:r>
+                        <a:rPr lang="en-US" sz="1800" kern="1200" dirty="0">
+                          <a:solidFill>
+                            <a:schemeClr val="dk1"/>
+                          </a:solidFill>
+                          <a:latin typeface="+mn-lt"/>
+                          <a:ea typeface="+mn-ea"/>
+                          <a:cs typeface="+mn-cs"/>
+                        </a:rPr>
+                        <a:t>XJMO, MTLR, KMTG, LRBZ, GTQK, WPLI, GIAJ, GHIZ, IFCP, ZSDE, FKJW, NHWA, LPDM, QQTU, USSR, EMOV, LGWG, SKKC, QLMK, UEZB, CBNY, CGJM, EVUW, FHZN, MLGM</a:t>
+                      </a:r>
+                    </a:p>
+                  </a:txBody>
+                  <a:tcPr/>
+                </a:tc>
+                <a:extLst>
+                  <a:ext uri="{0D108BD9-81ED-4DB2-BD59-A6C34878D82A}">
+                    <a16:rowId xmlns:a16="http://schemas.microsoft.com/office/drawing/2014/main" val="1673267944"/>
+                  </a:ext>
+                </a:extLst>
+              </a:tr>
+              <a:tr h="370840">
+                <a:tc>
+                  <a:txBody>
+                    <a:bodyPr/>
+                    <a:lstStyle/>
+                    <a:p>
+                      <a:r>
+                        <a:rPr lang="en-US" dirty="0"/>
+                        <a:t>Total Cost</a:t>
+                      </a:r>
+                    </a:p>
+                  </a:txBody>
+                  <a:tcPr/>
+                </a:tc>
+                <a:tc>
+                  <a:txBody>
+                    <a:bodyPr/>
+                    <a:lstStyle/>
+                    <a:p>
+                      <a:pPr marL="0" algn="l" defTabSz="457200" rtl="0" eaLnBrk="1" latinLnBrk="0" hangingPunct="1"/>
+                      <a:r>
+                        <a:rPr lang="en-US" sz="1800" kern="1200" dirty="0">
+                          <a:solidFill>
+                            <a:schemeClr val="dk1"/>
+                          </a:solidFill>
+                          <a:latin typeface="+mn-lt"/>
+                          <a:ea typeface="+mn-ea"/>
+                          <a:cs typeface="+mn-cs"/>
+                        </a:rPr>
+                        <a:t>498.76€</a:t>
+                      </a:r>
+                    </a:p>
+                  </a:txBody>
+                  <a:tcPr/>
+                </a:tc>
+                <a:tc>
+                  <a:txBody>
+                    <a:bodyPr/>
+                    <a:lstStyle/>
+                    <a:p>
+                      <a:pPr marL="0" algn="l" defTabSz="457200" rtl="0" eaLnBrk="1" latinLnBrk="0" hangingPunct="1"/>
+                      <a:r>
+                        <a:rPr lang="en-US" sz="1800" kern="1200" dirty="0">
+                          <a:solidFill>
+                            <a:schemeClr val="dk1"/>
+                          </a:solidFill>
+                          <a:latin typeface="+mn-lt"/>
+                          <a:ea typeface="+mn-ea"/>
+                          <a:cs typeface="+mn-cs"/>
+                        </a:rPr>
+                        <a:t>499.94€</a:t>
+                      </a:r>
+                    </a:p>
+                  </a:txBody>
+                  <a:tcPr/>
+                </a:tc>
+                <a:extLst>
+                  <a:ext uri="{0D108BD9-81ED-4DB2-BD59-A6C34878D82A}">
+                    <a16:rowId xmlns:a16="http://schemas.microsoft.com/office/drawing/2014/main" val="2617401630"/>
+                  </a:ext>
+                </a:extLst>
+              </a:tr>
+              <a:tr h="370840">
+                <a:tc>
+                  <a:txBody>
+                    <a:bodyPr/>
+                    <a:lstStyle/>
+                    <a:p>
+                      <a:r>
+                        <a:rPr lang="en-US" dirty="0"/>
+                        <a:t>Total Profit</a:t>
+                      </a:r>
+                    </a:p>
+                  </a:txBody>
+                  <a:tcPr/>
+                </a:tc>
+                <a:tc>
+                  <a:txBody>
+                    <a:bodyPr/>
+                    <a:lstStyle/>
+                    <a:p>
+                      <a:pPr marL="0" algn="l" defTabSz="457200" rtl="0" eaLnBrk="1" latinLnBrk="0" hangingPunct="1"/>
+                      <a:r>
+                        <a:rPr lang="en-US" sz="1800" kern="1200" dirty="0">
+                          <a:solidFill>
+                            <a:schemeClr val="dk1"/>
+                          </a:solidFill>
+                          <a:latin typeface="+mn-lt"/>
+                          <a:ea typeface="+mn-ea"/>
+                          <a:cs typeface="+mn-cs"/>
+                        </a:rPr>
+                        <a:t>196.61€</a:t>
+                      </a:r>
+                    </a:p>
+                  </a:txBody>
+                  <a:tcPr/>
+                </a:tc>
+                <a:tc>
+                  <a:txBody>
+                    <a:bodyPr/>
+                    <a:lstStyle/>
+                    <a:p>
+                      <a:pPr marL="0" algn="l" defTabSz="457200" rtl="0" eaLnBrk="1" latinLnBrk="0" hangingPunct="1"/>
+                      <a:r>
+                        <a:rPr lang="en-US" sz="1800" kern="1200" dirty="0">
+                          <a:solidFill>
+                            <a:schemeClr val="dk1"/>
+                          </a:solidFill>
+                          <a:latin typeface="+mn-lt"/>
+                          <a:ea typeface="+mn-ea"/>
+                          <a:cs typeface="+mn-cs"/>
+                        </a:rPr>
+                        <a:t>198.51€</a:t>
+                      </a:r>
+                    </a:p>
+                  </a:txBody>
+                  <a:tcPr/>
+                </a:tc>
+                <a:extLst>
+                  <a:ext uri="{0D108BD9-81ED-4DB2-BD59-A6C34878D82A}">
+                    <a16:rowId xmlns:a16="http://schemas.microsoft.com/office/drawing/2014/main" val="596599507"/>
+                  </a:ext>
+                </a:extLst>
+              </a:tr>
+            </a:tbl>
+          </a:graphicData>
+        </a:graphic>
+      </p:graphicFrame>
+    </p:spTree>
+    <p:extLst>
+      <p:ext uri="{BB962C8B-B14F-4D97-AF65-F5344CB8AC3E}">
+        <p14:creationId xmlns:p14="http://schemas.microsoft.com/office/powerpoint/2010/main" val="4196458959"/>
+      </p:ext>
+    </p:extLst>
+  </p:cSld>
+  <p:clrMapOvr>
+    <a:masterClrMapping/>
+  </p:clrMapOvr>
+</p:sld>
+</file>
+
+<file path=ppt/slides/slide15.xml><?xml version="1.0" encoding="utf-8"?>
+<p:sld xmlns:a="http://schemas.openxmlformats.org/drawingml/2006/main" xmlns:r="http://schemas.openxmlformats.org/officeDocument/2006/relationships" xmlns:p="http://schemas.openxmlformats.org/presentationml/2006/main">
+  <p:cSld>
+    <p:spTree>
+      <p:nvGrpSpPr>
+        <p:cNvPr id="1" name=""/>
+        <p:cNvGrpSpPr/>
+        <p:nvPr/>
+      </p:nvGrpSpPr>
+      <p:grpSpPr>
+        <a:xfrm>
+          <a:off x="0" y="0"/>
+          <a:ext cx="0" cy="0"/>
+          <a:chOff x="0" y="0"/>
+          <a:chExt cx="0" cy="0"/>
+        </a:xfrm>
+      </p:grpSpPr>
+      <p:sp>
+        <p:nvSpPr>
+          <p:cNvPr id="2" name="Title 1">
+            <a:extLst>
+              <a:ext uri="{FF2B5EF4-FFF2-40B4-BE49-F238E27FC236}">
+                <a16:creationId xmlns:a16="http://schemas.microsoft.com/office/drawing/2014/main" id="{C9192605-EA71-5020-F8B3-0B604B4D06A1}"/>
+              </a:ext>
+            </a:extLst>
+          </p:cNvPr>
+          <p:cNvSpPr>
+            <a:spLocks noGrp="1"/>
+          </p:cNvSpPr>
+          <p:nvPr>
+            <p:ph type="title"/>
+          </p:nvPr>
+        </p:nvSpPr>
+        <p:spPr/>
+        <p:txBody>
+          <a:bodyPr/>
+          <a:lstStyle/>
+          <a:p>
+            <a:r>
+              <a:rPr lang="en-US" dirty="0"/>
+              <a:t>Dataset Exploration Report - Dataset 2</a:t>
+            </a:r>
+          </a:p>
+        </p:txBody>
+      </p:sp>
+      <p:graphicFrame>
+        <p:nvGraphicFramePr>
+          <p:cNvPr id="7" name="Table 7">
+            <a:extLst>
+              <a:ext uri="{FF2B5EF4-FFF2-40B4-BE49-F238E27FC236}">
+                <a16:creationId xmlns:a16="http://schemas.microsoft.com/office/drawing/2014/main" id="{5D16C411-9590-6D5C-2ABC-925B5336B7B5}"/>
+              </a:ext>
+            </a:extLst>
+          </p:cNvPr>
+          <p:cNvGraphicFramePr>
+            <a:graphicFrameLocks noGrp="1"/>
+          </p:cNvGraphicFramePr>
+          <p:nvPr>
+            <p:extLst>
+              <p:ext uri="{D42A27DB-BD31-4B8C-83A1-F6EECF244321}">
+                <p14:modId xmlns:p14="http://schemas.microsoft.com/office/powerpoint/2010/main" val="859678040"/>
+              </p:ext>
+            </p:extLst>
+          </p:nvPr>
+        </p:nvGraphicFramePr>
+        <p:xfrm>
+          <a:off x="975360" y="2663612"/>
+          <a:ext cx="10241280" cy="3220720"/>
+        </p:xfrm>
+        <a:graphic>
+          <a:graphicData uri="http://schemas.openxmlformats.org/drawingml/2006/table">
+            <a:tbl>
+              <a:tblPr firstRow="1" bandRow="1">
+                <a:tableStyleId>{5C22544A-7EE6-4342-B048-85BDC9FD1C3A}</a:tableStyleId>
+              </a:tblPr>
+              <a:tblGrid>
+                <a:gridCol w="2194560">
+                  <a:extLst>
+                    <a:ext uri="{9D8B030D-6E8A-4147-A177-3AD203B41FA5}">
+                      <a16:colId xmlns:a16="http://schemas.microsoft.com/office/drawing/2014/main" val="2232387548"/>
+                    </a:ext>
+                  </a:extLst>
+                </a:gridCol>
+                <a:gridCol w="3840480">
+                  <a:extLst>
+                    <a:ext uri="{9D8B030D-6E8A-4147-A177-3AD203B41FA5}">
+                      <a16:colId xmlns:a16="http://schemas.microsoft.com/office/drawing/2014/main" val="1689168770"/>
+                    </a:ext>
+                  </a:extLst>
+                </a:gridCol>
+                <a:gridCol w="4206240">
+                  <a:extLst>
+                    <a:ext uri="{9D8B030D-6E8A-4147-A177-3AD203B41FA5}">
+                      <a16:colId xmlns:a16="http://schemas.microsoft.com/office/drawing/2014/main" val="1766297351"/>
+                    </a:ext>
+                  </a:extLst>
+                </a:gridCol>
+              </a:tblGrid>
+              <a:tr h="370840">
+                <a:tc>
+                  <a:txBody>
+                    <a:bodyPr/>
+                    <a:lstStyle/>
+                    <a:p>
+                      <a:r>
+                        <a:rPr lang="en-US" dirty="0"/>
+                        <a:t>Dataset 2</a:t>
+                      </a:r>
+                    </a:p>
+                  </a:txBody>
+                  <a:tcPr/>
+                </a:tc>
+                <a:tc>
+                  <a:txBody>
+                    <a:bodyPr/>
+                    <a:lstStyle/>
+                    <a:p>
+                      <a:r>
+                        <a:rPr lang="en-US" dirty="0"/>
+                        <a:t>Sienna</a:t>
+                      </a:r>
+                    </a:p>
+                  </a:txBody>
+                  <a:tcPr/>
+                </a:tc>
+                <a:tc>
+                  <a:txBody>
+                    <a:bodyPr/>
+                    <a:lstStyle/>
+                    <a:p>
+                      <a:r>
+                        <a:rPr lang="en-US" dirty="0"/>
+                        <a:t>Optimized.py</a:t>
+                      </a:r>
+                    </a:p>
+                  </a:txBody>
+                  <a:tcPr/>
+                </a:tc>
+                <a:extLst>
+                  <a:ext uri="{0D108BD9-81ED-4DB2-BD59-A6C34878D82A}">
+                    <a16:rowId xmlns:a16="http://schemas.microsoft.com/office/drawing/2014/main" val="2360287644"/>
+                  </a:ext>
+                </a:extLst>
+              </a:tr>
+              <a:tr h="370840">
+                <a:tc>
+                  <a:txBody>
+                    <a:bodyPr/>
+                    <a:lstStyle/>
+                    <a:p>
+                      <a:r>
+                        <a:rPr lang="en-US" dirty="0"/>
+                        <a:t>Number of shares</a:t>
+                      </a:r>
+                    </a:p>
+                  </a:txBody>
+                  <a:tcPr/>
+                </a:tc>
+                <a:tc>
+                  <a:txBody>
+                    <a:bodyPr/>
+                    <a:lstStyle/>
+                    <a:p>
+                      <a:r>
+                        <a:rPr lang="en-US" sz="1800" kern="1200" dirty="0">
+                          <a:solidFill>
+                            <a:schemeClr val="dk1"/>
+                          </a:solidFill>
+                          <a:latin typeface="+mn-lt"/>
+                          <a:ea typeface="+mn-ea"/>
+                          <a:cs typeface="+mn-cs"/>
+                        </a:rPr>
+                        <a:t>18</a:t>
+                      </a:r>
+                    </a:p>
+                  </a:txBody>
+                  <a:tcPr/>
+                </a:tc>
+                <a:tc>
+                  <a:txBody>
+                    <a:bodyPr/>
+                    <a:lstStyle/>
+                    <a:p>
+                      <a:r>
+                        <a:rPr lang="en-US" sz="1800" kern="1200" dirty="0">
+                          <a:solidFill>
+                            <a:schemeClr val="dk1"/>
+                          </a:solidFill>
+                          <a:latin typeface="+mn-lt"/>
+                          <a:ea typeface="+mn-ea"/>
+                          <a:cs typeface="+mn-cs"/>
+                        </a:rPr>
+                        <a:t>28</a:t>
+                      </a:r>
+                    </a:p>
+                  </a:txBody>
+                  <a:tcPr/>
+                </a:tc>
+                <a:extLst>
+                  <a:ext uri="{0D108BD9-81ED-4DB2-BD59-A6C34878D82A}">
+                    <a16:rowId xmlns:a16="http://schemas.microsoft.com/office/drawing/2014/main" val="568271726"/>
+                  </a:ext>
+                </a:extLst>
+              </a:tr>
+              <a:tr h="370840">
+                <a:tc>
+                  <a:txBody>
+                    <a:bodyPr/>
+                    <a:lstStyle/>
+                    <a:p>
+                      <a:r>
+                        <a:rPr lang="en-US" dirty="0"/>
+                        <a:t>List of shares</a:t>
+                      </a:r>
+                    </a:p>
+                  </a:txBody>
+                  <a:tcPr/>
+                </a:tc>
+                <a:tc>
+                  <a:txBody>
+                    <a:bodyPr/>
+                    <a:lstStyle/>
+                    <a:p>
+                      <a:pPr marL="0" marR="0" lvl="0" indent="0" algn="l" defTabSz="457200" rtl="0" eaLnBrk="1" fontAlgn="auto" latinLnBrk="0" hangingPunct="1">
+                        <a:lnSpc>
+                          <a:spcPct val="100000"/>
+                        </a:lnSpc>
+                        <a:spcBef>
+                          <a:spcPts val="0"/>
+                        </a:spcBef>
+                        <a:spcAft>
+                          <a:spcPts val="0"/>
+                        </a:spcAft>
+                        <a:buClrTx/>
+                        <a:buSzTx/>
+                        <a:buFontTx/>
+                        <a:buNone/>
+                        <a:tabLst/>
+                        <a:defRPr/>
+                      </a:pPr>
+                      <a:r>
+                        <a:rPr lang="en-US" sz="1800" kern="1200" dirty="0">
+                          <a:solidFill>
+                            <a:schemeClr val="dk1"/>
+                          </a:solidFill>
+                          <a:latin typeface="+mn-lt"/>
+                          <a:ea typeface="+mn-ea"/>
+                          <a:cs typeface="+mn-cs"/>
+                        </a:rPr>
+                        <a:t>ECAQ, IXCI, FWBE, ZOFA, PLLK, YFVZ, ANFX, PATS, NDKR, ALIY, JWGF, JGTW, FAPS, VCAX, LFXB, DWSK, XQII, ROOM</a:t>
+                      </a:r>
+                    </a:p>
+                  </a:txBody>
+                  <a:tcPr/>
+                </a:tc>
+                <a:tc>
+                  <a:txBody>
+                    <a:bodyPr/>
+                    <a:lstStyle/>
+                    <a:p>
+                      <a:pPr marL="0" marR="0" lvl="0" indent="0" algn="l" defTabSz="457200" rtl="0" eaLnBrk="1" fontAlgn="auto" latinLnBrk="0" hangingPunct="1">
+                        <a:lnSpc>
+                          <a:spcPct val="100000"/>
+                        </a:lnSpc>
+                        <a:spcBef>
+                          <a:spcPts val="0"/>
+                        </a:spcBef>
+                        <a:spcAft>
+                          <a:spcPts val="0"/>
+                        </a:spcAft>
+                        <a:buClrTx/>
+                        <a:buSzTx/>
+                        <a:buFontTx/>
+                        <a:buNone/>
+                        <a:tabLst/>
+                        <a:defRPr/>
+                      </a:pPr>
+                      <a:r>
+                        <a:rPr lang="en-US" sz="1800" kern="1200" dirty="0">
+                          <a:solidFill>
+                            <a:schemeClr val="dk1"/>
+                          </a:solidFill>
+                          <a:latin typeface="+mn-lt"/>
+                          <a:ea typeface="+mn-ea"/>
+                          <a:cs typeface="+mn-cs"/>
+                        </a:rPr>
+                        <a:t>PATS, JWGF, ALIY, NDKR, PLLK, PVHB, PUCI, CDAN, FWBE, LFXB, ZOFA, MPJI, ANFX, JVCL, FAPS, LXZU, XQII, ECAQ, GWDU, JGTW, IXCI, DWSK, ROOM, VCXT, QCTW, AMXX, DTQP, GHQY</a:t>
+                      </a:r>
+                    </a:p>
+                  </a:txBody>
+                  <a:tcPr/>
+                </a:tc>
+                <a:extLst>
+                  <a:ext uri="{0D108BD9-81ED-4DB2-BD59-A6C34878D82A}">
+                    <a16:rowId xmlns:a16="http://schemas.microsoft.com/office/drawing/2014/main" val="1673267944"/>
+                  </a:ext>
+                </a:extLst>
+              </a:tr>
+              <a:tr h="370840">
+                <a:tc>
+                  <a:txBody>
+                    <a:bodyPr/>
+                    <a:lstStyle/>
+                    <a:p>
+                      <a:r>
+                        <a:rPr lang="en-US" dirty="0"/>
+                        <a:t>Total Cost</a:t>
+                      </a:r>
+                    </a:p>
+                  </a:txBody>
+                  <a:tcPr/>
+                </a:tc>
+                <a:tc>
+                  <a:txBody>
+                    <a:bodyPr/>
+                    <a:lstStyle/>
+                    <a:p>
+                      <a:r>
+                        <a:rPr lang="en-US" sz="1800" kern="1200" dirty="0">
+                          <a:solidFill>
+                            <a:schemeClr val="dk1"/>
+                          </a:solidFill>
+                          <a:latin typeface="+mn-lt"/>
+                          <a:ea typeface="+mn-ea"/>
+                          <a:cs typeface="+mn-cs"/>
+                        </a:rPr>
+                        <a:t>489.24€</a:t>
+                      </a:r>
+                    </a:p>
+                  </a:txBody>
+                  <a:tcPr/>
+                </a:tc>
+                <a:tc>
+                  <a:txBody>
+                    <a:bodyPr/>
+                    <a:lstStyle/>
+                    <a:p>
+                      <a:r>
+                        <a:rPr lang="en-US" sz="1800" kern="1200" dirty="0">
+                          <a:solidFill>
+                            <a:schemeClr val="dk1"/>
+                          </a:solidFill>
+                          <a:latin typeface="+mn-lt"/>
+                          <a:ea typeface="+mn-ea"/>
+                          <a:cs typeface="+mn-cs"/>
+                        </a:rPr>
+                        <a:t>499.99€</a:t>
+                      </a:r>
+                    </a:p>
+                  </a:txBody>
+                  <a:tcPr/>
+                </a:tc>
+                <a:extLst>
+                  <a:ext uri="{0D108BD9-81ED-4DB2-BD59-A6C34878D82A}">
+                    <a16:rowId xmlns:a16="http://schemas.microsoft.com/office/drawing/2014/main" val="2617401630"/>
+                  </a:ext>
+                </a:extLst>
+              </a:tr>
+              <a:tr h="370840">
+                <a:tc>
+                  <a:txBody>
+                    <a:bodyPr/>
+                    <a:lstStyle/>
+                    <a:p>
+                      <a:r>
+                        <a:rPr lang="en-US" dirty="0"/>
+                        <a:t>Total Profit</a:t>
+                      </a:r>
+                    </a:p>
+                  </a:txBody>
+                  <a:tcPr/>
+                </a:tc>
+                <a:tc>
+                  <a:txBody>
+                    <a:bodyPr/>
+                    <a:lstStyle/>
+                    <a:p>
+                      <a:r>
+                        <a:rPr lang="en-US" sz="1800" kern="1200" dirty="0">
+                          <a:solidFill>
+                            <a:schemeClr val="dk1"/>
+                          </a:solidFill>
+                          <a:latin typeface="+mn-lt"/>
+                          <a:ea typeface="+mn-ea"/>
+                          <a:cs typeface="+mn-cs"/>
+                        </a:rPr>
+                        <a:t>193.78€</a:t>
+                      </a:r>
+                    </a:p>
+                  </a:txBody>
+                  <a:tcPr/>
+                </a:tc>
+                <a:tc>
+                  <a:txBody>
+                    <a:bodyPr/>
+                    <a:lstStyle/>
+                    <a:p>
+                      <a:r>
+                        <a:rPr lang="en-US" sz="1800" kern="1200" dirty="0">
+                          <a:solidFill>
+                            <a:schemeClr val="dk1"/>
+                          </a:solidFill>
+                          <a:latin typeface="+mn-lt"/>
+                          <a:ea typeface="+mn-ea"/>
+                          <a:cs typeface="+mn-cs"/>
+                        </a:rPr>
+                        <a:t>198.23€</a:t>
+                      </a:r>
+                    </a:p>
+                  </a:txBody>
+                  <a:tcPr/>
+                </a:tc>
+                <a:extLst>
+                  <a:ext uri="{0D108BD9-81ED-4DB2-BD59-A6C34878D82A}">
+                    <a16:rowId xmlns:a16="http://schemas.microsoft.com/office/drawing/2014/main" val="596599507"/>
+                  </a:ext>
+                </a:extLst>
+              </a:tr>
+            </a:tbl>
+          </a:graphicData>
+        </a:graphic>
+      </p:graphicFrame>
+    </p:spTree>
+    <p:extLst>
+      <p:ext uri="{BB962C8B-B14F-4D97-AF65-F5344CB8AC3E}">
+        <p14:creationId xmlns:p14="http://schemas.microsoft.com/office/powerpoint/2010/main" val="2973230195"/>
+      </p:ext>
+    </p:extLst>
+  </p:cSld>
+  <p:clrMapOvr>
+    <a:masterClrMapping/>
+  </p:clrMapOvr>
+</p:sld>
+</file>
+
+<file path=ppt/slides/slide16.xml><?xml version="1.0" encoding="utf-8"?>
+<p:sld xmlns:a="http://schemas.openxmlformats.org/drawingml/2006/main" xmlns:r="http://schemas.openxmlformats.org/officeDocument/2006/relationships" xmlns:p="http://schemas.openxmlformats.org/presentationml/2006/main">
+  <p:cSld>
+    <p:spTree>
+      <p:nvGrpSpPr>
+        <p:cNvPr id="1" name=""/>
+        <p:cNvGrpSpPr/>
+        <p:nvPr/>
+      </p:nvGrpSpPr>
+      <p:grpSpPr>
+        <a:xfrm>
+          <a:off x="0" y="0"/>
+          <a:ext cx="0" cy="0"/>
+          <a:chOff x="0" y="0"/>
+          <a:chExt cx="0" cy="0"/>
+        </a:xfrm>
+      </p:grpSpPr>
+      <p:sp>
+        <p:nvSpPr>
+          <p:cNvPr id="2" name="Title 1">
+            <a:extLst>
+              <a:ext uri="{FF2B5EF4-FFF2-40B4-BE49-F238E27FC236}">
                 <a16:creationId xmlns:a16="http://schemas.microsoft.com/office/drawing/2014/main" id="{CC45A4F9-5CF9-F96B-4A52-403AF5AD741F}"/>
               </a:ext>
             </a:extLst>
@@ -18740,7 +19609,7 @@
           <a:p>
             <a:r>
               <a:rPr lang="en-US" dirty="0"/>
-              <a:t>Dataset Exploration Report</a:t>
+              <a:t>Dataset Exploration Report - Summary</a:t>
             </a:r>
           </a:p>
         </p:txBody>
@@ -19404,7 +20273,7 @@
 </p:sld>
 </file>
 
-<file path=ppt/slides/slide15.xml><?xml version="1.0" encoding="utf-8"?>
+<file path=ppt/slides/slide17.xml><?xml version="1.0" encoding="utf-8"?>
 <p:sld xmlns:a="http://schemas.openxmlformats.org/drawingml/2006/main" xmlns:r="http://schemas.openxmlformats.org/officeDocument/2006/relationships" xmlns:p="http://schemas.openxmlformats.org/presentationml/2006/main">
   <p:cSld>
     <p:spTree>
@@ -19493,49 +20362,6 @@
               <a:rPr lang="en-US" sz="2000" dirty="0"/>
               <a:t>Optimized solution’s performances are acceptable</a:t>
             </a:r>
-          </a:p>
-          <a:p>
-            <a:endParaRPr lang="en-US" sz="2000" dirty="0"/>
-          </a:p>
-          <a:p>
-            <a:pPr marL="0" indent="0">
-              <a:buNone/>
-            </a:pPr>
-            <a:r>
-              <a:rPr lang="en-US" sz="2000" dirty="0"/>
-              <a:t>To go further…</a:t>
-            </a:r>
-          </a:p>
-          <a:p>
-            <a:r>
-              <a:rPr lang="en-US" sz="2000" dirty="0"/>
-              <a:t>Knapsack problem</a:t>
-            </a:r>
-          </a:p>
-          <a:p>
-            <a:pPr lvl="1"/>
-            <a:r>
-              <a:rPr lang="en-US" sz="1800" dirty="0"/>
-              <a:t>Each share has a weight (price) and a value (profit)</a:t>
-            </a:r>
-          </a:p>
-          <a:p>
-            <a:pPr lvl="1"/>
-            <a:r>
-              <a:rPr lang="en-US" sz="1800" dirty="0"/>
-              <a:t>The maximum weight capacity is the money that can be spent (500€)</a:t>
-            </a:r>
-          </a:p>
-          <a:p>
-            <a:pPr lvl="1"/>
-            <a:r>
-              <a:rPr lang="en-US" sz="1800" dirty="0"/>
-              <a:t>Need more exploration</a:t>
-            </a:r>
-          </a:p>
-          <a:p>
-            <a:pPr lvl="1"/>
-            <a:endParaRPr lang="en-US" sz="1800" dirty="0"/>
           </a:p>
         </p:txBody>
       </p:sp>
@@ -19922,20 +20748,6 @@
             <a:r>
               <a:rPr lang="en-US" sz="2000" dirty="0"/>
               <a:t>The combination with the best actual profit is selected</a:t>
-            </a:r>
-          </a:p>
-          <a:p>
-            <a:r>
-              <a:rPr lang="en-US" sz="2000" dirty="0"/>
-              <a:t>The number of combinations grows exponentially for each share (2</a:t>
-            </a:r>
-            <a:r>
-              <a:rPr lang="en-US" sz="2000" baseline="30000" dirty="0"/>
-              <a:t>n</a:t>
-            </a:r>
-            <a:r>
-              <a:rPr lang="en-US" sz="2000" dirty="0"/>
-              <a:t>)</a:t>
             </a:r>
           </a:p>
         </p:txBody>
